--- a/JDBC.pptx
+++ b/JDBC.pptx
@@ -12333,8 +12333,8 @@
         </p:blipFill>
         <p:spPr>
           <a:xfrm>
-            <a:off x="0" y="704849"/>
-            <a:ext cx="437091" cy="470713"/>
+            <a:off x="0" y="624110"/>
+            <a:ext cx="620889" cy="668649"/>
           </a:xfrm>
           <a:prstGeom prst="rect">
             <a:avLst/>

--- a/JDBC.pptx
+++ b/JDBC.pptx
@@ -5,24 +5,38 @@
     <p:sldMasterId id="2147483648" r:id="rId1"/>
   </p:sldMasterIdLst>
   <p:notesMasterIdLst>
-    <p:notesMasterId r:id="rId17"/>
+    <p:notesMasterId r:id="rId31"/>
   </p:notesMasterIdLst>
   <p:sldIdLst>
     <p:sldId id="256" r:id="rId2"/>
     <p:sldId id="270" r:id="rId3"/>
     <p:sldId id="257" r:id="rId4"/>
     <p:sldId id="266" r:id="rId5"/>
-    <p:sldId id="258" r:id="rId6"/>
-    <p:sldId id="259" r:id="rId7"/>
-    <p:sldId id="260" r:id="rId8"/>
-    <p:sldId id="262" r:id="rId9"/>
-    <p:sldId id="261" r:id="rId10"/>
-    <p:sldId id="264" r:id="rId11"/>
-    <p:sldId id="265" r:id="rId12"/>
-    <p:sldId id="267" r:id="rId13"/>
-    <p:sldId id="268" r:id="rId14"/>
-    <p:sldId id="269" r:id="rId15"/>
-    <p:sldId id="263" r:id="rId16"/>
+    <p:sldId id="274" r:id="rId6"/>
+    <p:sldId id="275" r:id="rId7"/>
+    <p:sldId id="276" r:id="rId8"/>
+    <p:sldId id="277" r:id="rId9"/>
+    <p:sldId id="278" r:id="rId10"/>
+    <p:sldId id="279" r:id="rId11"/>
+    <p:sldId id="258" r:id="rId12"/>
+    <p:sldId id="259" r:id="rId13"/>
+    <p:sldId id="260" r:id="rId14"/>
+    <p:sldId id="262" r:id="rId15"/>
+    <p:sldId id="261" r:id="rId16"/>
+    <p:sldId id="264" r:id="rId17"/>
+    <p:sldId id="265" r:id="rId18"/>
+    <p:sldId id="280" r:id="rId19"/>
+    <p:sldId id="267" r:id="rId20"/>
+    <p:sldId id="268" r:id="rId21"/>
+    <p:sldId id="271" r:id="rId22"/>
+    <p:sldId id="269" r:id="rId23"/>
+    <p:sldId id="272" r:id="rId24"/>
+    <p:sldId id="273" r:id="rId25"/>
+    <p:sldId id="281" r:id="rId26"/>
+    <p:sldId id="282" r:id="rId27"/>
+    <p:sldId id="283" r:id="rId28"/>
+    <p:sldId id="263" r:id="rId29"/>
+    <p:sldId id="284" r:id="rId30"/>
   </p:sldIdLst>
   <p:sldSz cx="12192000" cy="6858000"/>
   <p:notesSz cx="6858000" cy="9144000"/>
@@ -1277,7 +1291,7 @@
           <a:p>
             <a:fld id="{5E5C1F0C-E2AF-4461-BC74-99CF3CC157EF}" type="slidenum">
               <a:rPr lang="he-IL" smtClean="0"/>
-              <a:t>7</a:t>
+              <a:t>13</a:t>
             </a:fld>
             <a:endParaRPr lang="he-IL"/>
           </a:p>
@@ -1393,7 +1407,7 @@
           <a:p>
             <a:fld id="{5E5C1F0C-E2AF-4461-BC74-99CF3CC157EF}" type="slidenum">
               <a:rPr lang="he-IL" smtClean="0"/>
-              <a:t>9</a:t>
+              <a:t>15</a:t>
             </a:fld>
             <a:endParaRPr lang="he-IL"/>
           </a:p>
@@ -1580,7 +1594,7 @@
           <a:p>
             <a:fld id="{5E5C1F0C-E2AF-4461-BC74-99CF3CC157EF}" type="slidenum">
               <a:rPr lang="he-IL" smtClean="0"/>
-              <a:t>10</a:t>
+              <a:t>16</a:t>
             </a:fld>
             <a:endParaRPr lang="he-IL"/>
           </a:p>
@@ -2203,7 +2217,7 @@
           <a:p>
             <a:fld id="{5E5C1F0C-E2AF-4461-BC74-99CF3CC157EF}" type="slidenum">
               <a:rPr lang="he-IL" smtClean="0"/>
-              <a:t>11</a:t>
+              <a:t>17</a:t>
             </a:fld>
             <a:endParaRPr lang="he-IL"/>
           </a:p>
@@ -2342,7 +2356,7 @@
           <a:p>
             <a:fld id="{5E5C1F0C-E2AF-4461-BC74-99CF3CC157EF}" type="slidenum">
               <a:rPr lang="he-IL" smtClean="0"/>
-              <a:t>12</a:t>
+              <a:t>19</a:t>
             </a:fld>
             <a:endParaRPr lang="he-IL"/>
           </a:p>
@@ -2820,7 +2834,7 @@
           <a:p>
             <a:fld id="{5E5C1F0C-E2AF-4461-BC74-99CF3CC157EF}" type="slidenum">
               <a:rPr lang="he-IL" smtClean="0"/>
-              <a:t>13</a:t>
+              <a:t>20</a:t>
             </a:fld>
             <a:endParaRPr lang="he-IL"/>
           </a:p>
@@ -2898,8 +2912,15 @@
               <a:t>בשיטה הנקראת </a:t>
             </a:r>
             <a:r>
-              <a:rPr lang="en-US" baseline="0" dirty="0" err="1" smtClean="0"/>
-              <a:t>prepeard</a:t>
+              <a:rPr lang="en-US" baseline="0" dirty="0" smtClean="0"/>
+              <a:t>prepared statement</a:t>
+            </a:r>
+            <a:br>
+              <a:rPr lang="en-US" baseline="0" dirty="0" smtClean="0"/>
+            </a:br>
+            <a:r>
+              <a:rPr lang="he-IL" baseline="0" dirty="0" smtClean="0"/>
+              <a:t>ג'אווה מוודא שלא הוכנס קוד זדוני במשתנים.</a:t>
             </a:r>
             <a:endParaRPr lang="he-IL" dirty="0"/>
           </a:p>
@@ -2922,7 +2943,7 @@
           <a:p>
             <a:fld id="{5E5C1F0C-E2AF-4461-BC74-99CF3CC157EF}" type="slidenum">
               <a:rPr lang="he-IL" smtClean="0"/>
-              <a:t>14</a:t>
+              <a:t>22</a:t>
             </a:fld>
             <a:endParaRPr lang="he-IL"/>
           </a:p>
@@ -10463,6 +10484,48 @@
             <p:ph type="ctrTitle"/>
           </p:nvPr>
         </p:nvSpPr>
+        <p:spPr>
+          <a:xfrm>
+            <a:off x="2589213" y="609601"/>
+            <a:ext cx="8915399" cy="3476978"/>
+          </a:xfrm>
+        </p:spPr>
+        <p:txBody>
+          <a:bodyPr>
+            <a:noAutofit/>
+          </a:bodyPr>
+          <a:lstStyle/>
+          <a:p>
+            <a:pPr algn="r"/>
+            <a:r>
+              <a:rPr lang="he-IL" sz="9600" dirty="0" smtClean="0"/>
+              <a:t>ג'אווה מתקדם </a:t>
+            </a:r>
+            <a:r>
+              <a:rPr lang="en-US" sz="9600" dirty="0" smtClean="0"/>
+              <a:t/>
+            </a:r>
+            <a:br>
+              <a:rPr lang="en-US" sz="9600" dirty="0" smtClean="0"/>
+            </a:br>
+            <a:r>
+              <a:rPr lang="en-US" sz="9600" dirty="0" smtClean="0"/>
+              <a:t>JDBC</a:t>
+            </a:r>
+            <a:endParaRPr lang="he-IL" sz="9600" dirty="0"/>
+          </a:p>
+        </p:txBody>
+      </p:sp>
+      <p:sp>
+        <p:nvSpPr>
+          <p:cNvPr id="3" name="Subtitle 2"/>
+          <p:cNvSpPr>
+            <a:spLocks noGrp="1"/>
+          </p:cNvSpPr>
+          <p:nvPr>
+            <p:ph type="subTitle" idx="1"/>
+          </p:nvPr>
+        </p:nvSpPr>
         <p:spPr/>
         <p:txBody>
           <a:bodyPr>
@@ -10472,40 +10535,10 @@
           <a:p>
             <a:pPr algn="r"/>
             <a:r>
-              <a:rPr lang="he-IL" sz="7200" dirty="0" smtClean="0"/>
-              <a:t>ג'אווה מתקדם - </a:t>
-            </a:r>
-            <a:r>
-              <a:rPr lang="en-US" sz="7200" dirty="0" smtClean="0"/>
-              <a:t>JDBC</a:t>
-            </a:r>
-            <a:endParaRPr lang="he-IL" sz="7200" dirty="0"/>
-          </a:p>
-        </p:txBody>
-      </p:sp>
-      <p:sp>
-        <p:nvSpPr>
-          <p:cNvPr id="3" name="Subtitle 2"/>
-          <p:cNvSpPr>
-            <a:spLocks noGrp="1"/>
-          </p:cNvSpPr>
-          <p:nvPr>
-            <p:ph type="subTitle" idx="1"/>
-          </p:nvPr>
-        </p:nvSpPr>
-        <p:spPr/>
-        <p:txBody>
-          <a:bodyPr>
-            <a:normAutofit/>
-          </a:bodyPr>
-          <a:lstStyle/>
-          <a:p>
-            <a:pPr algn="r"/>
-            <a:r>
-              <a:rPr lang="he-IL" sz="3200" dirty="0" smtClean="0"/>
+              <a:rPr lang="he-IL" sz="4800" dirty="0" smtClean="0"/>
               <a:t>הרצאה – נחום ליטבין</a:t>
             </a:r>
-            <a:endParaRPr lang="he-IL" sz="3200" dirty="0"/>
+            <a:endParaRPr lang="he-IL" sz="4800" dirty="0"/>
           </a:p>
         </p:txBody>
       </p:sp>
@@ -10546,33 +10579,9 @@
           <a:chExt cx="0" cy="0"/>
         </a:xfrm>
       </p:grpSpPr>
-      <p:pic>
-        <p:nvPicPr>
-          <p:cNvPr id="8" name="Picture 7"/>
-          <p:cNvPicPr>
-            <a:picLocks noChangeAspect="1"/>
-          </p:cNvPicPr>
-          <p:nvPr/>
-        </p:nvPicPr>
-        <p:blipFill>
-          <a:blip r:embed="rId3"/>
-          <a:stretch>
-            <a:fillRect/>
-          </a:stretch>
-        </p:blipFill>
-        <p:spPr>
-          <a:xfrm>
-            <a:off x="0" y="1024884"/>
-            <a:ext cx="12159341" cy="5682878"/>
-          </a:xfrm>
-          <a:prstGeom prst="rect">
-            <a:avLst/>
-          </a:prstGeom>
-        </p:spPr>
-      </p:pic>
-      <p:sp>
-        <p:nvSpPr>
-          <p:cNvPr id="9" name="Title 1"/>
+      <p:sp>
+        <p:nvSpPr>
+          <p:cNvPr id="2" name="Title 1"/>
           <p:cNvSpPr>
             <a:spLocks noGrp="1"/>
           </p:cNvSpPr>
@@ -10580,12 +10589,7 @@
             <p:ph type="title"/>
           </p:nvPr>
         </p:nvSpPr>
-        <p:spPr>
-          <a:xfrm>
-            <a:off x="2575991" y="116110"/>
-            <a:ext cx="8911687" cy="1280890"/>
-          </a:xfrm>
-        </p:spPr>
+        <p:spPr/>
         <p:txBody>
           <a:bodyPr/>
           <a:lstStyle/>
@@ -10593,7 +10597,339 @@
             <a:pPr algn="r"/>
             <a:r>
               <a:rPr lang="he-IL" dirty="0" smtClean="0"/>
-              <a:t>התחברות לשרת</a:t>
+              <a:t>פקודות </a:t>
+            </a:r>
+            <a:r>
+              <a:rPr lang="en-US" dirty="0" smtClean="0"/>
+              <a:t>SQL</a:t>
+            </a:r>
+            <a:r>
+              <a:rPr lang="he-IL" dirty="0" smtClean="0"/>
+              <a:t> שונות</a:t>
+            </a:r>
+            <a:endParaRPr lang="he-IL" dirty="0"/>
+          </a:p>
+        </p:txBody>
+      </p:sp>
+      <p:sp>
+        <p:nvSpPr>
+          <p:cNvPr id="3" name="Content Placeholder 2"/>
+          <p:cNvSpPr>
+            <a:spLocks noGrp="1"/>
+          </p:cNvSpPr>
+          <p:nvPr>
+            <p:ph idx="1"/>
+          </p:nvPr>
+        </p:nvSpPr>
+        <p:spPr/>
+        <p:txBody>
+          <a:bodyPr>
+            <a:normAutofit/>
+          </a:bodyPr>
+          <a:lstStyle/>
+          <a:p>
+            <a:pPr algn="l" rtl="0"/>
+            <a:r>
+              <a:rPr lang="en-US" b="1" dirty="0"/>
+              <a:t>SELECT</a:t>
+            </a:r>
+            <a:r>
+              <a:rPr lang="en-US" dirty="0"/>
+              <a:t> </a:t>
+            </a:r>
+            <a:r>
+              <a:rPr lang="en-US" i="1" dirty="0" err="1"/>
+              <a:t>column_name</a:t>
+            </a:r>
+            <a:r>
+              <a:rPr lang="en-US" dirty="0" err="1"/>
+              <a:t>,</a:t>
+            </a:r>
+            <a:r>
+              <a:rPr lang="en-US" i="1" dirty="0" err="1"/>
+              <a:t>column_name</a:t>
+            </a:r>
+            <a:r>
+              <a:rPr lang="en-US" dirty="0"/>
+              <a:t/>
+            </a:r>
+            <a:br>
+              <a:rPr lang="en-US" dirty="0"/>
+            </a:br>
+            <a:r>
+              <a:rPr lang="en-US" b="1" dirty="0"/>
+              <a:t>FROM</a:t>
+            </a:r>
+            <a:r>
+              <a:rPr lang="en-US" dirty="0"/>
+              <a:t> </a:t>
+            </a:r>
+            <a:r>
+              <a:rPr lang="en-US" i="1" dirty="0" err="1"/>
+              <a:t>table_name</a:t>
+            </a:r>
+            <a:r>
+              <a:rPr lang="en-US" dirty="0" smtClean="0"/>
+              <a:t>;</a:t>
+            </a:r>
+            <a:endParaRPr lang="en-US" dirty="0"/>
+          </a:p>
+          <a:p>
+            <a:pPr algn="l" rtl="0"/>
+            <a:r>
+              <a:rPr lang="en-US" b="1" dirty="0"/>
+              <a:t>SELECT</a:t>
+            </a:r>
+            <a:r>
+              <a:rPr lang="en-US" dirty="0"/>
+              <a:t> </a:t>
+            </a:r>
+            <a:r>
+              <a:rPr lang="en-US" i="1" dirty="0" err="1"/>
+              <a:t>column_name</a:t>
+            </a:r>
+            <a:r>
+              <a:rPr lang="en-US" dirty="0" err="1"/>
+              <a:t>,</a:t>
+            </a:r>
+            <a:r>
+              <a:rPr lang="en-US" i="1" dirty="0" err="1"/>
+              <a:t>column_name</a:t>
+            </a:r>
+            <a:r>
+              <a:rPr lang="en-US" dirty="0"/>
+              <a:t/>
+            </a:r>
+            <a:br>
+              <a:rPr lang="en-US" dirty="0"/>
+            </a:br>
+            <a:r>
+              <a:rPr lang="en-US" b="1" dirty="0"/>
+              <a:t>FROM</a:t>
+            </a:r>
+            <a:r>
+              <a:rPr lang="en-US" dirty="0"/>
+              <a:t> </a:t>
+            </a:r>
+            <a:r>
+              <a:rPr lang="en-US" i="1" dirty="0" err="1"/>
+              <a:t>table_name</a:t>
+            </a:r>
+            <a:r>
+              <a:rPr lang="en-US" dirty="0"/>
+              <a:t/>
+            </a:r>
+            <a:br>
+              <a:rPr lang="en-US" dirty="0"/>
+            </a:br>
+            <a:r>
+              <a:rPr lang="en-US" b="1" dirty="0"/>
+              <a:t>WHERE</a:t>
+            </a:r>
+            <a:r>
+              <a:rPr lang="en-US" dirty="0"/>
+              <a:t> </a:t>
+            </a:r>
+            <a:r>
+              <a:rPr lang="en-US" i="1" dirty="0" err="1"/>
+              <a:t>column_name</a:t>
+            </a:r>
+            <a:r>
+              <a:rPr lang="en-US" i="1" dirty="0"/>
+              <a:t> operator value</a:t>
+            </a:r>
+            <a:r>
+              <a:rPr lang="en-US" dirty="0" smtClean="0"/>
+              <a:t>;</a:t>
+            </a:r>
+          </a:p>
+          <a:p>
+            <a:pPr algn="l" rtl="0"/>
+            <a:r>
+              <a:rPr lang="en-US" b="1" dirty="0"/>
+              <a:t>UPDATE</a:t>
+            </a:r>
+            <a:r>
+              <a:rPr lang="en-US" dirty="0"/>
+              <a:t> </a:t>
+            </a:r>
+            <a:r>
+              <a:rPr lang="en-US" i="1" dirty="0" err="1"/>
+              <a:t>table_name</a:t>
+            </a:r>
+            <a:r>
+              <a:rPr lang="en-US" dirty="0"/>
+              <a:t/>
+            </a:r>
+            <a:br>
+              <a:rPr lang="en-US" dirty="0"/>
+            </a:br>
+            <a:r>
+              <a:rPr lang="en-US" b="1" dirty="0"/>
+              <a:t>SET</a:t>
+            </a:r>
+            <a:r>
+              <a:rPr lang="en-US" dirty="0"/>
+              <a:t> </a:t>
+            </a:r>
+            <a:r>
+              <a:rPr lang="en-US" i="1" dirty="0"/>
+              <a:t>column1</a:t>
+            </a:r>
+            <a:r>
+              <a:rPr lang="en-US" dirty="0"/>
+              <a:t>=</a:t>
+            </a:r>
+            <a:r>
+              <a:rPr lang="en-US" i="1" dirty="0"/>
+              <a:t>value1</a:t>
+            </a:r>
+            <a:r>
+              <a:rPr lang="en-US" dirty="0"/>
+              <a:t>,</a:t>
+            </a:r>
+            <a:r>
+              <a:rPr lang="en-US" i="1" dirty="0"/>
+              <a:t>column2</a:t>
+            </a:r>
+            <a:r>
+              <a:rPr lang="en-US" dirty="0"/>
+              <a:t>=</a:t>
+            </a:r>
+            <a:r>
+              <a:rPr lang="en-US" i="1" dirty="0"/>
+              <a:t>value2</a:t>
+            </a:r>
+            <a:r>
+              <a:rPr lang="en-US" dirty="0"/>
+              <a:t>,...</a:t>
+            </a:r>
+            <a:r>
+              <a:rPr lang="en-US" dirty="0"/>
+              <a:t/>
+            </a:r>
+            <a:br>
+              <a:rPr lang="en-US" dirty="0"/>
+            </a:br>
+            <a:r>
+              <a:rPr lang="en-US" b="1" dirty="0"/>
+              <a:t>WHERE</a:t>
+            </a:r>
+            <a:r>
+              <a:rPr lang="en-US" dirty="0"/>
+              <a:t> </a:t>
+            </a:r>
+            <a:r>
+              <a:rPr lang="en-US" i="1" dirty="0" err="1"/>
+              <a:t>some_column</a:t>
+            </a:r>
+            <a:r>
+              <a:rPr lang="en-US" dirty="0"/>
+              <a:t>=</a:t>
+            </a:r>
+            <a:r>
+              <a:rPr lang="en-US" i="1" dirty="0" err="1"/>
+              <a:t>some_value</a:t>
+            </a:r>
+            <a:r>
+              <a:rPr lang="en-US" dirty="0" smtClean="0"/>
+              <a:t>;</a:t>
+            </a:r>
+          </a:p>
+          <a:p>
+            <a:pPr algn="l" rtl="0"/>
+            <a:r>
+              <a:rPr lang="en-US" b="1" dirty="0" smtClean="0"/>
+              <a:t>SELECT </a:t>
+            </a:r>
+            <a:r>
+              <a:rPr lang="en-US" dirty="0" err="1" smtClean="0"/>
+              <a:t>Orders.OrderID</a:t>
+            </a:r>
+            <a:r>
+              <a:rPr lang="en-US" dirty="0"/>
+              <a:t>, </a:t>
+            </a:r>
+            <a:r>
+              <a:rPr lang="en-US" dirty="0" err="1"/>
+              <a:t>Customers.CustomerName</a:t>
+            </a:r>
+            <a:r>
+              <a:rPr lang="en-US" dirty="0"/>
+              <a:t>, </a:t>
+            </a:r>
+            <a:r>
+              <a:rPr lang="en-US" dirty="0" err="1"/>
+              <a:t>Orders.OrderDate</a:t>
+            </a:r>
+            <a:r>
+              <a:rPr lang="en-US" dirty="0"/>
+              <a:t/>
+            </a:r>
+            <a:br>
+              <a:rPr lang="en-US" dirty="0"/>
+            </a:br>
+            <a:r>
+              <a:rPr lang="en-US" b="1" dirty="0"/>
+              <a:t>FROM</a:t>
+            </a:r>
+            <a:r>
+              <a:rPr lang="en-US" dirty="0"/>
+              <a:t> Orders</a:t>
+            </a:r>
+            <a:r>
+              <a:rPr lang="en-US" dirty="0"/>
+              <a:t/>
+            </a:r>
+            <a:br>
+              <a:rPr lang="en-US" dirty="0"/>
+            </a:br>
+            <a:r>
+              <a:rPr lang="en-US" b="1" dirty="0"/>
+              <a:t>INNER</a:t>
+            </a:r>
+            <a:r>
+              <a:rPr lang="en-US" dirty="0"/>
+              <a:t> </a:t>
+            </a:r>
+            <a:r>
+              <a:rPr lang="en-US" b="1" dirty="0"/>
+              <a:t>JOIN</a:t>
+            </a:r>
+            <a:r>
+              <a:rPr lang="en-US" dirty="0"/>
+              <a:t> Customers</a:t>
+            </a:r>
+            <a:r>
+              <a:rPr lang="en-US" dirty="0"/>
+              <a:t/>
+            </a:r>
+            <a:br>
+              <a:rPr lang="en-US" dirty="0"/>
+            </a:br>
+            <a:r>
+              <a:rPr lang="en-US" b="1" dirty="0"/>
+              <a:t>ON</a:t>
+            </a:r>
+            <a:r>
+              <a:rPr lang="en-US" dirty="0"/>
+              <a:t> </a:t>
+            </a:r>
+            <a:r>
+              <a:rPr lang="en-US" dirty="0" err="1"/>
+              <a:t>Orders.CustomerID</a:t>
+            </a:r>
+            <a:r>
+              <a:rPr lang="en-US" dirty="0"/>
+              <a:t>=</a:t>
+            </a:r>
+            <a:r>
+              <a:rPr lang="en-US" dirty="0" err="1"/>
+              <a:t>Customers.CustomerID</a:t>
+            </a:r>
+            <a:r>
+              <a:rPr lang="en-US" dirty="0"/>
+              <a:t>;</a:t>
             </a:r>
             <a:endParaRPr lang="he-IL" dirty="0"/>
           </a:p>
@@ -10602,13 +10938,20 @@
     </p:spTree>
     <p:extLst>
       <p:ext uri="{BB962C8B-B14F-4D97-AF65-F5344CB8AC3E}">
-        <p14:creationId xmlns:p14="http://schemas.microsoft.com/office/powerpoint/2010/main" val="155972484"/>
+        <p14:creationId xmlns:p14="http://schemas.microsoft.com/office/powerpoint/2010/main" val="196845479"/>
       </p:ext>
     </p:extLst>
   </p:cSld>
   <p:clrMapOvr>
     <a:masterClrMapping/>
   </p:clrMapOvr>
+  <p:timing>
+    <p:tnLst>
+      <p:par>
+        <p:cTn id="1" dur="indefinite" restart="never" nodeType="tmRoot"/>
+      </p:par>
+    </p:tnLst>
+  </p:timing>
 </p:sld>
 </file>
 
@@ -10639,1095 +10982,6 @@
             <p:ph type="title"/>
           </p:nvPr>
         </p:nvSpPr>
-        <p:spPr>
-          <a:xfrm>
-            <a:off x="2859625" y="0"/>
-            <a:ext cx="8911687" cy="1280890"/>
-          </a:xfrm>
-        </p:spPr>
-        <p:txBody>
-          <a:bodyPr/>
-          <a:lstStyle/>
-          <a:p>
-            <a:r>
-              <a:rPr lang="en-US" dirty="0" smtClean="0"/>
-              <a:t>Statement </a:t>
-            </a:r>
-            <a:r>
-              <a:rPr lang="en-US" dirty="0" err="1" smtClean="0"/>
-              <a:t>ResultSet</a:t>
-            </a:r>
-            <a:r>
-              <a:rPr lang="en-US" dirty="0" smtClean="0"/>
-              <a:t> Select</a:t>
-            </a:r>
-            <a:endParaRPr lang="he-IL" dirty="0"/>
-          </a:p>
-        </p:txBody>
-      </p:sp>
-      <p:pic>
-        <p:nvPicPr>
-          <p:cNvPr id="7" name="Picture 6"/>
-          <p:cNvPicPr>
-            <a:picLocks noChangeAspect="1"/>
-          </p:cNvPicPr>
-          <p:nvPr/>
-        </p:nvPicPr>
-        <p:blipFill>
-          <a:blip r:embed="rId3"/>
-          <a:stretch>
-            <a:fillRect/>
-          </a:stretch>
-        </p:blipFill>
-        <p:spPr>
-          <a:xfrm>
-            <a:off x="188912" y="998053"/>
-            <a:ext cx="12003088" cy="5859947"/>
-          </a:xfrm>
-          <a:prstGeom prst="rect">
-            <a:avLst/>
-          </a:prstGeom>
-        </p:spPr>
-      </p:pic>
-    </p:spTree>
-    <p:extLst>
-      <p:ext uri="{BB962C8B-B14F-4D97-AF65-F5344CB8AC3E}">
-        <p14:creationId xmlns:p14="http://schemas.microsoft.com/office/powerpoint/2010/main" val="3752324886"/>
-      </p:ext>
-    </p:extLst>
-  </p:cSld>
-  <p:clrMapOvr>
-    <a:masterClrMapping/>
-  </p:clrMapOvr>
-</p:sld>
-</file>
-
-<file path=ppt/slides/slide12.xml><?xml version="1.0" encoding="utf-8"?>
-<p:sld xmlns:a="http://schemas.openxmlformats.org/drawingml/2006/main" xmlns:r="http://schemas.openxmlformats.org/officeDocument/2006/relationships" xmlns:p="http://schemas.openxmlformats.org/presentationml/2006/main">
-  <p:cSld>
-    <p:spTree>
-      <p:nvGrpSpPr>
-        <p:cNvPr id="1" name=""/>
-        <p:cNvGrpSpPr/>
-        <p:nvPr/>
-      </p:nvGrpSpPr>
-      <p:grpSpPr>
-        <a:xfrm>
-          <a:off x="0" y="0"/>
-          <a:ext cx="0" cy="0"/>
-          <a:chOff x="0" y="0"/>
-          <a:chExt cx="0" cy="0"/>
-        </a:xfrm>
-      </p:grpSpPr>
-      <p:sp>
-        <p:nvSpPr>
-          <p:cNvPr id="2" name="Title 1"/>
-          <p:cNvSpPr>
-            <a:spLocks noGrp="1"/>
-          </p:cNvSpPr>
-          <p:nvPr>
-            <p:ph type="title"/>
-          </p:nvPr>
-        </p:nvSpPr>
-        <p:spPr/>
-        <p:txBody>
-          <a:bodyPr/>
-          <a:lstStyle/>
-          <a:p>
-            <a:r>
-              <a:rPr lang="en-US" dirty="0" smtClean="0"/>
-              <a:t>Insert Into – </a:t>
-            </a:r>
-            <a:r>
-              <a:rPr lang="en-US" dirty="0" err="1" smtClean="0"/>
-              <a:t>Execute.Update</a:t>
-            </a:r>
-            <a:endParaRPr lang="he-IL" dirty="0"/>
-          </a:p>
-        </p:txBody>
-      </p:sp>
-      <p:pic>
-        <p:nvPicPr>
-          <p:cNvPr id="6" name="Picture 5"/>
-          <p:cNvPicPr>
-            <a:picLocks noChangeAspect="1"/>
-          </p:cNvPicPr>
-          <p:nvPr/>
-        </p:nvPicPr>
-        <p:blipFill>
-          <a:blip r:embed="rId3"/>
-          <a:stretch>
-            <a:fillRect/>
-          </a:stretch>
-        </p:blipFill>
-        <p:spPr>
-          <a:xfrm>
-            <a:off x="22299" y="2209800"/>
-            <a:ext cx="12169701" cy="4648200"/>
-          </a:xfrm>
-          <a:prstGeom prst="rect">
-            <a:avLst/>
-          </a:prstGeom>
-        </p:spPr>
-      </p:pic>
-    </p:spTree>
-    <p:extLst>
-      <p:ext uri="{BB962C8B-B14F-4D97-AF65-F5344CB8AC3E}">
-        <p14:creationId xmlns:p14="http://schemas.microsoft.com/office/powerpoint/2010/main" val="1056011838"/>
-      </p:ext>
-    </p:extLst>
-  </p:cSld>
-  <p:clrMapOvr>
-    <a:masterClrMapping/>
-  </p:clrMapOvr>
-</p:sld>
-</file>
-
-<file path=ppt/slides/slide13.xml><?xml version="1.0" encoding="utf-8"?>
-<p:sld xmlns:a="http://schemas.openxmlformats.org/drawingml/2006/main" xmlns:r="http://schemas.openxmlformats.org/officeDocument/2006/relationships" xmlns:p="http://schemas.openxmlformats.org/presentationml/2006/main">
-  <p:cSld>
-    <p:spTree>
-      <p:nvGrpSpPr>
-        <p:cNvPr id="1" name=""/>
-        <p:cNvGrpSpPr/>
-        <p:nvPr/>
-      </p:nvGrpSpPr>
-      <p:grpSpPr>
-        <a:xfrm>
-          <a:off x="0" y="0"/>
-          <a:ext cx="0" cy="0"/>
-          <a:chOff x="0" y="0"/>
-          <a:chExt cx="0" cy="0"/>
-        </a:xfrm>
-      </p:grpSpPr>
-      <p:sp>
-        <p:nvSpPr>
-          <p:cNvPr id="2" name="Title 1"/>
-          <p:cNvSpPr>
-            <a:spLocks noGrp="1"/>
-          </p:cNvSpPr>
-          <p:nvPr>
-            <p:ph type="title"/>
-          </p:nvPr>
-        </p:nvSpPr>
-        <p:spPr/>
-        <p:txBody>
-          <a:bodyPr/>
-          <a:lstStyle/>
-          <a:p>
-            <a:pPr algn="ctr"/>
-            <a:r>
-              <a:rPr lang="he-IL" dirty="0" smtClean="0"/>
-              <a:t>הזרקת </a:t>
-            </a:r>
-            <a:r>
-              <a:rPr lang="en-US" dirty="0" smtClean="0"/>
-              <a:t>SQL</a:t>
-            </a:r>
-            <a:r>
-              <a:rPr lang="he-IL" dirty="0" smtClean="0"/>
-              <a:t> – </a:t>
-            </a:r>
-            <a:r>
-              <a:rPr lang="en-US" dirty="0" smtClean="0"/>
-              <a:t>SQL INJECTION</a:t>
-            </a:r>
-            <a:endParaRPr lang="he-IL" dirty="0"/>
-          </a:p>
-        </p:txBody>
-      </p:sp>
-      <p:pic>
-        <p:nvPicPr>
-          <p:cNvPr id="9" name="Content Placeholder 8"/>
-          <p:cNvPicPr>
-            <a:picLocks noGrp="1" noChangeAspect="1"/>
-          </p:cNvPicPr>
-          <p:nvPr>
-            <p:ph idx="1"/>
-          </p:nvPr>
-        </p:nvPicPr>
-        <p:blipFill>
-          <a:blip r:embed="rId3"/>
-          <a:stretch>
-            <a:fillRect/>
-          </a:stretch>
-        </p:blipFill>
-        <p:spPr>
-          <a:xfrm>
-            <a:off x="31468" y="3369734"/>
-            <a:ext cx="12160532" cy="2506133"/>
-          </a:xfrm>
-          <a:prstGeom prst="rect">
-            <a:avLst/>
-          </a:prstGeom>
-        </p:spPr>
-      </p:pic>
-      <p:sp>
-        <p:nvSpPr>
-          <p:cNvPr id="10" name="TextBox 9"/>
-          <p:cNvSpPr txBox="1"/>
-          <p:nvPr/>
-        </p:nvSpPr>
-        <p:spPr>
-          <a:xfrm>
-            <a:off x="5746045" y="2020711"/>
-            <a:ext cx="5864106" cy="523220"/>
-          </a:xfrm>
-          <a:prstGeom prst="rect">
-            <a:avLst/>
-          </a:prstGeom>
-          <a:noFill/>
-        </p:spPr>
-        <p:txBody>
-          <a:bodyPr wrap="none" rtlCol="1">
-            <a:spAutoFit/>
-          </a:bodyPr>
-          <a:lstStyle/>
-          <a:p>
-            <a:pPr marL="285750" indent="-285750" algn="l" rtl="1">
-              <a:buFont typeface="Arial" panose="020B0604020202020204" pitchFamily="34" charset="0"/>
-              <a:buChar char="•"/>
-            </a:pPr>
-            <a:r>
-              <a:rPr lang="he-IL" sz="2800" dirty="0" smtClean="0"/>
-              <a:t>שיטה להזריק קוד זדוני לתוך המערכת </a:t>
-            </a:r>
-            <a:endParaRPr lang="he-IL" sz="2800" dirty="0"/>
-          </a:p>
-        </p:txBody>
-      </p:sp>
-    </p:spTree>
-    <p:extLst>
-      <p:ext uri="{BB962C8B-B14F-4D97-AF65-F5344CB8AC3E}">
-        <p14:creationId xmlns:p14="http://schemas.microsoft.com/office/powerpoint/2010/main" val="3135162038"/>
-      </p:ext>
-    </p:extLst>
-  </p:cSld>
-  <p:clrMapOvr>
-    <a:masterClrMapping/>
-  </p:clrMapOvr>
-</p:sld>
-</file>
-
-<file path=ppt/slides/slide14.xml><?xml version="1.0" encoding="utf-8"?>
-<p:sld xmlns:a="http://schemas.openxmlformats.org/drawingml/2006/main" xmlns:r="http://schemas.openxmlformats.org/officeDocument/2006/relationships" xmlns:p="http://schemas.openxmlformats.org/presentationml/2006/main">
-  <p:cSld>
-    <p:spTree>
-      <p:nvGrpSpPr>
-        <p:cNvPr id="1" name=""/>
-        <p:cNvGrpSpPr/>
-        <p:nvPr/>
-      </p:nvGrpSpPr>
-      <p:grpSpPr>
-        <a:xfrm>
-          <a:off x="0" y="0"/>
-          <a:ext cx="0" cy="0"/>
-          <a:chOff x="0" y="0"/>
-          <a:chExt cx="0" cy="0"/>
-        </a:xfrm>
-      </p:grpSpPr>
-      <p:sp>
-        <p:nvSpPr>
-          <p:cNvPr id="2" name="Title 1"/>
-          <p:cNvSpPr>
-            <a:spLocks noGrp="1"/>
-          </p:cNvSpPr>
-          <p:nvPr>
-            <p:ph type="title"/>
-          </p:nvPr>
-        </p:nvSpPr>
-        <p:spPr>
-          <a:xfrm>
-            <a:off x="2589213" y="624110"/>
-            <a:ext cx="8911687" cy="1280890"/>
-          </a:xfrm>
-        </p:spPr>
-        <p:txBody>
-          <a:bodyPr/>
-          <a:lstStyle/>
-          <a:p>
-            <a:pPr algn="r"/>
-            <a:r>
-              <a:rPr lang="en-US" dirty="0" err="1" smtClean="0"/>
-              <a:t>Prepeard</a:t>
-            </a:r>
-            <a:r>
-              <a:rPr lang="en-US" dirty="0" smtClean="0"/>
-              <a:t> </a:t>
-            </a:r>
-            <a:r>
-              <a:rPr lang="en-US" dirty="0" err="1" smtClean="0"/>
-              <a:t>Statment</a:t>
-            </a:r>
-            <a:endParaRPr lang="he-IL" dirty="0"/>
-          </a:p>
-        </p:txBody>
-      </p:sp>
-      <p:pic>
-        <p:nvPicPr>
-          <p:cNvPr id="4" name="Content Placeholder 3"/>
-          <p:cNvPicPr>
-            <a:picLocks noGrp="1" noChangeAspect="1"/>
-          </p:cNvPicPr>
-          <p:nvPr>
-            <p:ph idx="1"/>
-          </p:nvPr>
-        </p:nvPicPr>
-        <p:blipFill>
-          <a:blip r:embed="rId3"/>
-          <a:stretch>
-            <a:fillRect/>
-          </a:stretch>
-        </p:blipFill>
-        <p:spPr>
-          <a:xfrm>
-            <a:off x="181741" y="3680178"/>
-            <a:ext cx="12010259" cy="2206977"/>
-          </a:xfrm>
-          <a:prstGeom prst="rect">
-            <a:avLst/>
-          </a:prstGeom>
-        </p:spPr>
-      </p:pic>
-      <p:sp>
-        <p:nvSpPr>
-          <p:cNvPr id="5" name="TextBox 4"/>
-          <p:cNvSpPr txBox="1"/>
-          <p:nvPr/>
-        </p:nvSpPr>
-        <p:spPr>
-          <a:xfrm>
-            <a:off x="3242154" y="2020711"/>
-            <a:ext cx="7346883" cy="1446550"/>
-          </a:xfrm>
-          <a:prstGeom prst="rect">
-            <a:avLst/>
-          </a:prstGeom>
-          <a:noFill/>
-        </p:spPr>
-        <p:txBody>
-          <a:bodyPr wrap="none" rtlCol="1">
-            <a:spAutoFit/>
-          </a:bodyPr>
-          <a:lstStyle/>
-          <a:p>
-            <a:pPr marL="285750" indent="-285750" algn="r" rtl="1">
-              <a:buFont typeface="Arial" panose="020B0604020202020204" pitchFamily="34" charset="0"/>
-              <a:buChar char="•"/>
-            </a:pPr>
-            <a:r>
-              <a:rPr lang="he-IL" sz="4400" dirty="0" smtClean="0"/>
-              <a:t>שיטה מובנת להגנה מקוד זדוני</a:t>
-            </a:r>
-          </a:p>
-          <a:p>
-            <a:pPr marL="285750" indent="-285750" algn="r" rtl="1">
-              <a:buFont typeface="Arial" panose="020B0604020202020204" pitchFamily="34" charset="0"/>
-              <a:buChar char="•"/>
-            </a:pPr>
-            <a:r>
-              <a:rPr lang="he-IL" sz="4400" dirty="0" smtClean="0"/>
-              <a:t>שימו לב הספירה מתחילה מ 1 </a:t>
-            </a:r>
-            <a:endParaRPr lang="he-IL" sz="4400" dirty="0"/>
-          </a:p>
-        </p:txBody>
-      </p:sp>
-    </p:spTree>
-    <p:extLst>
-      <p:ext uri="{BB962C8B-B14F-4D97-AF65-F5344CB8AC3E}">
-        <p14:creationId xmlns:p14="http://schemas.microsoft.com/office/powerpoint/2010/main" val="2636450551"/>
-      </p:ext>
-    </p:extLst>
-  </p:cSld>
-  <p:clrMapOvr>
-    <a:masterClrMapping/>
-  </p:clrMapOvr>
-</p:sld>
-</file>
-
-<file path=ppt/slides/slide15.xml><?xml version="1.0" encoding="utf-8"?>
-<p:sld xmlns:a="http://schemas.openxmlformats.org/drawingml/2006/main" xmlns:r="http://schemas.openxmlformats.org/officeDocument/2006/relationships" xmlns:p="http://schemas.openxmlformats.org/presentationml/2006/main">
-  <p:cSld>
-    <p:spTree>
-      <p:nvGrpSpPr>
-        <p:cNvPr id="1" name=""/>
-        <p:cNvGrpSpPr/>
-        <p:nvPr/>
-      </p:nvGrpSpPr>
-      <p:grpSpPr>
-        <a:xfrm>
-          <a:off x="0" y="0"/>
-          <a:ext cx="0" cy="0"/>
-          <a:chOff x="0" y="0"/>
-          <a:chExt cx="0" cy="0"/>
-        </a:xfrm>
-      </p:grpSpPr>
-      <p:sp>
-        <p:nvSpPr>
-          <p:cNvPr id="2" name="Title 1"/>
-          <p:cNvSpPr>
-            <a:spLocks noGrp="1"/>
-          </p:cNvSpPr>
-          <p:nvPr>
-            <p:ph type="title"/>
-          </p:nvPr>
-        </p:nvSpPr>
-        <p:spPr/>
-        <p:txBody>
-          <a:bodyPr/>
-          <a:lstStyle/>
-          <a:p>
-            <a:r>
-              <a:rPr lang="he-IL" dirty="0" smtClean="0"/>
-              <a:t>הפניות</a:t>
-            </a:r>
-            <a:endParaRPr lang="he-IL" dirty="0"/>
-          </a:p>
-        </p:txBody>
-      </p:sp>
-      <p:sp>
-        <p:nvSpPr>
-          <p:cNvPr id="3" name="Content Placeholder 2"/>
-          <p:cNvSpPr>
-            <a:spLocks noGrp="1"/>
-          </p:cNvSpPr>
-          <p:nvPr>
-            <p:ph idx="1"/>
-          </p:nvPr>
-        </p:nvSpPr>
-        <p:spPr/>
-        <p:txBody>
-          <a:bodyPr/>
-          <a:lstStyle/>
-          <a:p>
-            <a:r>
-              <a:rPr lang="en-US" dirty="0">
-                <a:hlinkClick r:id="rId2"/>
-              </a:rPr>
-              <a:t>https://dev.mysql.com/doc/connector-j/en</a:t>
-            </a:r>
-            <a:r>
-              <a:rPr lang="en-US" dirty="0" smtClean="0">
-                <a:hlinkClick r:id="rId2"/>
-              </a:rPr>
-              <a:t>/</a:t>
-            </a:r>
-            <a:r>
-              <a:rPr lang="he-IL" dirty="0" smtClean="0"/>
-              <a:t> שימוש ב</a:t>
-            </a:r>
-            <a:r>
-              <a:rPr lang="en-US" dirty="0" smtClean="0"/>
-              <a:t>Driver JDBC</a:t>
-            </a:r>
-          </a:p>
-          <a:p>
-            <a:r>
-              <a:rPr lang="he-IL" dirty="0" smtClean="0">
-                <a:hlinkClick r:id="rId3"/>
-              </a:rPr>
-              <a:t> </a:t>
-            </a:r>
-            <a:r>
-              <a:rPr lang="en-US" dirty="0" smtClean="0">
-                <a:hlinkClick r:id="rId3"/>
-              </a:rPr>
-              <a:t>https</a:t>
-            </a:r>
-            <a:r>
-              <a:rPr lang="en-US" dirty="0">
-                <a:hlinkClick r:id="rId3"/>
-              </a:rPr>
-              <a:t>://dev.mysql.com/downloads/installer</a:t>
-            </a:r>
-            <a:r>
-              <a:rPr lang="en-US" dirty="0" smtClean="0">
-                <a:hlinkClick r:id="rId3"/>
-              </a:rPr>
-              <a:t>/</a:t>
-            </a:r>
-            <a:r>
-              <a:rPr lang="he-IL" dirty="0" smtClean="0"/>
-              <a:t>  התקנת </a:t>
-            </a:r>
-            <a:r>
-              <a:rPr lang="en-US" dirty="0" err="1" smtClean="0"/>
-              <a:t>Mysql</a:t>
-            </a:r>
-            <a:endParaRPr lang="en-US" dirty="0" smtClean="0"/>
-          </a:p>
-          <a:p>
-            <a:r>
-              <a:rPr lang="he-IL" dirty="0" smtClean="0"/>
-              <a:t>התקנת </a:t>
-            </a:r>
-            <a:r>
-              <a:rPr lang="en-US" dirty="0" smtClean="0"/>
-              <a:t>IDEA</a:t>
-            </a:r>
-            <a:r>
-              <a:rPr lang="he-IL" dirty="0" smtClean="0"/>
-              <a:t>   </a:t>
-            </a:r>
-            <a:r>
-              <a:rPr lang="en-US" dirty="0" smtClean="0"/>
-              <a:t> </a:t>
-            </a:r>
-            <a:r>
-              <a:rPr lang="en-US" dirty="0" smtClean="0"/>
-              <a:t> </a:t>
-            </a:r>
-            <a:r>
-              <a:rPr lang="en-US" dirty="0" smtClean="0">
-                <a:hlinkClick r:id="rId4"/>
-              </a:rPr>
-              <a:t>http</a:t>
-            </a:r>
-            <a:r>
-              <a:rPr lang="en-US" dirty="0">
-                <a:hlinkClick r:id="rId4"/>
-              </a:rPr>
-              <a:t>://</a:t>
-            </a:r>
-            <a:r>
-              <a:rPr lang="en-US" dirty="0" smtClean="0">
-                <a:hlinkClick r:id="rId4"/>
-              </a:rPr>
-              <a:t>download.jetbrains.com/idea/ideaIC-15.0.1.exe</a:t>
-            </a:r>
-            <a:r>
-              <a:rPr lang="en-US" dirty="0" smtClean="0"/>
-              <a:t> </a:t>
-            </a:r>
-            <a:endParaRPr lang="en-US" dirty="0"/>
-          </a:p>
-          <a:p>
-            <a:r>
-              <a:rPr lang="en-US" dirty="0">
-                <a:hlinkClick r:id="rId5"/>
-              </a:rPr>
-              <a:t>https://he.wikipedia.org/wiki/</a:t>
-            </a:r>
-            <a:r>
-              <a:rPr lang="he-IL" dirty="0">
-                <a:hlinkClick r:id="rId5"/>
-              </a:rPr>
-              <a:t>הזרקת_</a:t>
-            </a:r>
-            <a:r>
-              <a:rPr lang="en-US" dirty="0" smtClean="0">
-                <a:hlinkClick r:id="rId5"/>
-              </a:rPr>
-              <a:t>SQL</a:t>
-            </a:r>
-            <a:endParaRPr lang="he-IL" dirty="0" smtClean="0"/>
-          </a:p>
-          <a:p>
-            <a:endParaRPr lang="en-US" dirty="0" smtClean="0"/>
-          </a:p>
-          <a:p>
-            <a:endParaRPr lang="he-IL" dirty="0" smtClean="0"/>
-          </a:p>
-        </p:txBody>
-      </p:sp>
-    </p:spTree>
-    <p:extLst>
-      <p:ext uri="{BB962C8B-B14F-4D97-AF65-F5344CB8AC3E}">
-        <p14:creationId xmlns:p14="http://schemas.microsoft.com/office/powerpoint/2010/main" val="3324588309"/>
-      </p:ext>
-    </p:extLst>
-  </p:cSld>
-  <p:clrMapOvr>
-    <a:masterClrMapping/>
-  </p:clrMapOvr>
-</p:sld>
-</file>
-
-<file path=ppt/slides/slide2.xml><?xml version="1.0" encoding="utf-8"?>
-<p:sld xmlns:a="http://schemas.openxmlformats.org/drawingml/2006/main" xmlns:r="http://schemas.openxmlformats.org/officeDocument/2006/relationships" xmlns:p="http://schemas.openxmlformats.org/presentationml/2006/main">
-  <p:cSld>
-    <p:spTree>
-      <p:nvGrpSpPr>
-        <p:cNvPr id="1" name=""/>
-        <p:cNvGrpSpPr/>
-        <p:nvPr/>
-      </p:nvGrpSpPr>
-      <p:grpSpPr>
-        <a:xfrm>
-          <a:off x="0" y="0"/>
-          <a:ext cx="0" cy="0"/>
-          <a:chOff x="0" y="0"/>
-          <a:chExt cx="0" cy="0"/>
-        </a:xfrm>
-      </p:grpSpPr>
-      <p:sp>
-        <p:nvSpPr>
-          <p:cNvPr id="2" name="Title 1"/>
-          <p:cNvSpPr>
-            <a:spLocks noGrp="1"/>
-          </p:cNvSpPr>
-          <p:nvPr>
-            <p:ph type="title"/>
-          </p:nvPr>
-        </p:nvSpPr>
-        <p:spPr/>
-        <p:txBody>
-          <a:bodyPr/>
-          <a:lstStyle/>
-          <a:p>
-            <a:pPr algn="r"/>
-            <a:r>
-              <a:rPr lang="he-IL" dirty="0" smtClean="0"/>
-              <a:t>המצגת ו הקוד לדוגמה</a:t>
-            </a:r>
-            <a:endParaRPr lang="he-IL" dirty="0"/>
-          </a:p>
-        </p:txBody>
-      </p:sp>
-      <p:sp>
-        <p:nvSpPr>
-          <p:cNvPr id="3" name="Content Placeholder 2"/>
-          <p:cNvSpPr>
-            <a:spLocks noGrp="1"/>
-          </p:cNvSpPr>
-          <p:nvPr>
-            <p:ph idx="1"/>
-          </p:nvPr>
-        </p:nvSpPr>
-        <p:spPr/>
-        <p:txBody>
-          <a:bodyPr/>
-          <a:lstStyle/>
-          <a:p>
-            <a:r>
-              <a:rPr lang="en-US" dirty="0">
-                <a:hlinkClick r:id="rId2"/>
-              </a:rPr>
-              <a:t>https://</a:t>
-            </a:r>
-            <a:r>
-              <a:rPr lang="en-US" dirty="0" smtClean="0">
-                <a:hlinkClick r:id="rId2"/>
-              </a:rPr>
-              <a:t>github.com/NahumLitvin/JDBCExample</a:t>
-            </a:r>
-            <a:endParaRPr lang="en-US" dirty="0" smtClean="0"/>
-          </a:p>
-          <a:p>
-            <a:endParaRPr lang="en-US" dirty="0"/>
-          </a:p>
-          <a:p>
-            <a:endParaRPr lang="en-US" dirty="0" smtClean="0"/>
-          </a:p>
-          <a:p>
-            <a:endParaRPr lang="en-US" dirty="0"/>
-          </a:p>
-          <a:p>
-            <a:endParaRPr lang="en-US" dirty="0" smtClean="0"/>
-          </a:p>
-          <a:p>
-            <a:endParaRPr lang="en-US" dirty="0"/>
-          </a:p>
-          <a:p>
-            <a:endParaRPr lang="en-US" dirty="0" smtClean="0"/>
-          </a:p>
-          <a:p>
-            <a:endParaRPr lang="he-IL" dirty="0" smtClean="0"/>
-          </a:p>
-          <a:p>
-            <a:endParaRPr lang="he-IL" dirty="0"/>
-          </a:p>
-        </p:txBody>
-      </p:sp>
-      <p:pic>
-        <p:nvPicPr>
-          <p:cNvPr id="4" name="Picture 3"/>
-          <p:cNvPicPr>
-            <a:picLocks noChangeAspect="1"/>
-          </p:cNvPicPr>
-          <p:nvPr/>
-        </p:nvPicPr>
-        <p:blipFill>
-          <a:blip r:embed="rId3">
-            <a:extLst>
-              <a:ext uri="{28A0092B-C50C-407E-A947-70E740481C1C}">
-                <a14:useLocalDpi xmlns:a14="http://schemas.microsoft.com/office/drawing/2010/main" val="0"/>
-              </a:ext>
-            </a:extLst>
-          </a:blip>
-          <a:stretch>
-            <a:fillRect/>
-          </a:stretch>
-        </p:blipFill>
-        <p:spPr>
-          <a:xfrm>
-            <a:off x="4334934" y="2633131"/>
-            <a:ext cx="4224869" cy="4224869"/>
-          </a:xfrm>
-          <a:prstGeom prst="rect">
-            <a:avLst/>
-          </a:prstGeom>
-        </p:spPr>
-      </p:pic>
-    </p:spTree>
-    <p:extLst>
-      <p:ext uri="{BB962C8B-B14F-4D97-AF65-F5344CB8AC3E}">
-        <p14:creationId xmlns:p14="http://schemas.microsoft.com/office/powerpoint/2010/main" val="817376609"/>
-      </p:ext>
-    </p:extLst>
-  </p:cSld>
-  <p:clrMapOvr>
-    <a:masterClrMapping/>
-  </p:clrMapOvr>
-</p:sld>
-</file>
-
-<file path=ppt/slides/slide3.xml><?xml version="1.0" encoding="utf-8"?>
-<p:sld xmlns:a="http://schemas.openxmlformats.org/drawingml/2006/main" xmlns:r="http://schemas.openxmlformats.org/officeDocument/2006/relationships" xmlns:p="http://schemas.openxmlformats.org/presentationml/2006/main">
-  <p:cSld>
-    <p:spTree>
-      <p:nvGrpSpPr>
-        <p:cNvPr id="1" name=""/>
-        <p:cNvGrpSpPr/>
-        <p:nvPr/>
-      </p:nvGrpSpPr>
-      <p:grpSpPr>
-        <a:xfrm>
-          <a:off x="0" y="0"/>
-          <a:ext cx="0" cy="0"/>
-          <a:chOff x="0" y="0"/>
-          <a:chExt cx="0" cy="0"/>
-        </a:xfrm>
-      </p:grpSpPr>
-      <p:sp>
-        <p:nvSpPr>
-          <p:cNvPr id="2" name="Title 1"/>
-          <p:cNvSpPr>
-            <a:spLocks noGrp="1"/>
-          </p:cNvSpPr>
-          <p:nvPr>
-            <p:ph type="title"/>
-          </p:nvPr>
-        </p:nvSpPr>
-        <p:spPr/>
-        <p:txBody>
-          <a:bodyPr/>
-          <a:lstStyle/>
-          <a:p>
-            <a:pPr algn="r"/>
-            <a:r>
-              <a:rPr lang="he-IL" dirty="0" smtClean="0"/>
-              <a:t>נושאי ההרצאה</a:t>
-            </a:r>
-            <a:endParaRPr lang="he-IL" dirty="0"/>
-          </a:p>
-        </p:txBody>
-      </p:sp>
-      <p:sp>
-        <p:nvSpPr>
-          <p:cNvPr id="3" name="Content Placeholder 2"/>
-          <p:cNvSpPr>
-            <a:spLocks noGrp="1"/>
-          </p:cNvSpPr>
-          <p:nvPr>
-            <p:ph idx="1"/>
-          </p:nvPr>
-        </p:nvSpPr>
-        <p:spPr/>
-        <p:txBody>
-          <a:bodyPr>
-            <a:normAutofit fontScale="92500" lnSpcReduction="10000"/>
-          </a:bodyPr>
-          <a:lstStyle/>
-          <a:p>
-            <a:pPr lvl="0"/>
-            <a:r>
-              <a:rPr lang="he-IL" sz="2800" dirty="0"/>
-              <a:t>עקרונות בסיסי נתונים </a:t>
-            </a:r>
-            <a:r>
-              <a:rPr lang="he-IL" sz="2800" dirty="0" smtClean="0"/>
-              <a:t>יחסיים ושפת </a:t>
-            </a:r>
-            <a:r>
-              <a:rPr lang="en-US" sz="2800" dirty="0"/>
-              <a:t>SQL</a:t>
-            </a:r>
-            <a:r>
-              <a:rPr lang="he-IL" sz="2800" dirty="0"/>
-              <a:t> לאחזור ועדכון מידע.</a:t>
-            </a:r>
-            <a:endParaRPr lang="en-US" sz="2800" dirty="0"/>
-          </a:p>
-          <a:p>
-            <a:pPr lvl="0"/>
-            <a:r>
-              <a:rPr lang="he-IL" sz="2800" dirty="0"/>
-              <a:t>טעינת דרייברים, </a:t>
-            </a:r>
-            <a:endParaRPr lang="he-IL" sz="2800" dirty="0" smtClean="0"/>
-          </a:p>
-          <a:p>
-            <a:pPr lvl="0"/>
-            <a:r>
-              <a:rPr lang="he-IL" sz="2800" dirty="0" smtClean="0"/>
-              <a:t>חיבור </a:t>
-            </a:r>
-            <a:r>
-              <a:rPr lang="he-IL" sz="2800" dirty="0"/>
-              <a:t>לבסיס הנתונים, </a:t>
-            </a:r>
-            <a:endParaRPr lang="he-IL" sz="2800" dirty="0" smtClean="0"/>
-          </a:p>
-          <a:p>
-            <a:pPr lvl="0"/>
-            <a:r>
-              <a:rPr lang="he-IL" sz="2800" dirty="0" smtClean="0"/>
-              <a:t>ביצוע שאילתות</a:t>
-            </a:r>
-          </a:p>
-          <a:p>
-            <a:pPr lvl="1"/>
-            <a:r>
-              <a:rPr lang="he-IL" sz="2600" dirty="0" smtClean="0"/>
-              <a:t> </a:t>
-            </a:r>
-            <a:r>
-              <a:rPr lang="he-IL" sz="2600" dirty="0"/>
-              <a:t>(</a:t>
-            </a:r>
-            <a:r>
-              <a:rPr lang="en-US" sz="2600" dirty="0" smtClean="0"/>
-              <a:t>Statement</a:t>
-            </a:r>
-            <a:r>
-              <a:rPr lang="he-IL" sz="2600" dirty="0" smtClean="0"/>
-              <a:t> </a:t>
-            </a:r>
-          </a:p>
-          <a:p>
-            <a:pPr lvl="1"/>
-            <a:r>
-              <a:rPr lang="en-US" sz="2600" dirty="0" err="1" smtClean="0"/>
-              <a:t>PreparedStatement</a:t>
-            </a:r>
-            <a:endParaRPr lang="he-IL" sz="2600" dirty="0" smtClean="0"/>
-          </a:p>
-          <a:p>
-            <a:pPr lvl="1"/>
-            <a:r>
-              <a:rPr lang="he-IL" sz="2600" dirty="0" smtClean="0"/>
-              <a:t>עבודה </a:t>
-            </a:r>
-            <a:r>
-              <a:rPr lang="he-IL" sz="2600" dirty="0"/>
-              <a:t>עם </a:t>
-            </a:r>
-            <a:r>
-              <a:rPr lang="en-US" sz="2600" dirty="0" err="1" smtClean="0"/>
-              <a:t>ResultSet</a:t>
-            </a:r>
-            <a:r>
-              <a:rPr lang="en-US" sz="2600" dirty="0" smtClean="0"/>
-              <a:t> </a:t>
-            </a:r>
-            <a:r>
-              <a:rPr lang="en-US" sz="2600" dirty="0" err="1" smtClean="0"/>
-              <a:t>Rowset</a:t>
-            </a:r>
-            <a:r>
-              <a:rPr lang="he-IL" sz="2600" dirty="0" smtClean="0"/>
-              <a:t> </a:t>
-            </a:r>
-          </a:p>
-          <a:p>
-            <a:pPr lvl="0"/>
-            <a:r>
-              <a:rPr lang="he-IL" sz="2800" dirty="0" smtClean="0"/>
-              <a:t>ביצוע </a:t>
-            </a:r>
-            <a:r>
-              <a:rPr lang="he-IL" sz="2800" dirty="0" err="1"/>
-              <a:t>טרנזאקציות</a:t>
-            </a:r>
-            <a:endParaRPr lang="en-US" sz="2800" dirty="0"/>
-          </a:p>
-          <a:p>
-            <a:endParaRPr lang="he-IL" dirty="0"/>
-          </a:p>
-        </p:txBody>
-      </p:sp>
-    </p:spTree>
-    <p:extLst>
-      <p:ext uri="{BB962C8B-B14F-4D97-AF65-F5344CB8AC3E}">
-        <p14:creationId xmlns:p14="http://schemas.microsoft.com/office/powerpoint/2010/main" val="3573189005"/>
-      </p:ext>
-    </p:extLst>
-  </p:cSld>
-  <p:clrMapOvr>
-    <a:masterClrMapping/>
-  </p:clrMapOvr>
-  <p:timing>
-    <p:tnLst>
-      <p:par>
-        <p:cTn id="1" dur="indefinite" restart="never" nodeType="tmRoot"/>
-      </p:par>
-    </p:tnLst>
-  </p:timing>
-</p:sld>
-</file>
-
-<file path=ppt/slides/slide4.xml><?xml version="1.0" encoding="utf-8"?>
-<p:sld xmlns:a="http://schemas.openxmlformats.org/drawingml/2006/main" xmlns:r="http://schemas.openxmlformats.org/officeDocument/2006/relationships" xmlns:p="http://schemas.openxmlformats.org/presentationml/2006/main">
-  <p:cSld>
-    <p:spTree>
-      <p:nvGrpSpPr>
-        <p:cNvPr id="1" name=""/>
-        <p:cNvGrpSpPr/>
-        <p:nvPr/>
-      </p:nvGrpSpPr>
-      <p:grpSpPr>
-        <a:xfrm>
-          <a:off x="0" y="0"/>
-          <a:ext cx="0" cy="0"/>
-          <a:chOff x="0" y="0"/>
-          <a:chExt cx="0" cy="0"/>
-        </a:xfrm>
-      </p:grpSpPr>
-      <p:sp>
-        <p:nvSpPr>
-          <p:cNvPr id="2" name="Title 1"/>
-          <p:cNvSpPr>
-            <a:spLocks noGrp="1"/>
-          </p:cNvSpPr>
-          <p:nvPr>
-            <p:ph type="title"/>
-          </p:nvPr>
-        </p:nvSpPr>
-        <p:spPr/>
-        <p:txBody>
-          <a:bodyPr/>
-          <a:lstStyle/>
-          <a:p>
-            <a:pPr algn="r"/>
-            <a:r>
-              <a:rPr lang="he-IL" dirty="0" smtClean="0"/>
-              <a:t>בסיס נתונים יחסי</a:t>
-            </a:r>
-            <a:endParaRPr lang="he-IL" dirty="0"/>
-          </a:p>
-        </p:txBody>
-      </p:sp>
-      <p:sp>
-        <p:nvSpPr>
-          <p:cNvPr id="3" name="Content Placeholder 2"/>
-          <p:cNvSpPr>
-            <a:spLocks noGrp="1"/>
-          </p:cNvSpPr>
-          <p:nvPr>
-            <p:ph idx="1"/>
-          </p:nvPr>
-        </p:nvSpPr>
-        <p:spPr/>
-        <p:txBody>
-          <a:bodyPr>
-            <a:normAutofit/>
-          </a:bodyPr>
-          <a:lstStyle/>
-          <a:p>
-            <a:r>
-              <a:rPr lang="he-IL" sz="3600" dirty="0" smtClean="0"/>
-              <a:t>הסטנדרט דה-פאקטו של בסיסי נתונים עד 2009</a:t>
-            </a:r>
-          </a:p>
-          <a:p>
-            <a:r>
-              <a:rPr lang="he-IL" sz="3600" dirty="0" smtClean="0"/>
-              <a:t>בימינו יש גם בסיסי נתונים מסוגים אחרים כמו </a:t>
-            </a:r>
-            <a:r>
-              <a:rPr lang="en-US" sz="3600" dirty="0" smtClean="0"/>
-              <a:t>Neo4J  </a:t>
-            </a:r>
-            <a:r>
-              <a:rPr lang="he-IL" sz="3600" dirty="0" smtClean="0"/>
-              <a:t> ו </a:t>
-            </a:r>
-            <a:r>
-              <a:rPr lang="en-US" sz="3600" dirty="0" smtClean="0"/>
-              <a:t>MongoDB</a:t>
-            </a:r>
-          </a:p>
-          <a:p>
-            <a:r>
-              <a:rPr lang="he-IL" sz="3600" dirty="0" smtClean="0"/>
-              <a:t>מבוסס על טבלאות עם מפתח </a:t>
-            </a:r>
-            <a:r>
-              <a:rPr lang="he-IL" sz="3600" dirty="0" err="1" smtClean="0"/>
-              <a:t>יחודי</a:t>
-            </a:r>
-            <a:r>
-              <a:rPr lang="he-IL" sz="3600" dirty="0"/>
-              <a:t> </a:t>
-            </a:r>
-            <a:r>
-              <a:rPr lang="he-IL" sz="3600" dirty="0" smtClean="0"/>
-              <a:t>שיש </a:t>
-            </a:r>
-            <a:r>
-              <a:rPr lang="he-IL" sz="3600" dirty="0" err="1" smtClean="0"/>
-              <a:t>בינהן</a:t>
-            </a:r>
-            <a:r>
-              <a:rPr lang="he-IL" sz="3600" dirty="0" smtClean="0"/>
-              <a:t> קשרים</a:t>
-            </a:r>
-            <a:endParaRPr lang="he-IL" sz="3600" dirty="0"/>
-          </a:p>
-        </p:txBody>
-      </p:sp>
-    </p:spTree>
-    <p:extLst>
-      <p:ext uri="{BB962C8B-B14F-4D97-AF65-F5344CB8AC3E}">
-        <p14:creationId xmlns:p14="http://schemas.microsoft.com/office/powerpoint/2010/main" val="1207846130"/>
-      </p:ext>
-    </p:extLst>
-  </p:cSld>
-  <p:clrMapOvr>
-    <a:masterClrMapping/>
-  </p:clrMapOvr>
-</p:sld>
-</file>
-
-<file path=ppt/slides/slide5.xml><?xml version="1.0" encoding="utf-8"?>
-<p:sld xmlns:a="http://schemas.openxmlformats.org/drawingml/2006/main" xmlns:r="http://schemas.openxmlformats.org/officeDocument/2006/relationships" xmlns:p="http://schemas.openxmlformats.org/presentationml/2006/main">
-  <p:cSld>
-    <p:spTree>
-      <p:nvGrpSpPr>
-        <p:cNvPr id="1" name=""/>
-        <p:cNvGrpSpPr/>
-        <p:nvPr/>
-      </p:nvGrpSpPr>
-      <p:grpSpPr>
-        <a:xfrm>
-          <a:off x="0" y="0"/>
-          <a:ext cx="0" cy="0"/>
-          <a:chOff x="0" y="0"/>
-          <a:chExt cx="0" cy="0"/>
-        </a:xfrm>
-      </p:grpSpPr>
-      <p:sp>
-        <p:nvSpPr>
-          <p:cNvPr id="2" name="Title 1"/>
-          <p:cNvSpPr>
-            <a:spLocks noGrp="1"/>
-          </p:cNvSpPr>
-          <p:nvPr>
-            <p:ph type="title"/>
-          </p:nvPr>
-        </p:nvSpPr>
         <p:spPr/>
         <p:txBody>
           <a:bodyPr/>
@@ -11874,7 +11128,7 @@
 </p:sld>
 </file>
 
-<file path=ppt/slides/slide6.xml><?xml version="1.0" encoding="utf-8"?>
+<file path=ppt/slides/slide12.xml><?xml version="1.0" encoding="utf-8"?>
 <p:sld xmlns:a="http://schemas.openxmlformats.org/drawingml/2006/main" xmlns:r="http://schemas.openxmlformats.org/officeDocument/2006/relationships" xmlns:p="http://schemas.openxmlformats.org/presentationml/2006/main">
   <p:cSld>
     <p:spTree>
@@ -12087,7 +11341,7 @@
 </p:sld>
 </file>
 
-<file path=ppt/slides/slide7.xml><?xml version="1.0" encoding="utf-8"?>
+<file path=ppt/slides/slide13.xml><?xml version="1.0" encoding="utf-8"?>
 <p:sld xmlns:a="http://schemas.openxmlformats.org/drawingml/2006/main" xmlns:r="http://schemas.openxmlformats.org/officeDocument/2006/relationships" xmlns:p="http://schemas.openxmlformats.org/presentationml/2006/main">
   <p:cSld>
     <p:spTree>
@@ -12202,7 +11456,7 @@
 </p:sld>
 </file>
 
-<file path=ppt/slides/slide8.xml><?xml version="1.0" encoding="utf-8"?>
+<file path=ppt/slides/slide14.xml><?xml version="1.0" encoding="utf-8"?>
 <p:sld xmlns:a="http://schemas.openxmlformats.org/drawingml/2006/main" xmlns:r="http://schemas.openxmlformats.org/officeDocument/2006/relationships" xmlns:p="http://schemas.openxmlformats.org/presentationml/2006/main">
   <p:cSld>
     <p:spTree>
@@ -12266,12 +11520,12 @@
               <a:t> זו סיבת עבודה </a:t>
             </a:r>
             <a:r>
-              <a:rPr lang="he-IL" sz="2800" dirty="0" err="1" smtClean="0"/>
-              <a:t>פופלארית</a:t>
-            </a:r>
-            <a:r>
               <a:rPr lang="he-IL" sz="2800" dirty="0" smtClean="0"/>
-              <a:t> מאד ל </a:t>
+              <a:t>פופולארית </a:t>
+            </a:r>
+            <a:r>
+              <a:rPr lang="he-IL" sz="2800" dirty="0" smtClean="0"/>
+              <a:t>מאד ל </a:t>
             </a:r>
             <a:r>
               <a:rPr lang="en-US" sz="2800" dirty="0" smtClean="0"/>
@@ -12351,10 +11605,17 @@
   <p:clrMapOvr>
     <a:masterClrMapping/>
   </p:clrMapOvr>
+  <p:timing>
+    <p:tnLst>
+      <p:par>
+        <p:cTn id="1" dur="indefinite" restart="never" nodeType="tmRoot"/>
+      </p:par>
+    </p:tnLst>
+  </p:timing>
 </p:sld>
 </file>
 
-<file path=ppt/slides/slide9.xml><?xml version="1.0" encoding="utf-8"?>
+<file path=ppt/slides/slide15.xml><?xml version="1.0" encoding="utf-8"?>
 <p:sld xmlns:a="http://schemas.openxmlformats.org/drawingml/2006/main" xmlns:r="http://schemas.openxmlformats.org/officeDocument/2006/relationships" xmlns:p="http://schemas.openxmlformats.org/presentationml/2006/main">
   <p:cSld>
     <p:spTree>
@@ -12446,6 +11707,4872 @@
   <p:clrMapOvr>
     <a:masterClrMapping/>
   </p:clrMapOvr>
+  <p:timing>
+    <p:tnLst>
+      <p:par>
+        <p:cTn id="1" dur="indefinite" restart="never" nodeType="tmRoot"/>
+      </p:par>
+    </p:tnLst>
+  </p:timing>
+</p:sld>
+</file>
+
+<file path=ppt/slides/slide16.xml><?xml version="1.0" encoding="utf-8"?>
+<p:sld xmlns:a="http://schemas.openxmlformats.org/drawingml/2006/main" xmlns:r="http://schemas.openxmlformats.org/officeDocument/2006/relationships" xmlns:p="http://schemas.openxmlformats.org/presentationml/2006/main">
+  <p:cSld>
+    <p:spTree>
+      <p:nvGrpSpPr>
+        <p:cNvPr id="1" name=""/>
+        <p:cNvGrpSpPr/>
+        <p:nvPr/>
+      </p:nvGrpSpPr>
+      <p:grpSpPr>
+        <a:xfrm>
+          <a:off x="0" y="0"/>
+          <a:ext cx="0" cy="0"/>
+          <a:chOff x="0" y="0"/>
+          <a:chExt cx="0" cy="0"/>
+        </a:xfrm>
+      </p:grpSpPr>
+      <p:pic>
+        <p:nvPicPr>
+          <p:cNvPr id="8" name="Picture 7"/>
+          <p:cNvPicPr>
+            <a:picLocks noChangeAspect="1"/>
+          </p:cNvPicPr>
+          <p:nvPr/>
+        </p:nvPicPr>
+        <p:blipFill>
+          <a:blip r:embed="rId3"/>
+          <a:stretch>
+            <a:fillRect/>
+          </a:stretch>
+        </p:blipFill>
+        <p:spPr>
+          <a:xfrm>
+            <a:off x="0" y="1024884"/>
+            <a:ext cx="12159341" cy="5682878"/>
+          </a:xfrm>
+          <a:prstGeom prst="rect">
+            <a:avLst/>
+          </a:prstGeom>
+        </p:spPr>
+      </p:pic>
+      <p:sp>
+        <p:nvSpPr>
+          <p:cNvPr id="9" name="Title 1"/>
+          <p:cNvSpPr>
+            <a:spLocks noGrp="1"/>
+          </p:cNvSpPr>
+          <p:nvPr>
+            <p:ph type="title"/>
+          </p:nvPr>
+        </p:nvSpPr>
+        <p:spPr>
+          <a:xfrm>
+            <a:off x="2575991" y="116110"/>
+            <a:ext cx="8911687" cy="1280890"/>
+          </a:xfrm>
+        </p:spPr>
+        <p:txBody>
+          <a:bodyPr/>
+          <a:lstStyle/>
+          <a:p>
+            <a:pPr algn="r"/>
+            <a:r>
+              <a:rPr lang="he-IL" dirty="0" smtClean="0"/>
+              <a:t>התחברות לשרת</a:t>
+            </a:r>
+            <a:endParaRPr lang="he-IL" dirty="0"/>
+          </a:p>
+        </p:txBody>
+      </p:sp>
+    </p:spTree>
+    <p:extLst>
+      <p:ext uri="{BB962C8B-B14F-4D97-AF65-F5344CB8AC3E}">
+        <p14:creationId xmlns:p14="http://schemas.microsoft.com/office/powerpoint/2010/main" val="155972484"/>
+      </p:ext>
+    </p:extLst>
+  </p:cSld>
+  <p:clrMapOvr>
+    <a:masterClrMapping/>
+  </p:clrMapOvr>
+  <p:timing>
+    <p:tnLst>
+      <p:par>
+        <p:cTn id="1" dur="indefinite" restart="never" nodeType="tmRoot"/>
+      </p:par>
+    </p:tnLst>
+  </p:timing>
+</p:sld>
+</file>
+
+<file path=ppt/slides/slide17.xml><?xml version="1.0" encoding="utf-8"?>
+<p:sld xmlns:a="http://schemas.openxmlformats.org/drawingml/2006/main" xmlns:r="http://schemas.openxmlformats.org/officeDocument/2006/relationships" xmlns:p="http://schemas.openxmlformats.org/presentationml/2006/main">
+  <p:cSld>
+    <p:spTree>
+      <p:nvGrpSpPr>
+        <p:cNvPr id="1" name=""/>
+        <p:cNvGrpSpPr/>
+        <p:nvPr/>
+      </p:nvGrpSpPr>
+      <p:grpSpPr>
+        <a:xfrm>
+          <a:off x="0" y="0"/>
+          <a:ext cx="0" cy="0"/>
+          <a:chOff x="0" y="0"/>
+          <a:chExt cx="0" cy="0"/>
+        </a:xfrm>
+      </p:grpSpPr>
+      <p:sp>
+        <p:nvSpPr>
+          <p:cNvPr id="2" name="Title 1"/>
+          <p:cNvSpPr>
+            <a:spLocks noGrp="1"/>
+          </p:cNvSpPr>
+          <p:nvPr>
+            <p:ph type="title"/>
+          </p:nvPr>
+        </p:nvSpPr>
+        <p:spPr>
+          <a:xfrm>
+            <a:off x="2859625" y="0"/>
+            <a:ext cx="8911687" cy="1280890"/>
+          </a:xfrm>
+        </p:spPr>
+        <p:txBody>
+          <a:bodyPr/>
+          <a:lstStyle/>
+          <a:p>
+            <a:r>
+              <a:rPr lang="en-US" dirty="0" smtClean="0"/>
+              <a:t>Statement </a:t>
+            </a:r>
+            <a:r>
+              <a:rPr lang="en-US" dirty="0" err="1" smtClean="0"/>
+              <a:t>ResultSet</a:t>
+            </a:r>
+            <a:r>
+              <a:rPr lang="en-US" dirty="0" smtClean="0"/>
+              <a:t> Select</a:t>
+            </a:r>
+            <a:endParaRPr lang="he-IL" dirty="0"/>
+          </a:p>
+        </p:txBody>
+      </p:sp>
+      <p:pic>
+        <p:nvPicPr>
+          <p:cNvPr id="7" name="Picture 6"/>
+          <p:cNvPicPr>
+            <a:picLocks noChangeAspect="1"/>
+          </p:cNvPicPr>
+          <p:nvPr/>
+        </p:nvPicPr>
+        <p:blipFill>
+          <a:blip r:embed="rId3"/>
+          <a:stretch>
+            <a:fillRect/>
+          </a:stretch>
+        </p:blipFill>
+        <p:spPr>
+          <a:xfrm>
+            <a:off x="188912" y="998053"/>
+            <a:ext cx="12003088" cy="5859947"/>
+          </a:xfrm>
+          <a:prstGeom prst="rect">
+            <a:avLst/>
+          </a:prstGeom>
+        </p:spPr>
+      </p:pic>
+    </p:spTree>
+    <p:extLst>
+      <p:ext uri="{BB962C8B-B14F-4D97-AF65-F5344CB8AC3E}">
+        <p14:creationId xmlns:p14="http://schemas.microsoft.com/office/powerpoint/2010/main" val="3752324886"/>
+      </p:ext>
+    </p:extLst>
+  </p:cSld>
+  <p:clrMapOvr>
+    <a:masterClrMapping/>
+  </p:clrMapOvr>
+  <p:timing>
+    <p:tnLst>
+      <p:par>
+        <p:cTn id="1" dur="indefinite" restart="never" nodeType="tmRoot"/>
+      </p:par>
+    </p:tnLst>
+  </p:timing>
+</p:sld>
+</file>
+
+<file path=ppt/slides/slide18.xml><?xml version="1.0" encoding="utf-8"?>
+<p:sld xmlns:a="http://schemas.openxmlformats.org/drawingml/2006/main" xmlns:r="http://schemas.openxmlformats.org/officeDocument/2006/relationships" xmlns:p="http://schemas.openxmlformats.org/presentationml/2006/main">
+  <p:cSld>
+    <p:spTree>
+      <p:nvGrpSpPr>
+        <p:cNvPr id="1" name=""/>
+        <p:cNvGrpSpPr/>
+        <p:nvPr/>
+      </p:nvGrpSpPr>
+      <p:grpSpPr>
+        <a:xfrm>
+          <a:off x="0" y="0"/>
+          <a:ext cx="0" cy="0"/>
+          <a:chOff x="0" y="0"/>
+          <a:chExt cx="0" cy="0"/>
+        </a:xfrm>
+      </p:grpSpPr>
+      <p:sp>
+        <p:nvSpPr>
+          <p:cNvPr id="2" name="Title 1"/>
+          <p:cNvSpPr>
+            <a:spLocks noGrp="1"/>
+          </p:cNvSpPr>
+          <p:nvPr>
+            <p:ph type="title"/>
+          </p:nvPr>
+        </p:nvSpPr>
+        <p:spPr/>
+        <p:txBody>
+          <a:bodyPr/>
+          <a:lstStyle/>
+          <a:p>
+            <a:r>
+              <a:rPr lang="en-US" dirty="0" smtClean="0"/>
+              <a:t>Updatable </a:t>
+            </a:r>
+            <a:r>
+              <a:rPr lang="en-US" dirty="0" err="1"/>
+              <a:t>ResultSet</a:t>
+            </a:r>
+            <a:r>
+              <a:rPr lang="en-US" dirty="0"/>
+              <a:t> </a:t>
+            </a:r>
+            <a:endParaRPr lang="he-IL" dirty="0"/>
+          </a:p>
+        </p:txBody>
+      </p:sp>
+      <p:sp>
+        <p:nvSpPr>
+          <p:cNvPr id="4" name="Rectangle 1"/>
+          <p:cNvSpPr>
+            <a:spLocks noGrp="1" noChangeArrowheads="1"/>
+          </p:cNvSpPr>
+          <p:nvPr>
+            <p:ph idx="1"/>
+          </p:nvPr>
+        </p:nvSpPr>
+        <p:spPr bwMode="auto">
+          <a:xfrm>
+            <a:off x="2393244" y="1774343"/>
+            <a:ext cx="9111368" cy="4708981"/>
+          </a:xfrm>
+          <a:prstGeom prst="rect">
+            <a:avLst/>
+          </a:prstGeom>
+          <a:solidFill>
+            <a:srgbClr val="FFFFFF"/>
+          </a:solidFill>
+          <a:ln>
+            <a:noFill/>
+          </a:ln>
+          <a:effectLst/>
+          <a:extLst>
+            <a:ext uri="{91240B29-F687-4F45-9708-019B960494DF}">
+              <a14:hiddenLine xmlns:a14="http://schemas.microsoft.com/office/drawing/2010/main" w="9525">
+                <a:solidFill>
+                  <a:schemeClr val="tx1"/>
+                </a:solidFill>
+                <a:miter lim="800000"/>
+                <a:headEnd/>
+                <a:tailEnd/>
+              </a14:hiddenLine>
+            </a:ext>
+            <a:ext uri="{AF507438-7753-43E0-B8FC-AC1667EBCBE1}">
+              <a14:hiddenEffects xmlns:a14="http://schemas.microsoft.com/office/drawing/2010/main">
+                <a:effectLst>
+                  <a:outerShdw dist="35921" dir="2700000" algn="ctr" rotWithShape="0">
+                    <a:schemeClr val="bg2"/>
+                  </a:outerShdw>
+                </a:effectLst>
+              </a14:hiddenEffects>
+            </a:ext>
+          </a:extLst>
+        </p:spPr>
+        <p:txBody>
+          <a:bodyPr vert="horz" wrap="square" lIns="91440" tIns="45720" rIns="91440" bIns="45720" numCol="1" anchor="ctr" anchorCtr="0" compatLnSpc="1">
+            <a:prstTxWarp prst="textNoShape">
+              <a:avLst/>
+            </a:prstTxWarp>
+            <a:spAutoFit/>
+          </a:bodyPr>
+          <a:lstStyle/>
+          <a:p>
+            <a:pPr marL="0" marR="0" lvl="0" indent="0" algn="l" defTabSz="914400" rtl="0" eaLnBrk="0" fontAlgn="base" latinLnBrk="0" hangingPunct="0">
+              <a:lnSpc>
+                <a:spcPct val="100000"/>
+              </a:lnSpc>
+              <a:spcBef>
+                <a:spcPct val="0"/>
+              </a:spcBef>
+              <a:spcAft>
+                <a:spcPct val="0"/>
+              </a:spcAft>
+              <a:buClrTx/>
+              <a:buSzTx/>
+              <a:buFontTx/>
+              <a:buNone/>
+              <a:tabLst/>
+            </a:pPr>
+            <a:r>
+              <a:rPr kumimoji="0" lang="he-IL" altLang="he-IL" sz="2000" b="1" i="0" u="none" strike="noStrike" cap="none" normalizeH="0" baseline="0" dirty="0" smtClean="0">
+                <a:ln>
+                  <a:noFill/>
+                </a:ln>
+                <a:solidFill>
+                  <a:srgbClr val="000080"/>
+                </a:solidFill>
+                <a:effectLst/>
+                <a:latin typeface="Courier New" panose="02070309020205020404" pitchFamily="49" charset="0"/>
+                <a:cs typeface="Courier New" panose="02070309020205020404" pitchFamily="49" charset="0"/>
+              </a:rPr>
+              <a:t>private </a:t>
+            </a:r>
+            <a:r>
+              <a:rPr kumimoji="0" lang="he-IL" altLang="he-IL" sz="2000" b="1" i="0" u="none" strike="noStrike" cap="none" normalizeH="0" baseline="0" dirty="0" err="1" smtClean="0">
+                <a:ln>
+                  <a:noFill/>
+                </a:ln>
+                <a:solidFill>
+                  <a:srgbClr val="000080"/>
+                </a:solidFill>
+                <a:effectLst/>
+                <a:latin typeface="Courier New" panose="02070309020205020404" pitchFamily="49" charset="0"/>
+                <a:cs typeface="Courier New" panose="02070309020205020404" pitchFamily="49" charset="0"/>
+              </a:rPr>
+              <a:t>static</a:t>
+            </a:r>
+            <a:r>
+              <a:rPr kumimoji="0" lang="he-IL" altLang="he-IL" sz="2000" b="1" i="0" u="none" strike="noStrike" cap="none" normalizeH="0" baseline="0" dirty="0" smtClean="0">
+                <a:ln>
+                  <a:noFill/>
+                </a:ln>
+                <a:solidFill>
+                  <a:srgbClr val="000080"/>
+                </a:solidFill>
+                <a:effectLst/>
+                <a:latin typeface="Courier New" panose="02070309020205020404" pitchFamily="49" charset="0"/>
+                <a:cs typeface="Courier New" panose="02070309020205020404" pitchFamily="49" charset="0"/>
+              </a:rPr>
+              <a:t> </a:t>
+            </a:r>
+            <a:r>
+              <a:rPr kumimoji="0" lang="he-IL" altLang="he-IL" sz="2000" b="1" i="0" u="none" strike="noStrike" cap="none" normalizeH="0" baseline="0" dirty="0" err="1" smtClean="0">
+                <a:ln>
+                  <a:noFill/>
+                </a:ln>
+                <a:solidFill>
+                  <a:srgbClr val="000080"/>
+                </a:solidFill>
+                <a:effectLst/>
+                <a:latin typeface="Courier New" panose="02070309020205020404" pitchFamily="49" charset="0"/>
+                <a:cs typeface="Courier New" panose="02070309020205020404" pitchFamily="49" charset="0"/>
+              </a:rPr>
+              <a:t>void</a:t>
+            </a:r>
+            <a:r>
+              <a:rPr kumimoji="0" lang="he-IL" altLang="he-IL" sz="2000" b="1" i="0" u="none" strike="noStrike" cap="none" normalizeH="0" baseline="0" dirty="0" smtClean="0">
+                <a:ln>
+                  <a:noFill/>
+                </a:ln>
+                <a:solidFill>
+                  <a:srgbClr val="000080"/>
+                </a:solidFill>
+                <a:effectLst/>
+                <a:latin typeface="Courier New" panose="02070309020205020404" pitchFamily="49" charset="0"/>
+                <a:cs typeface="Courier New" panose="02070309020205020404" pitchFamily="49" charset="0"/>
+              </a:rPr>
+              <a:t> </a:t>
+            </a:r>
+            <a:r>
+              <a:rPr kumimoji="0" lang="he-IL" altLang="he-IL" sz="2000" b="0" i="0" u="none" strike="noStrike" cap="none" normalizeH="0" baseline="0" dirty="0" err="1" smtClean="0">
+                <a:ln>
+                  <a:noFill/>
+                </a:ln>
+                <a:solidFill>
+                  <a:srgbClr val="000000"/>
+                </a:solidFill>
+                <a:effectLst/>
+                <a:latin typeface="Courier New" panose="02070309020205020404" pitchFamily="49" charset="0"/>
+                <a:cs typeface="Courier New" panose="02070309020205020404" pitchFamily="49" charset="0"/>
+              </a:rPr>
+              <a:t>ScrollableAndUpdatable</a:t>
+            </a:r>
+            <a:r>
+              <a:rPr kumimoji="0" lang="he-IL" altLang="he-IL" sz="2000" b="0" i="0" u="none" strike="noStrike" cap="none" normalizeH="0" baseline="0" dirty="0" smtClean="0">
+                <a:ln>
+                  <a:noFill/>
+                </a:ln>
+                <a:solidFill>
+                  <a:srgbClr val="000000"/>
+                </a:solidFill>
+                <a:effectLst/>
+                <a:latin typeface="Courier New" panose="02070309020205020404" pitchFamily="49" charset="0"/>
+                <a:cs typeface="Courier New" panose="02070309020205020404" pitchFamily="49" charset="0"/>
+              </a:rPr>
+              <a:t>(</a:t>
+            </a:r>
+            <a:r>
+              <a:rPr kumimoji="0" lang="he-IL" altLang="he-IL" sz="2000" b="0" i="0" u="none" strike="noStrike" cap="none" normalizeH="0" baseline="0" dirty="0" err="1" smtClean="0">
+                <a:ln>
+                  <a:noFill/>
+                </a:ln>
+                <a:solidFill>
+                  <a:srgbClr val="000000"/>
+                </a:solidFill>
+                <a:effectLst/>
+                <a:latin typeface="Courier New" panose="02070309020205020404" pitchFamily="49" charset="0"/>
+                <a:cs typeface="Courier New" panose="02070309020205020404" pitchFamily="49" charset="0"/>
+              </a:rPr>
+              <a:t>Connection</a:t>
+            </a:r>
+            <a:r>
+              <a:rPr kumimoji="0" lang="he-IL" altLang="he-IL" sz="2000" b="0" i="0" u="none" strike="noStrike" cap="none" normalizeH="0" baseline="0" dirty="0" smtClean="0">
+                <a:ln>
+                  <a:noFill/>
+                </a:ln>
+                <a:solidFill>
+                  <a:srgbClr val="000000"/>
+                </a:solidFill>
+                <a:effectLst/>
+                <a:latin typeface="Courier New" panose="02070309020205020404" pitchFamily="49" charset="0"/>
+                <a:cs typeface="Courier New" panose="02070309020205020404" pitchFamily="49" charset="0"/>
+              </a:rPr>
+              <a:t> </a:t>
+            </a:r>
+            <a:r>
+              <a:rPr kumimoji="0" lang="he-IL" altLang="he-IL" sz="2000" b="0" i="0" u="none" strike="noStrike" cap="none" normalizeH="0" baseline="0" dirty="0" err="1" smtClean="0">
+                <a:ln>
+                  <a:noFill/>
+                </a:ln>
+                <a:solidFill>
+                  <a:srgbClr val="000000"/>
+                </a:solidFill>
+                <a:effectLst/>
+                <a:latin typeface="Courier New" panose="02070309020205020404" pitchFamily="49" charset="0"/>
+                <a:cs typeface="Courier New" panose="02070309020205020404" pitchFamily="49" charset="0"/>
+              </a:rPr>
+              <a:t>conn</a:t>
+            </a:r>
+            <a:r>
+              <a:rPr kumimoji="0" lang="he-IL" altLang="he-IL" sz="2000" b="0" i="0" u="none" strike="noStrike" cap="none" normalizeH="0" baseline="0" dirty="0" smtClean="0">
+                <a:ln>
+                  <a:noFill/>
+                </a:ln>
+                <a:solidFill>
+                  <a:srgbClr val="000000"/>
+                </a:solidFill>
+                <a:effectLst/>
+                <a:latin typeface="Courier New" panose="02070309020205020404" pitchFamily="49" charset="0"/>
+                <a:cs typeface="Courier New" panose="02070309020205020404" pitchFamily="49" charset="0"/>
+              </a:rPr>
+              <a:t>) </a:t>
+            </a:r>
+            <a:r>
+              <a:rPr kumimoji="0" lang="he-IL" altLang="he-IL" sz="2000" b="1" i="0" u="none" strike="noStrike" cap="none" normalizeH="0" baseline="0" dirty="0" err="1" smtClean="0">
+                <a:ln>
+                  <a:noFill/>
+                </a:ln>
+                <a:solidFill>
+                  <a:srgbClr val="000080"/>
+                </a:solidFill>
+                <a:effectLst/>
+                <a:latin typeface="Courier New" panose="02070309020205020404" pitchFamily="49" charset="0"/>
+                <a:cs typeface="Courier New" panose="02070309020205020404" pitchFamily="49" charset="0"/>
+              </a:rPr>
+              <a:t>throws</a:t>
+            </a:r>
+            <a:r>
+              <a:rPr kumimoji="0" lang="he-IL" altLang="he-IL" sz="2000" b="1" i="0" u="none" strike="noStrike" cap="none" normalizeH="0" baseline="0" dirty="0" smtClean="0">
+                <a:ln>
+                  <a:noFill/>
+                </a:ln>
+                <a:solidFill>
+                  <a:srgbClr val="000080"/>
+                </a:solidFill>
+                <a:effectLst/>
+                <a:latin typeface="Courier New" panose="02070309020205020404" pitchFamily="49" charset="0"/>
+                <a:cs typeface="Courier New" panose="02070309020205020404" pitchFamily="49" charset="0"/>
+              </a:rPr>
+              <a:t> </a:t>
+            </a:r>
+            <a:r>
+              <a:rPr kumimoji="0" lang="he-IL" altLang="he-IL" sz="2000" b="0" i="0" u="none" strike="noStrike" cap="none" normalizeH="0" baseline="0" dirty="0" err="1" smtClean="0">
+                <a:ln>
+                  <a:noFill/>
+                </a:ln>
+                <a:solidFill>
+                  <a:srgbClr val="000000"/>
+                </a:solidFill>
+                <a:effectLst/>
+                <a:latin typeface="Courier New" panose="02070309020205020404" pitchFamily="49" charset="0"/>
+                <a:cs typeface="Courier New" panose="02070309020205020404" pitchFamily="49" charset="0"/>
+              </a:rPr>
+              <a:t>SQLException</a:t>
+            </a:r>
+            <a:r>
+              <a:rPr kumimoji="0" lang="he-IL" altLang="he-IL" sz="2000" b="0" i="0" u="none" strike="noStrike" cap="none" normalizeH="0" baseline="0" dirty="0" smtClean="0">
+                <a:ln>
+                  <a:noFill/>
+                </a:ln>
+                <a:solidFill>
+                  <a:srgbClr val="000000"/>
+                </a:solidFill>
+                <a:effectLst/>
+                <a:latin typeface="Courier New" panose="02070309020205020404" pitchFamily="49" charset="0"/>
+                <a:cs typeface="Courier New" panose="02070309020205020404" pitchFamily="49" charset="0"/>
+              </a:rPr>
+              <a:t> {</a:t>
+            </a:r>
+            <a:br>
+              <a:rPr kumimoji="0" lang="he-IL" altLang="he-IL" sz="2000" b="0" i="0" u="none" strike="noStrike" cap="none" normalizeH="0" baseline="0" dirty="0" smtClean="0">
+                <a:ln>
+                  <a:noFill/>
+                </a:ln>
+                <a:solidFill>
+                  <a:srgbClr val="000000"/>
+                </a:solidFill>
+                <a:effectLst/>
+                <a:latin typeface="Courier New" panose="02070309020205020404" pitchFamily="49" charset="0"/>
+                <a:cs typeface="Courier New" panose="02070309020205020404" pitchFamily="49" charset="0"/>
+              </a:rPr>
+            </a:br>
+            <a:r>
+              <a:rPr kumimoji="0" lang="he-IL" altLang="he-IL" sz="2000" b="0" i="0" u="none" strike="noStrike" cap="none" normalizeH="0" baseline="0" dirty="0" smtClean="0">
+                <a:ln>
+                  <a:noFill/>
+                </a:ln>
+                <a:solidFill>
+                  <a:srgbClr val="000000"/>
+                </a:solidFill>
+                <a:effectLst/>
+                <a:latin typeface="Courier New" panose="02070309020205020404" pitchFamily="49" charset="0"/>
+                <a:cs typeface="Courier New" panose="02070309020205020404" pitchFamily="49" charset="0"/>
+              </a:rPr>
+              <a:t>    </a:t>
+            </a:r>
+            <a:r>
+              <a:rPr kumimoji="0" lang="he-IL" altLang="he-IL" sz="2000" b="0" i="1" u="none" strike="noStrike" cap="none" normalizeH="0" baseline="0" dirty="0" smtClean="0">
+                <a:ln>
+                  <a:noFill/>
+                </a:ln>
+                <a:solidFill>
+                  <a:srgbClr val="808080"/>
+                </a:solidFill>
+                <a:effectLst/>
+                <a:latin typeface="Courier New" panose="02070309020205020404" pitchFamily="49" charset="0"/>
+                <a:cs typeface="Courier New" panose="02070309020205020404" pitchFamily="49" charset="0"/>
+              </a:rPr>
+              <a:t>//</a:t>
+            </a:r>
+            <a:r>
+              <a:rPr kumimoji="0" lang="he-IL" altLang="he-IL" sz="2000" b="0" i="1" u="none" strike="noStrike" cap="none" normalizeH="0" baseline="0" dirty="0" err="1" smtClean="0">
+                <a:ln>
+                  <a:noFill/>
+                </a:ln>
+                <a:solidFill>
+                  <a:srgbClr val="808080"/>
+                </a:solidFill>
+                <a:effectLst/>
+                <a:latin typeface="Courier New" panose="02070309020205020404" pitchFamily="49" charset="0"/>
+                <a:cs typeface="Courier New" panose="02070309020205020404" pitchFamily="49" charset="0"/>
+              </a:rPr>
+              <a:t>allow</a:t>
+            </a:r>
+            <a:r>
+              <a:rPr kumimoji="0" lang="he-IL" altLang="he-IL" sz="2000" b="0" i="1" u="none" strike="noStrike" cap="none" normalizeH="0" baseline="0" dirty="0" smtClean="0">
+                <a:ln>
+                  <a:noFill/>
+                </a:ln>
+                <a:solidFill>
+                  <a:srgbClr val="808080"/>
+                </a:solidFill>
+                <a:effectLst/>
+                <a:latin typeface="Courier New" panose="02070309020205020404" pitchFamily="49" charset="0"/>
+                <a:cs typeface="Courier New" panose="02070309020205020404" pitchFamily="49" charset="0"/>
+              </a:rPr>
+              <a:t> </a:t>
+            </a:r>
+            <a:r>
+              <a:rPr kumimoji="0" lang="he-IL" altLang="he-IL" sz="2000" b="0" i="1" u="none" strike="noStrike" cap="none" normalizeH="0" baseline="0" dirty="0" err="1" smtClean="0">
+                <a:ln>
+                  <a:noFill/>
+                </a:ln>
+                <a:solidFill>
+                  <a:srgbClr val="808080"/>
+                </a:solidFill>
+                <a:effectLst/>
+                <a:latin typeface="Courier New" panose="02070309020205020404" pitchFamily="49" charset="0"/>
+                <a:cs typeface="Courier New" panose="02070309020205020404" pitchFamily="49" charset="0"/>
+              </a:rPr>
+              <a:t>moving</a:t>
+            </a:r>
+            <a:r>
+              <a:rPr kumimoji="0" lang="he-IL" altLang="he-IL" sz="2000" b="0" i="1" u="none" strike="noStrike" cap="none" normalizeH="0" baseline="0" dirty="0" smtClean="0">
+                <a:ln>
+                  <a:noFill/>
+                </a:ln>
+                <a:solidFill>
+                  <a:srgbClr val="808080"/>
+                </a:solidFill>
+                <a:effectLst/>
+                <a:latin typeface="Courier New" panose="02070309020205020404" pitchFamily="49" charset="0"/>
+                <a:cs typeface="Courier New" panose="02070309020205020404" pitchFamily="49" charset="0"/>
+              </a:rPr>
+              <a:t> </a:t>
+            </a:r>
+            <a:r>
+              <a:rPr kumimoji="0" lang="he-IL" altLang="he-IL" sz="2000" b="0" i="1" u="none" strike="noStrike" cap="none" normalizeH="0" baseline="0" dirty="0" err="1" smtClean="0">
+                <a:ln>
+                  <a:noFill/>
+                </a:ln>
+                <a:solidFill>
+                  <a:srgbClr val="808080"/>
+                </a:solidFill>
+                <a:effectLst/>
+                <a:latin typeface="Courier New" panose="02070309020205020404" pitchFamily="49" charset="0"/>
+                <a:cs typeface="Courier New" panose="02070309020205020404" pitchFamily="49" charset="0"/>
+              </a:rPr>
+              <a:t>forward</a:t>
+            </a:r>
+            <a:r>
+              <a:rPr kumimoji="0" lang="he-IL" altLang="he-IL" sz="2000" b="0" i="1" u="none" strike="noStrike" cap="none" normalizeH="0" baseline="0" dirty="0" smtClean="0">
+                <a:ln>
+                  <a:noFill/>
+                </a:ln>
+                <a:solidFill>
+                  <a:srgbClr val="808080"/>
+                </a:solidFill>
+                <a:effectLst/>
+                <a:latin typeface="Courier New" panose="02070309020205020404" pitchFamily="49" charset="0"/>
+                <a:cs typeface="Courier New" panose="02070309020205020404" pitchFamily="49" charset="0"/>
+              </a:rPr>
+              <a:t>/</a:t>
+            </a:r>
+            <a:r>
+              <a:rPr kumimoji="0" lang="he-IL" altLang="he-IL" sz="2000" b="0" i="1" u="none" strike="noStrike" cap="none" normalizeH="0" baseline="0" dirty="0" err="1" smtClean="0">
+                <a:ln>
+                  <a:noFill/>
+                </a:ln>
+                <a:solidFill>
+                  <a:srgbClr val="808080"/>
+                </a:solidFill>
+                <a:effectLst/>
+                <a:latin typeface="Courier New" panose="02070309020205020404" pitchFamily="49" charset="0"/>
+                <a:cs typeface="Courier New" panose="02070309020205020404" pitchFamily="49" charset="0"/>
+              </a:rPr>
+              <a:t>backward</a:t>
+            </a:r>
+            <a:r>
+              <a:rPr kumimoji="0" lang="he-IL" altLang="he-IL" sz="2000" b="0" i="1" u="none" strike="noStrike" cap="none" normalizeH="0" baseline="0" dirty="0" smtClean="0">
+                <a:ln>
+                  <a:noFill/>
+                </a:ln>
+                <a:solidFill>
+                  <a:srgbClr val="808080"/>
+                </a:solidFill>
+                <a:effectLst/>
+                <a:latin typeface="Courier New" panose="02070309020205020404" pitchFamily="49" charset="0"/>
+                <a:cs typeface="Courier New" panose="02070309020205020404" pitchFamily="49" charset="0"/>
+              </a:rPr>
+              <a:t>/</a:t>
+            </a:r>
+            <a:r>
+              <a:rPr kumimoji="0" lang="he-IL" altLang="he-IL" sz="2000" b="0" i="1" u="none" strike="noStrike" cap="none" normalizeH="0" baseline="0" dirty="0" err="1" smtClean="0">
+                <a:ln>
+                  <a:noFill/>
+                </a:ln>
+                <a:solidFill>
+                  <a:srgbClr val="808080"/>
+                </a:solidFill>
+                <a:effectLst/>
+                <a:latin typeface="Courier New" panose="02070309020205020404" pitchFamily="49" charset="0"/>
+                <a:cs typeface="Courier New" panose="02070309020205020404" pitchFamily="49" charset="0"/>
+              </a:rPr>
+              <a:t>edit</a:t>
+            </a:r>
+            <a:r>
+              <a:rPr kumimoji="0" lang="he-IL" altLang="he-IL" sz="2000" b="0" i="1" u="none" strike="noStrike" cap="none" normalizeH="0" baseline="0" dirty="0" smtClean="0">
+                <a:ln>
+                  <a:noFill/>
+                </a:ln>
+                <a:solidFill>
+                  <a:srgbClr val="808080"/>
+                </a:solidFill>
+                <a:effectLst/>
+                <a:latin typeface="Courier New" panose="02070309020205020404" pitchFamily="49" charset="0"/>
+                <a:cs typeface="Courier New" panose="02070309020205020404" pitchFamily="49" charset="0"/>
+              </a:rPr>
+              <a:t/>
+            </a:r>
+            <a:br>
+              <a:rPr kumimoji="0" lang="he-IL" altLang="he-IL" sz="2000" b="0" i="1" u="none" strike="noStrike" cap="none" normalizeH="0" baseline="0" dirty="0" smtClean="0">
+                <a:ln>
+                  <a:noFill/>
+                </a:ln>
+                <a:solidFill>
+                  <a:srgbClr val="808080"/>
+                </a:solidFill>
+                <a:effectLst/>
+                <a:latin typeface="Courier New" panose="02070309020205020404" pitchFamily="49" charset="0"/>
+                <a:cs typeface="Courier New" panose="02070309020205020404" pitchFamily="49" charset="0"/>
+              </a:rPr>
+            </a:br>
+            <a:r>
+              <a:rPr kumimoji="0" lang="he-IL" altLang="he-IL" sz="2000" b="0" i="1" u="none" strike="noStrike" cap="none" normalizeH="0" baseline="0" dirty="0" smtClean="0">
+                <a:ln>
+                  <a:noFill/>
+                </a:ln>
+                <a:solidFill>
+                  <a:srgbClr val="808080"/>
+                </a:solidFill>
+                <a:effectLst/>
+                <a:latin typeface="Courier New" panose="02070309020205020404" pitchFamily="49" charset="0"/>
+                <a:cs typeface="Courier New" panose="02070309020205020404" pitchFamily="49" charset="0"/>
+              </a:rPr>
+              <a:t>    </a:t>
+            </a:r>
+            <a:r>
+              <a:rPr kumimoji="0" lang="he-IL" altLang="he-IL" sz="2000" b="0" i="0" u="none" strike="noStrike" cap="none" normalizeH="0" baseline="0" dirty="0" err="1" smtClean="0">
+                <a:ln>
+                  <a:noFill/>
+                </a:ln>
+                <a:solidFill>
+                  <a:srgbClr val="000000"/>
+                </a:solidFill>
+                <a:effectLst/>
+                <a:latin typeface="Courier New" panose="02070309020205020404" pitchFamily="49" charset="0"/>
+                <a:cs typeface="Courier New" panose="02070309020205020404" pitchFamily="49" charset="0"/>
+              </a:rPr>
+              <a:t>Statement</a:t>
+            </a:r>
+            <a:r>
+              <a:rPr kumimoji="0" lang="he-IL" altLang="he-IL" sz="2000" b="0" i="0" u="none" strike="noStrike" cap="none" normalizeH="0" baseline="0" dirty="0" smtClean="0">
+                <a:ln>
+                  <a:noFill/>
+                </a:ln>
+                <a:solidFill>
+                  <a:srgbClr val="000000"/>
+                </a:solidFill>
+                <a:effectLst/>
+                <a:latin typeface="Courier New" panose="02070309020205020404" pitchFamily="49" charset="0"/>
+                <a:cs typeface="Courier New" panose="02070309020205020404" pitchFamily="49" charset="0"/>
+              </a:rPr>
+              <a:t> </a:t>
+            </a:r>
+            <a:r>
+              <a:rPr kumimoji="0" lang="he-IL" altLang="he-IL" sz="2000" b="0" i="0" u="none" strike="noStrike" cap="none" normalizeH="0" baseline="0" dirty="0" err="1" smtClean="0">
+                <a:ln>
+                  <a:noFill/>
+                </a:ln>
+                <a:solidFill>
+                  <a:srgbClr val="000000"/>
+                </a:solidFill>
+                <a:effectLst/>
+                <a:latin typeface="Courier New" panose="02070309020205020404" pitchFamily="49" charset="0"/>
+                <a:cs typeface="Courier New" panose="02070309020205020404" pitchFamily="49" charset="0"/>
+              </a:rPr>
+              <a:t>statement</a:t>
+            </a:r>
+            <a:r>
+              <a:rPr kumimoji="0" lang="he-IL" altLang="he-IL" sz="2000" b="0" i="0" u="none" strike="noStrike" cap="none" normalizeH="0" baseline="0" dirty="0" smtClean="0">
+                <a:ln>
+                  <a:noFill/>
+                </a:ln>
+                <a:solidFill>
+                  <a:srgbClr val="000000"/>
+                </a:solidFill>
+                <a:effectLst/>
+                <a:latin typeface="Courier New" panose="02070309020205020404" pitchFamily="49" charset="0"/>
+                <a:cs typeface="Courier New" panose="02070309020205020404" pitchFamily="49" charset="0"/>
+              </a:rPr>
+              <a:t> = </a:t>
+            </a:r>
+            <a:r>
+              <a:rPr kumimoji="0" lang="he-IL" altLang="he-IL" sz="2000" b="0" i="0" u="none" strike="noStrike" cap="none" normalizeH="0" baseline="0" dirty="0" err="1" smtClean="0">
+                <a:ln>
+                  <a:noFill/>
+                </a:ln>
+                <a:solidFill>
+                  <a:srgbClr val="000000"/>
+                </a:solidFill>
+                <a:effectLst/>
+                <a:latin typeface="Courier New" panose="02070309020205020404" pitchFamily="49" charset="0"/>
+                <a:cs typeface="Courier New" panose="02070309020205020404" pitchFamily="49" charset="0"/>
+              </a:rPr>
+              <a:t>conn.createStatement</a:t>
+            </a:r>
+            <a:r>
+              <a:rPr kumimoji="0" lang="he-IL" altLang="he-IL" sz="2000" b="0" i="0" u="none" strike="noStrike" cap="none" normalizeH="0" baseline="0" dirty="0" smtClean="0">
+                <a:ln>
+                  <a:noFill/>
+                </a:ln>
+                <a:solidFill>
+                  <a:srgbClr val="000000"/>
+                </a:solidFill>
+                <a:effectLst/>
+                <a:latin typeface="Courier New" panose="02070309020205020404" pitchFamily="49" charset="0"/>
+                <a:cs typeface="Courier New" panose="02070309020205020404" pitchFamily="49" charset="0"/>
+              </a:rPr>
+              <a:t>(</a:t>
+            </a:r>
+            <a:br>
+              <a:rPr kumimoji="0" lang="he-IL" altLang="he-IL" sz="2000" b="0" i="0" u="none" strike="noStrike" cap="none" normalizeH="0" baseline="0" dirty="0" smtClean="0">
+                <a:ln>
+                  <a:noFill/>
+                </a:ln>
+                <a:solidFill>
+                  <a:srgbClr val="000000"/>
+                </a:solidFill>
+                <a:effectLst/>
+                <a:latin typeface="Courier New" panose="02070309020205020404" pitchFamily="49" charset="0"/>
+                <a:cs typeface="Courier New" panose="02070309020205020404" pitchFamily="49" charset="0"/>
+              </a:rPr>
+            </a:br>
+            <a:r>
+              <a:rPr kumimoji="0" lang="he-IL" altLang="he-IL" sz="2000" b="0" i="0" u="none" strike="noStrike" cap="none" normalizeH="0" baseline="0" dirty="0" smtClean="0">
+                <a:ln>
+                  <a:noFill/>
+                </a:ln>
+                <a:solidFill>
+                  <a:srgbClr val="000000"/>
+                </a:solidFill>
+                <a:effectLst/>
+                <a:latin typeface="Courier New" panose="02070309020205020404" pitchFamily="49" charset="0"/>
+                <a:cs typeface="Courier New" panose="02070309020205020404" pitchFamily="49" charset="0"/>
+              </a:rPr>
+              <a:t>            </a:t>
+            </a:r>
+            <a:r>
+              <a:rPr kumimoji="0" lang="he-IL" altLang="he-IL" sz="2000" b="0" i="0" u="none" strike="noStrike" cap="none" normalizeH="0" baseline="0" dirty="0" err="1" smtClean="0">
+                <a:ln>
+                  <a:noFill/>
+                </a:ln>
+                <a:solidFill>
+                  <a:srgbClr val="000000"/>
+                </a:solidFill>
+                <a:effectLst/>
+                <a:latin typeface="Courier New" panose="02070309020205020404" pitchFamily="49" charset="0"/>
+                <a:cs typeface="Courier New" panose="02070309020205020404" pitchFamily="49" charset="0"/>
+              </a:rPr>
+              <a:t>ResultSet.</a:t>
+            </a:r>
+            <a:r>
+              <a:rPr kumimoji="0" lang="he-IL" altLang="he-IL" sz="2000" b="1" i="1" u="none" strike="noStrike" cap="none" normalizeH="0" baseline="0" dirty="0" err="1" smtClean="0">
+                <a:ln>
+                  <a:noFill/>
+                </a:ln>
+                <a:solidFill>
+                  <a:srgbClr val="660E7A"/>
+                </a:solidFill>
+                <a:effectLst/>
+                <a:latin typeface="Courier New" panose="02070309020205020404" pitchFamily="49" charset="0"/>
+                <a:cs typeface="Courier New" panose="02070309020205020404" pitchFamily="49" charset="0"/>
+              </a:rPr>
+              <a:t>TYPE_SCROLL_INSENSITIVE</a:t>
+            </a:r>
+            <a:r>
+              <a:rPr kumimoji="0" lang="he-IL" altLang="he-IL" sz="2000" b="0" i="0" u="none" strike="noStrike" cap="none" normalizeH="0" baseline="0" dirty="0" smtClean="0">
+                <a:ln>
+                  <a:noFill/>
+                </a:ln>
+                <a:solidFill>
+                  <a:srgbClr val="000000"/>
+                </a:solidFill>
+                <a:effectLst/>
+                <a:latin typeface="Courier New" panose="02070309020205020404" pitchFamily="49" charset="0"/>
+                <a:cs typeface="Courier New" panose="02070309020205020404" pitchFamily="49" charset="0"/>
+              </a:rPr>
+              <a:t>,</a:t>
+            </a:r>
+            <a:br>
+              <a:rPr kumimoji="0" lang="he-IL" altLang="he-IL" sz="2000" b="0" i="0" u="none" strike="noStrike" cap="none" normalizeH="0" baseline="0" dirty="0" smtClean="0">
+                <a:ln>
+                  <a:noFill/>
+                </a:ln>
+                <a:solidFill>
+                  <a:srgbClr val="000000"/>
+                </a:solidFill>
+                <a:effectLst/>
+                <a:latin typeface="Courier New" panose="02070309020205020404" pitchFamily="49" charset="0"/>
+                <a:cs typeface="Courier New" panose="02070309020205020404" pitchFamily="49" charset="0"/>
+              </a:rPr>
+            </a:br>
+            <a:r>
+              <a:rPr kumimoji="0" lang="he-IL" altLang="he-IL" sz="2000" b="0" i="0" u="none" strike="noStrike" cap="none" normalizeH="0" baseline="0" dirty="0" smtClean="0">
+                <a:ln>
+                  <a:noFill/>
+                </a:ln>
+                <a:solidFill>
+                  <a:srgbClr val="000000"/>
+                </a:solidFill>
+                <a:effectLst/>
+                <a:latin typeface="Courier New" panose="02070309020205020404" pitchFamily="49" charset="0"/>
+                <a:cs typeface="Courier New" panose="02070309020205020404" pitchFamily="49" charset="0"/>
+              </a:rPr>
+              <a:t>            </a:t>
+            </a:r>
+            <a:r>
+              <a:rPr kumimoji="0" lang="he-IL" altLang="he-IL" sz="2000" b="0" i="0" u="none" strike="noStrike" cap="none" normalizeH="0" baseline="0" dirty="0" err="1" smtClean="0">
+                <a:ln>
+                  <a:noFill/>
+                </a:ln>
+                <a:solidFill>
+                  <a:srgbClr val="000000"/>
+                </a:solidFill>
+                <a:effectLst/>
+                <a:latin typeface="Courier New" panose="02070309020205020404" pitchFamily="49" charset="0"/>
+                <a:cs typeface="Courier New" panose="02070309020205020404" pitchFamily="49" charset="0"/>
+              </a:rPr>
+              <a:t>ResultSet.</a:t>
+            </a:r>
+            <a:r>
+              <a:rPr kumimoji="0" lang="he-IL" altLang="he-IL" sz="2000" b="1" i="1" u="none" strike="noStrike" cap="none" normalizeH="0" baseline="0" dirty="0" err="1" smtClean="0">
+                <a:ln>
+                  <a:noFill/>
+                </a:ln>
+                <a:solidFill>
+                  <a:srgbClr val="660E7A"/>
+                </a:solidFill>
+                <a:effectLst/>
+                <a:latin typeface="Courier New" panose="02070309020205020404" pitchFamily="49" charset="0"/>
+                <a:cs typeface="Courier New" panose="02070309020205020404" pitchFamily="49" charset="0"/>
+              </a:rPr>
+              <a:t>CONCUR_UPDATABLE</a:t>
+            </a:r>
+            <a:r>
+              <a:rPr kumimoji="0" lang="he-IL" altLang="he-IL" sz="2000" b="0" i="0" u="none" strike="noStrike" cap="none" normalizeH="0" baseline="0" dirty="0" smtClean="0">
+                <a:ln>
+                  <a:noFill/>
+                </a:ln>
+                <a:solidFill>
+                  <a:srgbClr val="000000"/>
+                </a:solidFill>
+                <a:effectLst/>
+                <a:latin typeface="Courier New" panose="02070309020205020404" pitchFamily="49" charset="0"/>
+                <a:cs typeface="Courier New" panose="02070309020205020404" pitchFamily="49" charset="0"/>
+              </a:rPr>
+              <a:t>);</a:t>
+            </a:r>
+            <a:br>
+              <a:rPr kumimoji="0" lang="he-IL" altLang="he-IL" sz="2000" b="0" i="0" u="none" strike="noStrike" cap="none" normalizeH="0" baseline="0" dirty="0" smtClean="0">
+                <a:ln>
+                  <a:noFill/>
+                </a:ln>
+                <a:solidFill>
+                  <a:srgbClr val="000000"/>
+                </a:solidFill>
+                <a:effectLst/>
+                <a:latin typeface="Courier New" panose="02070309020205020404" pitchFamily="49" charset="0"/>
+                <a:cs typeface="Courier New" panose="02070309020205020404" pitchFamily="49" charset="0"/>
+              </a:rPr>
+            </a:br>
+            <a:r>
+              <a:rPr kumimoji="0" lang="he-IL" altLang="he-IL" sz="2000" b="0" i="0" u="none" strike="noStrike" cap="none" normalizeH="0" baseline="0" dirty="0" smtClean="0">
+                <a:ln>
+                  <a:noFill/>
+                </a:ln>
+                <a:solidFill>
+                  <a:srgbClr val="000000"/>
+                </a:solidFill>
+                <a:effectLst/>
+                <a:latin typeface="Courier New" panose="02070309020205020404" pitchFamily="49" charset="0"/>
+                <a:cs typeface="Courier New" panose="02070309020205020404" pitchFamily="49" charset="0"/>
+              </a:rPr>
+              <a:t>    </a:t>
+            </a:r>
+            <a:r>
+              <a:rPr kumimoji="0" lang="he-IL" altLang="he-IL" sz="2000" b="0" i="0" u="none" strike="noStrike" cap="none" normalizeH="0" baseline="0" dirty="0" err="1" smtClean="0">
+                <a:ln>
+                  <a:noFill/>
+                </a:ln>
+                <a:solidFill>
+                  <a:srgbClr val="000000"/>
+                </a:solidFill>
+                <a:effectLst/>
+                <a:latin typeface="Courier New" panose="02070309020205020404" pitchFamily="49" charset="0"/>
+                <a:cs typeface="Courier New" panose="02070309020205020404" pitchFamily="49" charset="0"/>
+              </a:rPr>
+              <a:t>String</a:t>
+            </a:r>
+            <a:r>
+              <a:rPr kumimoji="0" lang="he-IL" altLang="he-IL" sz="2000" b="0" i="0" u="none" strike="noStrike" cap="none" normalizeH="0" baseline="0" dirty="0" smtClean="0">
+                <a:ln>
+                  <a:noFill/>
+                </a:ln>
+                <a:solidFill>
+                  <a:srgbClr val="000000"/>
+                </a:solidFill>
+                <a:effectLst/>
+                <a:latin typeface="Courier New" panose="02070309020205020404" pitchFamily="49" charset="0"/>
+                <a:cs typeface="Courier New" panose="02070309020205020404" pitchFamily="49" charset="0"/>
+              </a:rPr>
+              <a:t> </a:t>
+            </a:r>
+            <a:r>
+              <a:rPr kumimoji="0" lang="he-IL" altLang="he-IL" sz="2000" b="0" i="0" u="none" strike="noStrike" cap="none" normalizeH="0" baseline="0" dirty="0" err="1" smtClean="0">
+                <a:ln>
+                  <a:noFill/>
+                </a:ln>
+                <a:solidFill>
+                  <a:srgbClr val="000000"/>
+                </a:solidFill>
+                <a:effectLst/>
+                <a:latin typeface="Courier New" panose="02070309020205020404" pitchFamily="49" charset="0"/>
+                <a:cs typeface="Courier New" panose="02070309020205020404" pitchFamily="49" charset="0"/>
+              </a:rPr>
+              <a:t>sql</a:t>
+            </a:r>
+            <a:r>
+              <a:rPr kumimoji="0" lang="he-IL" altLang="he-IL" sz="2000" b="0" i="0" u="none" strike="noStrike" cap="none" normalizeH="0" baseline="0" dirty="0" smtClean="0">
+                <a:ln>
+                  <a:noFill/>
+                </a:ln>
+                <a:solidFill>
+                  <a:srgbClr val="000000"/>
+                </a:solidFill>
+                <a:effectLst/>
+                <a:latin typeface="Courier New" panose="02070309020205020404" pitchFamily="49" charset="0"/>
+                <a:cs typeface="Courier New" panose="02070309020205020404" pitchFamily="49" charset="0"/>
+              </a:rPr>
+              <a:t> = </a:t>
+            </a:r>
+            <a:r>
+              <a:rPr kumimoji="0" lang="he-IL" altLang="he-IL" sz="2000" b="1" i="0" u="none" strike="noStrike" cap="none" normalizeH="0" baseline="0" dirty="0" smtClean="0">
+                <a:ln>
+                  <a:noFill/>
+                </a:ln>
+                <a:solidFill>
+                  <a:srgbClr val="008000"/>
+                </a:solidFill>
+                <a:effectLst/>
+                <a:latin typeface="Courier New" panose="02070309020205020404" pitchFamily="49" charset="0"/>
+                <a:cs typeface="Courier New" panose="02070309020205020404" pitchFamily="49" charset="0"/>
+              </a:rPr>
+              <a:t>"SELECT * </a:t>
+            </a:r>
+            <a:r>
+              <a:rPr kumimoji="0" lang="he-IL" altLang="he-IL" sz="2000" b="1" i="0" u="none" strike="noStrike" cap="none" normalizeH="0" baseline="0" dirty="0" err="1" smtClean="0">
+                <a:ln>
+                  <a:noFill/>
+                </a:ln>
+                <a:solidFill>
+                  <a:srgbClr val="008000"/>
+                </a:solidFill>
+                <a:effectLst/>
+                <a:latin typeface="Courier New" panose="02070309020205020404" pitchFamily="49" charset="0"/>
+                <a:cs typeface="Courier New" panose="02070309020205020404" pitchFamily="49" charset="0"/>
+              </a:rPr>
+              <a:t>world.city</a:t>
+            </a:r>
+            <a:r>
+              <a:rPr kumimoji="0" lang="he-IL" altLang="he-IL" sz="2000" b="1" i="0" u="none" strike="noStrike" cap="none" normalizeH="0" baseline="0" dirty="0" smtClean="0">
+                <a:ln>
+                  <a:noFill/>
+                </a:ln>
+                <a:solidFill>
+                  <a:srgbClr val="008000"/>
+                </a:solidFill>
+                <a:effectLst/>
+                <a:latin typeface="Courier New" panose="02070309020205020404" pitchFamily="49" charset="0"/>
+                <a:cs typeface="Courier New" panose="02070309020205020404" pitchFamily="49" charset="0"/>
+              </a:rPr>
+              <a:t>"</a:t>
+            </a:r>
+            <a:r>
+              <a:rPr kumimoji="0" lang="he-IL" altLang="he-IL" sz="2000" b="0" i="0" u="none" strike="noStrike" cap="none" normalizeH="0" baseline="0" dirty="0" smtClean="0">
+                <a:ln>
+                  <a:noFill/>
+                </a:ln>
+                <a:solidFill>
+                  <a:srgbClr val="000000"/>
+                </a:solidFill>
+                <a:effectLst/>
+                <a:latin typeface="Courier New" panose="02070309020205020404" pitchFamily="49" charset="0"/>
+                <a:cs typeface="Courier New" panose="02070309020205020404" pitchFamily="49" charset="0"/>
+              </a:rPr>
+              <a:t>;</a:t>
+            </a:r>
+            <a:br>
+              <a:rPr kumimoji="0" lang="he-IL" altLang="he-IL" sz="2000" b="0" i="0" u="none" strike="noStrike" cap="none" normalizeH="0" baseline="0" dirty="0" smtClean="0">
+                <a:ln>
+                  <a:noFill/>
+                </a:ln>
+                <a:solidFill>
+                  <a:srgbClr val="000000"/>
+                </a:solidFill>
+                <a:effectLst/>
+                <a:latin typeface="Courier New" panose="02070309020205020404" pitchFamily="49" charset="0"/>
+                <a:cs typeface="Courier New" panose="02070309020205020404" pitchFamily="49" charset="0"/>
+              </a:rPr>
+            </a:br>
+            <a:r>
+              <a:rPr kumimoji="0" lang="he-IL" altLang="he-IL" sz="2000" b="0" i="0" u="none" strike="noStrike" cap="none" normalizeH="0" baseline="0" dirty="0" smtClean="0">
+                <a:ln>
+                  <a:noFill/>
+                </a:ln>
+                <a:solidFill>
+                  <a:srgbClr val="000000"/>
+                </a:solidFill>
+                <a:effectLst/>
+                <a:latin typeface="Courier New" panose="02070309020205020404" pitchFamily="49" charset="0"/>
+                <a:cs typeface="Courier New" panose="02070309020205020404" pitchFamily="49" charset="0"/>
+              </a:rPr>
+              <a:t>    </a:t>
+            </a:r>
+            <a:r>
+              <a:rPr kumimoji="0" lang="he-IL" altLang="he-IL" sz="2000" b="0" i="0" u="none" strike="noStrike" cap="none" normalizeH="0" baseline="0" dirty="0" err="1" smtClean="0">
+                <a:ln>
+                  <a:noFill/>
+                </a:ln>
+                <a:solidFill>
+                  <a:srgbClr val="000000"/>
+                </a:solidFill>
+                <a:effectLst/>
+                <a:latin typeface="Courier New" panose="02070309020205020404" pitchFamily="49" charset="0"/>
+                <a:cs typeface="Courier New" panose="02070309020205020404" pitchFamily="49" charset="0"/>
+              </a:rPr>
+              <a:t>ResultSet</a:t>
+            </a:r>
+            <a:r>
+              <a:rPr kumimoji="0" lang="he-IL" altLang="he-IL" sz="2000" b="0" i="0" u="none" strike="noStrike" cap="none" normalizeH="0" baseline="0" dirty="0" smtClean="0">
+                <a:ln>
+                  <a:noFill/>
+                </a:ln>
+                <a:solidFill>
+                  <a:srgbClr val="000000"/>
+                </a:solidFill>
+                <a:effectLst/>
+                <a:latin typeface="Courier New" panose="02070309020205020404" pitchFamily="49" charset="0"/>
+                <a:cs typeface="Courier New" panose="02070309020205020404" pitchFamily="49" charset="0"/>
+              </a:rPr>
+              <a:t> </a:t>
+            </a:r>
+            <a:r>
+              <a:rPr kumimoji="0" lang="he-IL" altLang="he-IL" sz="2000" b="0" i="0" u="none" strike="noStrike" cap="none" normalizeH="0" baseline="0" dirty="0" err="1" smtClean="0">
+                <a:ln>
+                  <a:noFill/>
+                </a:ln>
+                <a:solidFill>
+                  <a:srgbClr val="000000"/>
+                </a:solidFill>
+                <a:effectLst/>
+                <a:latin typeface="Courier New" panose="02070309020205020404" pitchFamily="49" charset="0"/>
+                <a:cs typeface="Courier New" panose="02070309020205020404" pitchFamily="49" charset="0"/>
+              </a:rPr>
+              <a:t>resultSet</a:t>
+            </a:r>
+            <a:r>
+              <a:rPr kumimoji="0" lang="he-IL" altLang="he-IL" sz="2000" b="0" i="0" u="none" strike="noStrike" cap="none" normalizeH="0" baseline="0" dirty="0" smtClean="0">
+                <a:ln>
+                  <a:noFill/>
+                </a:ln>
+                <a:solidFill>
+                  <a:srgbClr val="000000"/>
+                </a:solidFill>
+                <a:effectLst/>
+                <a:latin typeface="Courier New" panose="02070309020205020404" pitchFamily="49" charset="0"/>
+                <a:cs typeface="Courier New" panose="02070309020205020404" pitchFamily="49" charset="0"/>
+              </a:rPr>
+              <a:t> = </a:t>
+            </a:r>
+            <a:r>
+              <a:rPr kumimoji="0" lang="he-IL" altLang="he-IL" sz="2000" b="0" i="0" u="none" strike="noStrike" cap="none" normalizeH="0" baseline="0" dirty="0" err="1" smtClean="0">
+                <a:ln>
+                  <a:noFill/>
+                </a:ln>
+                <a:solidFill>
+                  <a:srgbClr val="000000"/>
+                </a:solidFill>
+                <a:effectLst/>
+                <a:latin typeface="Courier New" panose="02070309020205020404" pitchFamily="49" charset="0"/>
+                <a:cs typeface="Courier New" panose="02070309020205020404" pitchFamily="49" charset="0"/>
+              </a:rPr>
+              <a:t>statement.executeQuery</a:t>
+            </a:r>
+            <a:r>
+              <a:rPr kumimoji="0" lang="he-IL" altLang="he-IL" sz="2000" b="0" i="0" u="none" strike="noStrike" cap="none" normalizeH="0" baseline="0" dirty="0" smtClean="0">
+                <a:ln>
+                  <a:noFill/>
+                </a:ln>
+                <a:solidFill>
+                  <a:srgbClr val="000000"/>
+                </a:solidFill>
+                <a:effectLst/>
+                <a:latin typeface="Courier New" panose="02070309020205020404" pitchFamily="49" charset="0"/>
+                <a:cs typeface="Courier New" panose="02070309020205020404" pitchFamily="49" charset="0"/>
+              </a:rPr>
+              <a:t>(</a:t>
+            </a:r>
+            <a:r>
+              <a:rPr kumimoji="0" lang="he-IL" altLang="he-IL" sz="2000" b="0" i="0" u="none" strike="noStrike" cap="none" normalizeH="0" baseline="0" dirty="0" err="1" smtClean="0">
+                <a:ln>
+                  <a:noFill/>
+                </a:ln>
+                <a:solidFill>
+                  <a:srgbClr val="000000"/>
+                </a:solidFill>
+                <a:effectLst/>
+                <a:latin typeface="Courier New" panose="02070309020205020404" pitchFamily="49" charset="0"/>
+                <a:cs typeface="Courier New" panose="02070309020205020404" pitchFamily="49" charset="0"/>
+              </a:rPr>
+              <a:t>sql</a:t>
+            </a:r>
+            <a:r>
+              <a:rPr kumimoji="0" lang="he-IL" altLang="he-IL" sz="2000" b="0" i="0" u="none" strike="noStrike" cap="none" normalizeH="0" baseline="0" dirty="0" smtClean="0">
+                <a:ln>
+                  <a:noFill/>
+                </a:ln>
+                <a:solidFill>
+                  <a:srgbClr val="000000"/>
+                </a:solidFill>
+                <a:effectLst/>
+                <a:latin typeface="Courier New" panose="02070309020205020404" pitchFamily="49" charset="0"/>
+                <a:cs typeface="Courier New" panose="02070309020205020404" pitchFamily="49" charset="0"/>
+              </a:rPr>
+              <a:t>);</a:t>
+            </a:r>
+            <a:br>
+              <a:rPr kumimoji="0" lang="he-IL" altLang="he-IL" sz="2000" b="0" i="0" u="none" strike="noStrike" cap="none" normalizeH="0" baseline="0" dirty="0" smtClean="0">
+                <a:ln>
+                  <a:noFill/>
+                </a:ln>
+                <a:solidFill>
+                  <a:srgbClr val="000000"/>
+                </a:solidFill>
+                <a:effectLst/>
+                <a:latin typeface="Courier New" panose="02070309020205020404" pitchFamily="49" charset="0"/>
+                <a:cs typeface="Courier New" panose="02070309020205020404" pitchFamily="49" charset="0"/>
+              </a:rPr>
+            </a:br>
+            <a:r>
+              <a:rPr kumimoji="0" lang="he-IL" altLang="he-IL" sz="2000" b="0" i="0" u="none" strike="noStrike" cap="none" normalizeH="0" baseline="0" dirty="0" smtClean="0">
+                <a:ln>
+                  <a:noFill/>
+                </a:ln>
+                <a:solidFill>
+                  <a:srgbClr val="000000"/>
+                </a:solidFill>
+                <a:effectLst/>
+                <a:latin typeface="Courier New" panose="02070309020205020404" pitchFamily="49" charset="0"/>
+                <a:cs typeface="Courier New" panose="02070309020205020404" pitchFamily="49" charset="0"/>
+              </a:rPr>
+              <a:t>    </a:t>
+            </a:r>
+            <a:r>
+              <a:rPr kumimoji="0" lang="he-IL" altLang="he-IL" sz="2000" b="0" i="0" u="none" strike="noStrike" cap="none" normalizeH="0" baseline="0" dirty="0" err="1" smtClean="0">
+                <a:ln>
+                  <a:noFill/>
+                </a:ln>
+                <a:solidFill>
+                  <a:srgbClr val="000000"/>
+                </a:solidFill>
+                <a:effectLst/>
+                <a:latin typeface="Courier New" panose="02070309020205020404" pitchFamily="49" charset="0"/>
+                <a:cs typeface="Courier New" panose="02070309020205020404" pitchFamily="49" charset="0"/>
+              </a:rPr>
+              <a:t>resultSet.moveToInsertRow</a:t>
+            </a:r>
+            <a:r>
+              <a:rPr kumimoji="0" lang="he-IL" altLang="he-IL" sz="2000" b="0" i="0" u="none" strike="noStrike" cap="none" normalizeH="0" baseline="0" dirty="0" smtClean="0">
+                <a:ln>
+                  <a:noFill/>
+                </a:ln>
+                <a:solidFill>
+                  <a:srgbClr val="000000"/>
+                </a:solidFill>
+                <a:effectLst/>
+                <a:latin typeface="Courier New" panose="02070309020205020404" pitchFamily="49" charset="0"/>
+                <a:cs typeface="Courier New" panose="02070309020205020404" pitchFamily="49" charset="0"/>
+              </a:rPr>
+              <a:t>();</a:t>
+            </a:r>
+            <a:br>
+              <a:rPr kumimoji="0" lang="he-IL" altLang="he-IL" sz="2000" b="0" i="0" u="none" strike="noStrike" cap="none" normalizeH="0" baseline="0" dirty="0" smtClean="0">
+                <a:ln>
+                  <a:noFill/>
+                </a:ln>
+                <a:solidFill>
+                  <a:srgbClr val="000000"/>
+                </a:solidFill>
+                <a:effectLst/>
+                <a:latin typeface="Courier New" panose="02070309020205020404" pitchFamily="49" charset="0"/>
+                <a:cs typeface="Courier New" panose="02070309020205020404" pitchFamily="49" charset="0"/>
+              </a:rPr>
+            </a:br>
+            <a:r>
+              <a:rPr kumimoji="0" lang="he-IL" altLang="he-IL" sz="2000" b="0" i="0" u="none" strike="noStrike" cap="none" normalizeH="0" baseline="0" dirty="0" smtClean="0">
+                <a:ln>
+                  <a:noFill/>
+                </a:ln>
+                <a:solidFill>
+                  <a:srgbClr val="000000"/>
+                </a:solidFill>
+                <a:effectLst/>
+                <a:latin typeface="Courier New" panose="02070309020205020404" pitchFamily="49" charset="0"/>
+                <a:cs typeface="Courier New" panose="02070309020205020404" pitchFamily="49" charset="0"/>
+              </a:rPr>
+              <a:t>    </a:t>
+            </a:r>
+            <a:r>
+              <a:rPr kumimoji="0" lang="he-IL" altLang="he-IL" sz="2000" b="0" i="0" u="none" strike="noStrike" cap="none" normalizeH="0" baseline="0" dirty="0" err="1" smtClean="0">
+                <a:ln>
+                  <a:noFill/>
+                </a:ln>
+                <a:solidFill>
+                  <a:srgbClr val="000000"/>
+                </a:solidFill>
+                <a:effectLst/>
+                <a:latin typeface="Courier New" panose="02070309020205020404" pitchFamily="49" charset="0"/>
+                <a:cs typeface="Courier New" panose="02070309020205020404" pitchFamily="49" charset="0"/>
+              </a:rPr>
+              <a:t>resultSet.updateString</a:t>
+            </a:r>
+            <a:r>
+              <a:rPr kumimoji="0" lang="he-IL" altLang="he-IL" sz="2000" b="0" i="0" u="none" strike="noStrike" cap="none" normalizeH="0" baseline="0" dirty="0" smtClean="0">
+                <a:ln>
+                  <a:noFill/>
+                </a:ln>
+                <a:solidFill>
+                  <a:srgbClr val="000000"/>
+                </a:solidFill>
+                <a:effectLst/>
+                <a:latin typeface="Courier New" panose="02070309020205020404" pitchFamily="49" charset="0"/>
+                <a:cs typeface="Courier New" panose="02070309020205020404" pitchFamily="49" charset="0"/>
+              </a:rPr>
+              <a:t>(</a:t>
+            </a:r>
+            <a:r>
+              <a:rPr kumimoji="0" lang="he-IL" altLang="he-IL" sz="2000" b="1" i="0" u="none" strike="noStrike" cap="none" normalizeH="0" baseline="0" dirty="0" smtClean="0">
+                <a:ln>
+                  <a:noFill/>
+                </a:ln>
+                <a:solidFill>
+                  <a:srgbClr val="008000"/>
+                </a:solidFill>
+                <a:effectLst/>
+                <a:latin typeface="Courier New" panose="02070309020205020404" pitchFamily="49" charset="0"/>
+                <a:cs typeface="Courier New" panose="02070309020205020404" pitchFamily="49" charset="0"/>
+              </a:rPr>
+              <a:t>"</a:t>
+            </a:r>
+            <a:r>
+              <a:rPr kumimoji="0" lang="he-IL" altLang="he-IL" sz="2000" b="1" i="0" u="none" strike="noStrike" cap="none" normalizeH="0" baseline="0" dirty="0" err="1" smtClean="0">
+                <a:ln>
+                  <a:noFill/>
+                </a:ln>
+                <a:solidFill>
+                  <a:srgbClr val="008000"/>
+                </a:solidFill>
+                <a:effectLst/>
+                <a:latin typeface="Courier New" panose="02070309020205020404" pitchFamily="49" charset="0"/>
+                <a:cs typeface="Courier New" panose="02070309020205020404" pitchFamily="49" charset="0"/>
+              </a:rPr>
+              <a:t>Name</a:t>
+            </a:r>
+            <a:r>
+              <a:rPr kumimoji="0" lang="he-IL" altLang="he-IL" sz="2000" b="1" i="0" u="none" strike="noStrike" cap="none" normalizeH="0" baseline="0" dirty="0" smtClean="0">
+                <a:ln>
+                  <a:noFill/>
+                </a:ln>
+                <a:solidFill>
+                  <a:srgbClr val="008000"/>
+                </a:solidFill>
+                <a:effectLst/>
+                <a:latin typeface="Courier New" panose="02070309020205020404" pitchFamily="49" charset="0"/>
+                <a:cs typeface="Courier New" panose="02070309020205020404" pitchFamily="49" charset="0"/>
+              </a:rPr>
+              <a:t>"</a:t>
+            </a:r>
+            <a:r>
+              <a:rPr kumimoji="0" lang="he-IL" altLang="he-IL" sz="2000" b="0" i="0" u="none" strike="noStrike" cap="none" normalizeH="0" baseline="0" dirty="0" smtClean="0">
+                <a:ln>
+                  <a:noFill/>
+                </a:ln>
+                <a:solidFill>
+                  <a:srgbClr val="000000"/>
+                </a:solidFill>
+                <a:effectLst/>
+                <a:latin typeface="Courier New" panose="02070309020205020404" pitchFamily="49" charset="0"/>
+                <a:cs typeface="Courier New" panose="02070309020205020404" pitchFamily="49" charset="0"/>
+              </a:rPr>
+              <a:t>, </a:t>
+            </a:r>
+            <a:r>
+              <a:rPr kumimoji="0" lang="he-IL" altLang="he-IL" sz="2000" b="1" i="0" u="none" strike="noStrike" cap="none" normalizeH="0" baseline="0" dirty="0" smtClean="0">
+                <a:ln>
+                  <a:noFill/>
+                </a:ln>
+                <a:solidFill>
+                  <a:srgbClr val="008000"/>
+                </a:solidFill>
+                <a:effectLst/>
+                <a:latin typeface="Courier New" panose="02070309020205020404" pitchFamily="49" charset="0"/>
+                <a:cs typeface="Courier New" panose="02070309020205020404" pitchFamily="49" charset="0"/>
+              </a:rPr>
+              <a:t>"</a:t>
+            </a:r>
+            <a:r>
+              <a:rPr kumimoji="0" lang="he-IL" altLang="he-IL" sz="2000" b="1" i="0" u="none" strike="noStrike" cap="none" normalizeH="0" baseline="0" dirty="0" err="1" smtClean="0">
+                <a:ln>
+                  <a:noFill/>
+                </a:ln>
+                <a:solidFill>
+                  <a:srgbClr val="008000"/>
+                </a:solidFill>
+                <a:effectLst/>
+                <a:latin typeface="Courier New" panose="02070309020205020404" pitchFamily="49" charset="0"/>
+                <a:cs typeface="Courier New" panose="02070309020205020404" pitchFamily="49" charset="0"/>
+              </a:rPr>
+              <a:t>City</a:t>
+            </a:r>
+            <a:r>
+              <a:rPr kumimoji="0" lang="he-IL" altLang="he-IL" sz="2000" b="1" i="0" u="none" strike="noStrike" cap="none" normalizeH="0" baseline="0" dirty="0" smtClean="0">
+                <a:ln>
+                  <a:noFill/>
+                </a:ln>
+                <a:solidFill>
+                  <a:srgbClr val="008000"/>
+                </a:solidFill>
+                <a:effectLst/>
+                <a:latin typeface="Courier New" panose="02070309020205020404" pitchFamily="49" charset="0"/>
+                <a:cs typeface="Courier New" panose="02070309020205020404" pitchFamily="49" charset="0"/>
+              </a:rPr>
+              <a:t>"</a:t>
+            </a:r>
+            <a:r>
+              <a:rPr kumimoji="0" lang="he-IL" altLang="he-IL" sz="2000" b="0" i="0" u="none" strike="noStrike" cap="none" normalizeH="0" baseline="0" dirty="0" smtClean="0">
+                <a:ln>
+                  <a:noFill/>
+                </a:ln>
+                <a:solidFill>
+                  <a:srgbClr val="000000"/>
+                </a:solidFill>
+                <a:effectLst/>
+                <a:latin typeface="Courier New" panose="02070309020205020404" pitchFamily="49" charset="0"/>
+                <a:cs typeface="Courier New" panose="02070309020205020404" pitchFamily="49" charset="0"/>
+              </a:rPr>
+              <a:t>);</a:t>
+            </a:r>
+            <a:br>
+              <a:rPr kumimoji="0" lang="he-IL" altLang="he-IL" sz="2000" b="0" i="0" u="none" strike="noStrike" cap="none" normalizeH="0" baseline="0" dirty="0" smtClean="0">
+                <a:ln>
+                  <a:noFill/>
+                </a:ln>
+                <a:solidFill>
+                  <a:srgbClr val="000000"/>
+                </a:solidFill>
+                <a:effectLst/>
+                <a:latin typeface="Courier New" panose="02070309020205020404" pitchFamily="49" charset="0"/>
+                <a:cs typeface="Courier New" panose="02070309020205020404" pitchFamily="49" charset="0"/>
+              </a:rPr>
+            </a:br>
+            <a:r>
+              <a:rPr kumimoji="0" lang="he-IL" altLang="he-IL" sz="2000" b="0" i="0" u="none" strike="noStrike" cap="none" normalizeH="0" baseline="0" dirty="0" smtClean="0">
+                <a:ln>
+                  <a:noFill/>
+                </a:ln>
+                <a:solidFill>
+                  <a:srgbClr val="000000"/>
+                </a:solidFill>
+                <a:effectLst/>
+                <a:latin typeface="Courier New" panose="02070309020205020404" pitchFamily="49" charset="0"/>
+                <a:cs typeface="Courier New" panose="02070309020205020404" pitchFamily="49" charset="0"/>
+              </a:rPr>
+              <a:t>    </a:t>
+            </a:r>
+            <a:r>
+              <a:rPr kumimoji="0" lang="he-IL" altLang="he-IL" sz="2000" b="0" i="0" u="none" strike="noStrike" cap="none" normalizeH="0" baseline="0" dirty="0" err="1" smtClean="0">
+                <a:ln>
+                  <a:noFill/>
+                </a:ln>
+                <a:solidFill>
+                  <a:srgbClr val="000000"/>
+                </a:solidFill>
+                <a:effectLst/>
+                <a:latin typeface="Courier New" panose="02070309020205020404" pitchFamily="49" charset="0"/>
+                <a:cs typeface="Courier New" panose="02070309020205020404" pitchFamily="49" charset="0"/>
+              </a:rPr>
+              <a:t>resultSet.updateString</a:t>
+            </a:r>
+            <a:r>
+              <a:rPr kumimoji="0" lang="he-IL" altLang="he-IL" sz="2000" b="0" i="0" u="none" strike="noStrike" cap="none" normalizeH="0" baseline="0" dirty="0" smtClean="0">
+                <a:ln>
+                  <a:noFill/>
+                </a:ln>
+                <a:solidFill>
+                  <a:srgbClr val="000000"/>
+                </a:solidFill>
+                <a:effectLst/>
+                <a:latin typeface="Courier New" panose="02070309020205020404" pitchFamily="49" charset="0"/>
+                <a:cs typeface="Courier New" panose="02070309020205020404" pitchFamily="49" charset="0"/>
+              </a:rPr>
+              <a:t>(</a:t>
+            </a:r>
+            <a:r>
+              <a:rPr kumimoji="0" lang="he-IL" altLang="he-IL" sz="2000" b="1" i="0" u="none" strike="noStrike" cap="none" normalizeH="0" baseline="0" dirty="0" smtClean="0">
+                <a:ln>
+                  <a:noFill/>
+                </a:ln>
+                <a:solidFill>
+                  <a:srgbClr val="008000"/>
+                </a:solidFill>
+                <a:effectLst/>
+                <a:latin typeface="Courier New" panose="02070309020205020404" pitchFamily="49" charset="0"/>
+                <a:cs typeface="Courier New" panose="02070309020205020404" pitchFamily="49" charset="0"/>
+              </a:rPr>
+              <a:t>"</a:t>
+            </a:r>
+            <a:r>
+              <a:rPr kumimoji="0" lang="he-IL" altLang="he-IL" sz="2000" b="1" i="0" u="none" strike="noStrike" cap="none" normalizeH="0" baseline="0" dirty="0" err="1" smtClean="0">
+                <a:ln>
+                  <a:noFill/>
+                </a:ln>
+                <a:solidFill>
+                  <a:srgbClr val="008000"/>
+                </a:solidFill>
+                <a:effectLst/>
+                <a:latin typeface="Courier New" panose="02070309020205020404" pitchFamily="49" charset="0"/>
+                <a:cs typeface="Courier New" panose="02070309020205020404" pitchFamily="49" charset="0"/>
+              </a:rPr>
+              <a:t>CountryCode</a:t>
+            </a:r>
+            <a:r>
+              <a:rPr kumimoji="0" lang="he-IL" altLang="he-IL" sz="2000" b="1" i="0" u="none" strike="noStrike" cap="none" normalizeH="0" baseline="0" dirty="0" smtClean="0">
+                <a:ln>
+                  <a:noFill/>
+                </a:ln>
+                <a:solidFill>
+                  <a:srgbClr val="008000"/>
+                </a:solidFill>
+                <a:effectLst/>
+                <a:latin typeface="Courier New" panose="02070309020205020404" pitchFamily="49" charset="0"/>
+                <a:cs typeface="Courier New" panose="02070309020205020404" pitchFamily="49" charset="0"/>
+              </a:rPr>
+              <a:t>"</a:t>
+            </a:r>
+            <a:r>
+              <a:rPr kumimoji="0" lang="he-IL" altLang="he-IL" sz="2000" b="0" i="0" u="none" strike="noStrike" cap="none" normalizeH="0" baseline="0" dirty="0" smtClean="0">
+                <a:ln>
+                  <a:noFill/>
+                </a:ln>
+                <a:solidFill>
+                  <a:srgbClr val="000000"/>
+                </a:solidFill>
+                <a:effectLst/>
+                <a:latin typeface="Courier New" panose="02070309020205020404" pitchFamily="49" charset="0"/>
+                <a:cs typeface="Courier New" panose="02070309020205020404" pitchFamily="49" charset="0"/>
+              </a:rPr>
+              <a:t>, </a:t>
+            </a:r>
+            <a:r>
+              <a:rPr kumimoji="0" lang="he-IL" altLang="he-IL" sz="2000" b="1" i="0" u="none" strike="noStrike" cap="none" normalizeH="0" baseline="0" dirty="0" smtClean="0">
+                <a:ln>
+                  <a:noFill/>
+                </a:ln>
+                <a:solidFill>
+                  <a:srgbClr val="008000"/>
+                </a:solidFill>
+                <a:effectLst/>
+                <a:latin typeface="Courier New" panose="02070309020205020404" pitchFamily="49" charset="0"/>
+                <a:cs typeface="Courier New" panose="02070309020205020404" pitchFamily="49" charset="0"/>
+              </a:rPr>
+              <a:t>"PSE"</a:t>
+            </a:r>
+            <a:r>
+              <a:rPr kumimoji="0" lang="he-IL" altLang="he-IL" sz="2000" b="0" i="0" u="none" strike="noStrike" cap="none" normalizeH="0" baseline="0" dirty="0" smtClean="0">
+                <a:ln>
+                  <a:noFill/>
+                </a:ln>
+                <a:solidFill>
+                  <a:srgbClr val="000000"/>
+                </a:solidFill>
+                <a:effectLst/>
+                <a:latin typeface="Courier New" panose="02070309020205020404" pitchFamily="49" charset="0"/>
+                <a:cs typeface="Courier New" panose="02070309020205020404" pitchFamily="49" charset="0"/>
+              </a:rPr>
+              <a:t>);</a:t>
+            </a:r>
+            <a:br>
+              <a:rPr kumimoji="0" lang="he-IL" altLang="he-IL" sz="2000" b="0" i="0" u="none" strike="noStrike" cap="none" normalizeH="0" baseline="0" dirty="0" smtClean="0">
+                <a:ln>
+                  <a:noFill/>
+                </a:ln>
+                <a:solidFill>
+                  <a:srgbClr val="000000"/>
+                </a:solidFill>
+                <a:effectLst/>
+                <a:latin typeface="Courier New" panose="02070309020205020404" pitchFamily="49" charset="0"/>
+                <a:cs typeface="Courier New" panose="02070309020205020404" pitchFamily="49" charset="0"/>
+              </a:rPr>
+            </a:br>
+            <a:r>
+              <a:rPr kumimoji="0" lang="he-IL" altLang="he-IL" sz="2000" b="0" i="0" u="none" strike="noStrike" cap="none" normalizeH="0" baseline="0" dirty="0" smtClean="0">
+                <a:ln>
+                  <a:noFill/>
+                </a:ln>
+                <a:solidFill>
+                  <a:srgbClr val="000000"/>
+                </a:solidFill>
+                <a:effectLst/>
+                <a:latin typeface="Courier New" panose="02070309020205020404" pitchFamily="49" charset="0"/>
+                <a:cs typeface="Courier New" panose="02070309020205020404" pitchFamily="49" charset="0"/>
+              </a:rPr>
+              <a:t>    </a:t>
+            </a:r>
+            <a:r>
+              <a:rPr kumimoji="0" lang="he-IL" altLang="he-IL" sz="2000" b="0" i="0" u="none" strike="noStrike" cap="none" normalizeH="0" baseline="0" dirty="0" err="1" smtClean="0">
+                <a:ln>
+                  <a:noFill/>
+                </a:ln>
+                <a:solidFill>
+                  <a:srgbClr val="000000"/>
+                </a:solidFill>
+                <a:effectLst/>
+                <a:latin typeface="Courier New" panose="02070309020205020404" pitchFamily="49" charset="0"/>
+                <a:cs typeface="Courier New" panose="02070309020205020404" pitchFamily="49" charset="0"/>
+              </a:rPr>
+              <a:t>resultSet.updateString</a:t>
+            </a:r>
+            <a:r>
+              <a:rPr kumimoji="0" lang="he-IL" altLang="he-IL" sz="2000" b="0" i="0" u="none" strike="noStrike" cap="none" normalizeH="0" baseline="0" dirty="0" smtClean="0">
+                <a:ln>
+                  <a:noFill/>
+                </a:ln>
+                <a:solidFill>
+                  <a:srgbClr val="000000"/>
+                </a:solidFill>
+                <a:effectLst/>
+                <a:latin typeface="Courier New" panose="02070309020205020404" pitchFamily="49" charset="0"/>
+                <a:cs typeface="Courier New" panose="02070309020205020404" pitchFamily="49" charset="0"/>
+              </a:rPr>
+              <a:t>(</a:t>
+            </a:r>
+            <a:r>
+              <a:rPr kumimoji="0" lang="he-IL" altLang="he-IL" sz="2000" b="1" i="0" u="none" strike="noStrike" cap="none" normalizeH="0" baseline="0" dirty="0" smtClean="0">
+                <a:ln>
+                  <a:noFill/>
+                </a:ln>
+                <a:solidFill>
+                  <a:srgbClr val="008000"/>
+                </a:solidFill>
+                <a:effectLst/>
+                <a:latin typeface="Courier New" panose="02070309020205020404" pitchFamily="49" charset="0"/>
+                <a:cs typeface="Courier New" panose="02070309020205020404" pitchFamily="49" charset="0"/>
+              </a:rPr>
+              <a:t>"</a:t>
+            </a:r>
+            <a:r>
+              <a:rPr kumimoji="0" lang="he-IL" altLang="he-IL" sz="2000" b="1" i="0" u="none" strike="noStrike" cap="none" normalizeH="0" baseline="0" dirty="0" err="1" smtClean="0">
+                <a:ln>
+                  <a:noFill/>
+                </a:ln>
+                <a:solidFill>
+                  <a:srgbClr val="008000"/>
+                </a:solidFill>
+                <a:effectLst/>
+                <a:latin typeface="Courier New" panose="02070309020205020404" pitchFamily="49" charset="0"/>
+                <a:cs typeface="Courier New" panose="02070309020205020404" pitchFamily="49" charset="0"/>
+              </a:rPr>
+              <a:t>District</a:t>
+            </a:r>
+            <a:r>
+              <a:rPr kumimoji="0" lang="he-IL" altLang="he-IL" sz="2000" b="1" i="0" u="none" strike="noStrike" cap="none" normalizeH="0" baseline="0" dirty="0" smtClean="0">
+                <a:ln>
+                  <a:noFill/>
+                </a:ln>
+                <a:solidFill>
+                  <a:srgbClr val="008000"/>
+                </a:solidFill>
+                <a:effectLst/>
+                <a:latin typeface="Courier New" panose="02070309020205020404" pitchFamily="49" charset="0"/>
+                <a:cs typeface="Courier New" panose="02070309020205020404" pitchFamily="49" charset="0"/>
+              </a:rPr>
+              <a:t>"</a:t>
+            </a:r>
+            <a:r>
+              <a:rPr kumimoji="0" lang="he-IL" altLang="he-IL" sz="2000" b="0" i="0" u="none" strike="noStrike" cap="none" normalizeH="0" baseline="0" dirty="0" smtClean="0">
+                <a:ln>
+                  <a:noFill/>
+                </a:ln>
+                <a:solidFill>
+                  <a:srgbClr val="000000"/>
+                </a:solidFill>
+                <a:effectLst/>
+                <a:latin typeface="Courier New" panose="02070309020205020404" pitchFamily="49" charset="0"/>
+                <a:cs typeface="Courier New" panose="02070309020205020404" pitchFamily="49" charset="0"/>
+              </a:rPr>
+              <a:t>, </a:t>
+            </a:r>
+            <a:r>
+              <a:rPr kumimoji="0" lang="he-IL" altLang="he-IL" sz="2000" b="1" i="0" u="none" strike="noStrike" cap="none" normalizeH="0" baseline="0" dirty="0" smtClean="0">
+                <a:ln>
+                  <a:noFill/>
+                </a:ln>
+                <a:solidFill>
+                  <a:srgbClr val="008000"/>
+                </a:solidFill>
+                <a:effectLst/>
+                <a:latin typeface="Courier New" panose="02070309020205020404" pitchFamily="49" charset="0"/>
+                <a:cs typeface="Courier New" panose="02070309020205020404" pitchFamily="49" charset="0"/>
+              </a:rPr>
+              <a:t>"</a:t>
+            </a:r>
+            <a:r>
+              <a:rPr kumimoji="0" lang="he-IL" altLang="he-IL" sz="2000" b="1" i="0" u="none" strike="noStrike" cap="none" normalizeH="0" baseline="0" dirty="0" err="1" smtClean="0">
+                <a:ln>
+                  <a:noFill/>
+                </a:ln>
+                <a:solidFill>
+                  <a:srgbClr val="008000"/>
+                </a:solidFill>
+                <a:effectLst/>
+                <a:latin typeface="Courier New" panose="02070309020205020404" pitchFamily="49" charset="0"/>
+                <a:cs typeface="Courier New" panose="02070309020205020404" pitchFamily="49" charset="0"/>
+              </a:rPr>
+              <a:t>Hebron</a:t>
+            </a:r>
+            <a:r>
+              <a:rPr kumimoji="0" lang="he-IL" altLang="he-IL" sz="2000" b="1" i="0" u="none" strike="noStrike" cap="none" normalizeH="0" baseline="0" dirty="0" smtClean="0">
+                <a:ln>
+                  <a:noFill/>
+                </a:ln>
+                <a:solidFill>
+                  <a:srgbClr val="008000"/>
+                </a:solidFill>
+                <a:effectLst/>
+                <a:latin typeface="Courier New" panose="02070309020205020404" pitchFamily="49" charset="0"/>
+                <a:cs typeface="Courier New" panose="02070309020205020404" pitchFamily="49" charset="0"/>
+              </a:rPr>
+              <a:t>"</a:t>
+            </a:r>
+            <a:r>
+              <a:rPr kumimoji="0" lang="he-IL" altLang="he-IL" sz="2000" b="0" i="0" u="none" strike="noStrike" cap="none" normalizeH="0" baseline="0" dirty="0" smtClean="0">
+                <a:ln>
+                  <a:noFill/>
+                </a:ln>
+                <a:solidFill>
+                  <a:srgbClr val="000000"/>
+                </a:solidFill>
+                <a:effectLst/>
+                <a:latin typeface="Courier New" panose="02070309020205020404" pitchFamily="49" charset="0"/>
+                <a:cs typeface="Courier New" panose="02070309020205020404" pitchFamily="49" charset="0"/>
+              </a:rPr>
+              <a:t>);</a:t>
+            </a:r>
+            <a:br>
+              <a:rPr kumimoji="0" lang="he-IL" altLang="he-IL" sz="2000" b="0" i="0" u="none" strike="noStrike" cap="none" normalizeH="0" baseline="0" dirty="0" smtClean="0">
+                <a:ln>
+                  <a:noFill/>
+                </a:ln>
+                <a:solidFill>
+                  <a:srgbClr val="000000"/>
+                </a:solidFill>
+                <a:effectLst/>
+                <a:latin typeface="Courier New" panose="02070309020205020404" pitchFamily="49" charset="0"/>
+                <a:cs typeface="Courier New" panose="02070309020205020404" pitchFamily="49" charset="0"/>
+              </a:rPr>
+            </a:br>
+            <a:r>
+              <a:rPr kumimoji="0" lang="he-IL" altLang="he-IL" sz="2000" b="0" i="0" u="none" strike="noStrike" cap="none" normalizeH="0" baseline="0" dirty="0" smtClean="0">
+                <a:ln>
+                  <a:noFill/>
+                </a:ln>
+                <a:solidFill>
+                  <a:srgbClr val="000000"/>
+                </a:solidFill>
+                <a:effectLst/>
+                <a:latin typeface="Courier New" panose="02070309020205020404" pitchFamily="49" charset="0"/>
+                <a:cs typeface="Courier New" panose="02070309020205020404" pitchFamily="49" charset="0"/>
+              </a:rPr>
+              <a:t>    </a:t>
+            </a:r>
+            <a:r>
+              <a:rPr kumimoji="0" lang="he-IL" altLang="he-IL" sz="2000" b="0" i="0" u="none" strike="noStrike" cap="none" normalizeH="0" baseline="0" dirty="0" err="1" smtClean="0">
+                <a:ln>
+                  <a:noFill/>
+                </a:ln>
+                <a:solidFill>
+                  <a:srgbClr val="000000"/>
+                </a:solidFill>
+                <a:effectLst/>
+                <a:latin typeface="Courier New" panose="02070309020205020404" pitchFamily="49" charset="0"/>
+                <a:cs typeface="Courier New" panose="02070309020205020404" pitchFamily="49" charset="0"/>
+              </a:rPr>
+              <a:t>resultSet.updateInt</a:t>
+            </a:r>
+            <a:r>
+              <a:rPr kumimoji="0" lang="he-IL" altLang="he-IL" sz="2000" b="0" i="0" u="none" strike="noStrike" cap="none" normalizeH="0" baseline="0" dirty="0" smtClean="0">
+                <a:ln>
+                  <a:noFill/>
+                </a:ln>
+                <a:solidFill>
+                  <a:srgbClr val="000000"/>
+                </a:solidFill>
+                <a:effectLst/>
+                <a:latin typeface="Courier New" panose="02070309020205020404" pitchFamily="49" charset="0"/>
+                <a:cs typeface="Courier New" panose="02070309020205020404" pitchFamily="49" charset="0"/>
+              </a:rPr>
+              <a:t>(</a:t>
+            </a:r>
+            <a:r>
+              <a:rPr kumimoji="0" lang="he-IL" altLang="he-IL" sz="2000" b="1" i="0" u="none" strike="noStrike" cap="none" normalizeH="0" baseline="0" dirty="0" smtClean="0">
+                <a:ln>
+                  <a:noFill/>
+                </a:ln>
+                <a:solidFill>
+                  <a:srgbClr val="008000"/>
+                </a:solidFill>
+                <a:effectLst/>
+                <a:latin typeface="Courier New" panose="02070309020205020404" pitchFamily="49" charset="0"/>
+                <a:cs typeface="Courier New" panose="02070309020205020404" pitchFamily="49" charset="0"/>
+              </a:rPr>
+              <a:t>"</a:t>
+            </a:r>
+            <a:r>
+              <a:rPr kumimoji="0" lang="he-IL" altLang="he-IL" sz="2000" b="1" i="0" u="none" strike="noStrike" cap="none" normalizeH="0" baseline="0" dirty="0" err="1" smtClean="0">
+                <a:ln>
+                  <a:noFill/>
+                </a:ln>
+                <a:solidFill>
+                  <a:srgbClr val="008000"/>
+                </a:solidFill>
+                <a:effectLst/>
+                <a:latin typeface="Courier New" panose="02070309020205020404" pitchFamily="49" charset="0"/>
+                <a:cs typeface="Courier New" panose="02070309020205020404" pitchFamily="49" charset="0"/>
+              </a:rPr>
+              <a:t>Population</a:t>
+            </a:r>
+            <a:r>
+              <a:rPr kumimoji="0" lang="he-IL" altLang="he-IL" sz="2000" b="1" i="0" u="none" strike="noStrike" cap="none" normalizeH="0" baseline="0" dirty="0" smtClean="0">
+                <a:ln>
+                  <a:noFill/>
+                </a:ln>
+                <a:solidFill>
+                  <a:srgbClr val="008000"/>
+                </a:solidFill>
+                <a:effectLst/>
+                <a:latin typeface="Courier New" panose="02070309020205020404" pitchFamily="49" charset="0"/>
+                <a:cs typeface="Courier New" panose="02070309020205020404" pitchFamily="49" charset="0"/>
+              </a:rPr>
+              <a:t>"</a:t>
+            </a:r>
+            <a:r>
+              <a:rPr kumimoji="0" lang="he-IL" altLang="he-IL" sz="2000" b="0" i="0" u="none" strike="noStrike" cap="none" normalizeH="0" baseline="0" dirty="0" smtClean="0">
+                <a:ln>
+                  <a:noFill/>
+                </a:ln>
+                <a:solidFill>
+                  <a:srgbClr val="000000"/>
+                </a:solidFill>
+                <a:effectLst/>
+                <a:latin typeface="Courier New" panose="02070309020205020404" pitchFamily="49" charset="0"/>
+                <a:cs typeface="Courier New" panose="02070309020205020404" pitchFamily="49" charset="0"/>
+              </a:rPr>
+              <a:t>, </a:t>
+            </a:r>
+            <a:r>
+              <a:rPr kumimoji="0" lang="he-IL" altLang="he-IL" sz="2000" b="0" i="0" u="none" strike="noStrike" cap="none" normalizeH="0" baseline="0" dirty="0" smtClean="0">
+                <a:ln>
+                  <a:noFill/>
+                </a:ln>
+                <a:solidFill>
+                  <a:srgbClr val="0000FF"/>
+                </a:solidFill>
+                <a:effectLst/>
+                <a:latin typeface="Courier New" panose="02070309020205020404" pitchFamily="49" charset="0"/>
+                <a:cs typeface="Courier New" panose="02070309020205020404" pitchFamily="49" charset="0"/>
+              </a:rPr>
+              <a:t>40452532</a:t>
+            </a:r>
+            <a:r>
+              <a:rPr kumimoji="0" lang="he-IL" altLang="he-IL" sz="2000" b="0" i="0" u="none" strike="noStrike" cap="none" normalizeH="0" baseline="0" dirty="0" smtClean="0">
+                <a:ln>
+                  <a:noFill/>
+                </a:ln>
+                <a:solidFill>
+                  <a:srgbClr val="000000"/>
+                </a:solidFill>
+                <a:effectLst/>
+                <a:latin typeface="Courier New" panose="02070309020205020404" pitchFamily="49" charset="0"/>
+                <a:cs typeface="Courier New" panose="02070309020205020404" pitchFamily="49" charset="0"/>
+              </a:rPr>
+              <a:t>);</a:t>
+            </a:r>
+            <a:br>
+              <a:rPr kumimoji="0" lang="he-IL" altLang="he-IL" sz="2000" b="0" i="0" u="none" strike="noStrike" cap="none" normalizeH="0" baseline="0" dirty="0" smtClean="0">
+                <a:ln>
+                  <a:noFill/>
+                </a:ln>
+                <a:solidFill>
+                  <a:srgbClr val="000000"/>
+                </a:solidFill>
+                <a:effectLst/>
+                <a:latin typeface="Courier New" panose="02070309020205020404" pitchFamily="49" charset="0"/>
+                <a:cs typeface="Courier New" panose="02070309020205020404" pitchFamily="49" charset="0"/>
+              </a:rPr>
+            </a:br>
+            <a:r>
+              <a:rPr kumimoji="0" lang="he-IL" altLang="he-IL" sz="2000" b="0" i="0" u="none" strike="noStrike" cap="none" normalizeH="0" baseline="0" dirty="0" smtClean="0">
+                <a:ln>
+                  <a:noFill/>
+                </a:ln>
+                <a:solidFill>
+                  <a:srgbClr val="000000"/>
+                </a:solidFill>
+                <a:effectLst/>
+                <a:latin typeface="Courier New" panose="02070309020205020404" pitchFamily="49" charset="0"/>
+                <a:cs typeface="Courier New" panose="02070309020205020404" pitchFamily="49" charset="0"/>
+              </a:rPr>
+              <a:t>    </a:t>
+            </a:r>
+            <a:r>
+              <a:rPr kumimoji="0" lang="he-IL" altLang="he-IL" sz="2000" b="0" i="0" u="none" strike="noStrike" cap="none" normalizeH="0" baseline="0" dirty="0" err="1" smtClean="0">
+                <a:ln>
+                  <a:noFill/>
+                </a:ln>
+                <a:solidFill>
+                  <a:srgbClr val="000000"/>
+                </a:solidFill>
+                <a:effectLst/>
+                <a:latin typeface="Courier New" panose="02070309020205020404" pitchFamily="49" charset="0"/>
+                <a:cs typeface="Courier New" panose="02070309020205020404" pitchFamily="49" charset="0"/>
+              </a:rPr>
+              <a:t>resultSet.insertRow</a:t>
+            </a:r>
+            <a:r>
+              <a:rPr kumimoji="0" lang="he-IL" altLang="he-IL" sz="2000" b="0" i="0" u="none" strike="noStrike" cap="none" normalizeH="0" baseline="0" dirty="0" smtClean="0">
+                <a:ln>
+                  <a:noFill/>
+                </a:ln>
+                <a:solidFill>
+                  <a:srgbClr val="000000"/>
+                </a:solidFill>
+                <a:effectLst/>
+                <a:latin typeface="Courier New" panose="02070309020205020404" pitchFamily="49" charset="0"/>
+                <a:cs typeface="Courier New" panose="02070309020205020404" pitchFamily="49" charset="0"/>
+              </a:rPr>
+              <a:t>();</a:t>
+            </a:r>
+            <a:br>
+              <a:rPr kumimoji="0" lang="he-IL" altLang="he-IL" sz="2000" b="0" i="0" u="none" strike="noStrike" cap="none" normalizeH="0" baseline="0" dirty="0" smtClean="0">
+                <a:ln>
+                  <a:noFill/>
+                </a:ln>
+                <a:solidFill>
+                  <a:srgbClr val="000000"/>
+                </a:solidFill>
+                <a:effectLst/>
+                <a:latin typeface="Courier New" panose="02070309020205020404" pitchFamily="49" charset="0"/>
+                <a:cs typeface="Courier New" panose="02070309020205020404" pitchFamily="49" charset="0"/>
+              </a:rPr>
+            </a:br>
+            <a:r>
+              <a:rPr kumimoji="0" lang="he-IL" altLang="he-IL" sz="2000" b="0" i="0" u="none" strike="noStrike" cap="none" normalizeH="0" baseline="0" dirty="0" smtClean="0">
+                <a:ln>
+                  <a:noFill/>
+                </a:ln>
+                <a:solidFill>
+                  <a:srgbClr val="000000"/>
+                </a:solidFill>
+                <a:effectLst/>
+                <a:latin typeface="Courier New" panose="02070309020205020404" pitchFamily="49" charset="0"/>
+                <a:cs typeface="Courier New" panose="02070309020205020404" pitchFamily="49" charset="0"/>
+              </a:rPr>
+              <a:t>}</a:t>
+            </a:r>
+            <a:endParaRPr kumimoji="0" lang="he-IL" altLang="he-IL" sz="4800" b="0" i="0" u="none" strike="noStrike" cap="none" normalizeH="0" baseline="0" dirty="0" smtClean="0">
+              <a:ln>
+                <a:noFill/>
+              </a:ln>
+              <a:solidFill>
+                <a:schemeClr val="tx1"/>
+              </a:solidFill>
+              <a:effectLst/>
+              <a:latin typeface="Arial" panose="020B0604020202020204" pitchFamily="34" charset="0"/>
+            </a:endParaRPr>
+          </a:p>
+        </p:txBody>
+      </p:sp>
+    </p:spTree>
+    <p:extLst>
+      <p:ext uri="{BB962C8B-B14F-4D97-AF65-F5344CB8AC3E}">
+        <p14:creationId xmlns:p14="http://schemas.microsoft.com/office/powerpoint/2010/main" val="1595987268"/>
+      </p:ext>
+    </p:extLst>
+  </p:cSld>
+  <p:clrMapOvr>
+    <a:masterClrMapping/>
+  </p:clrMapOvr>
+  <p:timing>
+    <p:tnLst>
+      <p:par>
+        <p:cTn id="1" dur="indefinite" restart="never" nodeType="tmRoot"/>
+      </p:par>
+    </p:tnLst>
+  </p:timing>
+</p:sld>
+</file>
+
+<file path=ppt/slides/slide19.xml><?xml version="1.0" encoding="utf-8"?>
+<p:sld xmlns:a="http://schemas.openxmlformats.org/drawingml/2006/main" xmlns:r="http://schemas.openxmlformats.org/officeDocument/2006/relationships" xmlns:p="http://schemas.openxmlformats.org/presentationml/2006/main">
+  <p:cSld>
+    <p:spTree>
+      <p:nvGrpSpPr>
+        <p:cNvPr id="1" name=""/>
+        <p:cNvGrpSpPr/>
+        <p:nvPr/>
+      </p:nvGrpSpPr>
+      <p:grpSpPr>
+        <a:xfrm>
+          <a:off x="0" y="0"/>
+          <a:ext cx="0" cy="0"/>
+          <a:chOff x="0" y="0"/>
+          <a:chExt cx="0" cy="0"/>
+        </a:xfrm>
+      </p:grpSpPr>
+      <p:sp>
+        <p:nvSpPr>
+          <p:cNvPr id="2" name="Title 1"/>
+          <p:cNvSpPr>
+            <a:spLocks noGrp="1"/>
+          </p:cNvSpPr>
+          <p:nvPr>
+            <p:ph type="title"/>
+          </p:nvPr>
+        </p:nvSpPr>
+        <p:spPr/>
+        <p:txBody>
+          <a:bodyPr/>
+          <a:lstStyle/>
+          <a:p>
+            <a:r>
+              <a:rPr lang="en-US" dirty="0" smtClean="0"/>
+              <a:t>Insert Into – </a:t>
+            </a:r>
+            <a:r>
+              <a:rPr lang="en-US" dirty="0" err="1" smtClean="0"/>
+              <a:t>Execute.Update</a:t>
+            </a:r>
+            <a:endParaRPr lang="he-IL" dirty="0"/>
+          </a:p>
+        </p:txBody>
+      </p:sp>
+      <p:pic>
+        <p:nvPicPr>
+          <p:cNvPr id="6" name="Picture 5"/>
+          <p:cNvPicPr>
+            <a:picLocks noChangeAspect="1"/>
+          </p:cNvPicPr>
+          <p:nvPr/>
+        </p:nvPicPr>
+        <p:blipFill>
+          <a:blip r:embed="rId3"/>
+          <a:stretch>
+            <a:fillRect/>
+          </a:stretch>
+        </p:blipFill>
+        <p:spPr>
+          <a:xfrm>
+            <a:off x="22299" y="2209800"/>
+            <a:ext cx="12169701" cy="4648200"/>
+          </a:xfrm>
+          <a:prstGeom prst="rect">
+            <a:avLst/>
+          </a:prstGeom>
+        </p:spPr>
+      </p:pic>
+    </p:spTree>
+    <p:extLst>
+      <p:ext uri="{BB962C8B-B14F-4D97-AF65-F5344CB8AC3E}">
+        <p14:creationId xmlns:p14="http://schemas.microsoft.com/office/powerpoint/2010/main" val="1056011838"/>
+      </p:ext>
+    </p:extLst>
+  </p:cSld>
+  <p:clrMapOvr>
+    <a:masterClrMapping/>
+  </p:clrMapOvr>
+  <p:timing>
+    <p:tnLst>
+      <p:par>
+        <p:cTn id="1" dur="indefinite" restart="never" nodeType="tmRoot"/>
+      </p:par>
+    </p:tnLst>
+  </p:timing>
+</p:sld>
+</file>
+
+<file path=ppt/slides/slide2.xml><?xml version="1.0" encoding="utf-8"?>
+<p:sld xmlns:a="http://schemas.openxmlformats.org/drawingml/2006/main" xmlns:r="http://schemas.openxmlformats.org/officeDocument/2006/relationships" xmlns:p="http://schemas.openxmlformats.org/presentationml/2006/main">
+  <p:cSld>
+    <p:spTree>
+      <p:nvGrpSpPr>
+        <p:cNvPr id="1" name=""/>
+        <p:cNvGrpSpPr/>
+        <p:nvPr/>
+      </p:nvGrpSpPr>
+      <p:grpSpPr>
+        <a:xfrm>
+          <a:off x="0" y="0"/>
+          <a:ext cx="0" cy="0"/>
+          <a:chOff x="0" y="0"/>
+          <a:chExt cx="0" cy="0"/>
+        </a:xfrm>
+      </p:grpSpPr>
+      <p:sp>
+        <p:nvSpPr>
+          <p:cNvPr id="2" name="Title 1"/>
+          <p:cNvSpPr>
+            <a:spLocks noGrp="1"/>
+          </p:cNvSpPr>
+          <p:nvPr>
+            <p:ph type="title"/>
+          </p:nvPr>
+        </p:nvSpPr>
+        <p:spPr/>
+        <p:txBody>
+          <a:bodyPr/>
+          <a:lstStyle/>
+          <a:p>
+            <a:pPr algn="r"/>
+            <a:r>
+              <a:rPr lang="he-IL" dirty="0" smtClean="0"/>
+              <a:t>המצגת והקוד לדוגמה</a:t>
+            </a:r>
+            <a:endParaRPr lang="he-IL" dirty="0"/>
+          </a:p>
+        </p:txBody>
+      </p:sp>
+      <p:sp>
+        <p:nvSpPr>
+          <p:cNvPr id="3" name="Content Placeholder 2"/>
+          <p:cNvSpPr>
+            <a:spLocks noGrp="1"/>
+          </p:cNvSpPr>
+          <p:nvPr>
+            <p:ph idx="1"/>
+          </p:nvPr>
+        </p:nvSpPr>
+        <p:spPr>
+          <a:xfrm>
+            <a:off x="5881510" y="2133600"/>
+            <a:ext cx="5623101" cy="3777622"/>
+          </a:xfrm>
+        </p:spPr>
+        <p:txBody>
+          <a:bodyPr>
+            <a:normAutofit lnSpcReduction="10000"/>
+          </a:bodyPr>
+          <a:lstStyle/>
+          <a:p>
+            <a:endParaRPr lang="en-US" dirty="0"/>
+          </a:p>
+          <a:p>
+            <a:r>
+              <a:rPr lang="he-IL" sz="2400" dirty="0" smtClean="0"/>
+              <a:t>הקוד והמצגת נמצאים ב </a:t>
+            </a:r>
+            <a:r>
+              <a:rPr lang="en-US" sz="2400" dirty="0" smtClean="0"/>
+              <a:t>GIT REPOSITRY </a:t>
+            </a:r>
+            <a:r>
+              <a:rPr lang="he-IL" sz="2400" dirty="0" smtClean="0"/>
+              <a:t> הבא:</a:t>
+            </a:r>
+            <a:endParaRPr lang="en-US" sz="2400" dirty="0" smtClean="0"/>
+          </a:p>
+          <a:p>
+            <a:endParaRPr lang="en-US" sz="2400" dirty="0"/>
+          </a:p>
+          <a:p>
+            <a:r>
+              <a:rPr lang="en-US" sz="2400" dirty="0" smtClean="0">
+                <a:hlinkClick r:id="rId2"/>
+              </a:rPr>
+              <a:t>https://github.com/NahumLitvin/</a:t>
+            </a:r>
+            <a:br>
+              <a:rPr lang="en-US" sz="2400" dirty="0" smtClean="0">
+                <a:hlinkClick r:id="rId2"/>
+              </a:rPr>
+            </a:br>
+            <a:r>
+              <a:rPr lang="en-US" sz="2400" dirty="0" err="1" smtClean="0">
+                <a:hlinkClick r:id="rId2"/>
+              </a:rPr>
+              <a:t>JDBCExample</a:t>
+            </a:r>
+            <a:endParaRPr lang="he-IL" sz="2400" dirty="0" smtClean="0"/>
+          </a:p>
+          <a:p>
+            <a:endParaRPr lang="he-IL" sz="2400" dirty="0"/>
+          </a:p>
+          <a:p>
+            <a:r>
+              <a:rPr lang="he-IL" sz="2400" dirty="0" smtClean="0"/>
+              <a:t>כל </a:t>
+            </a:r>
+            <a:r>
+              <a:rPr lang="en-US" sz="2400" dirty="0" smtClean="0"/>
+              <a:t>COMMIT</a:t>
+            </a:r>
+            <a:r>
+              <a:rPr lang="he-IL" sz="2400" dirty="0" smtClean="0"/>
+              <a:t> אמור להוות שלב לוגי בהרצאה</a:t>
+            </a:r>
+            <a:endParaRPr lang="en-US" sz="2400" dirty="0" smtClean="0"/>
+          </a:p>
+          <a:p>
+            <a:endParaRPr lang="en-US" dirty="0" smtClean="0"/>
+          </a:p>
+          <a:p>
+            <a:endParaRPr lang="en-US" dirty="0"/>
+          </a:p>
+          <a:p>
+            <a:endParaRPr lang="en-US" dirty="0" smtClean="0"/>
+          </a:p>
+          <a:p>
+            <a:endParaRPr lang="he-IL" dirty="0" smtClean="0"/>
+          </a:p>
+          <a:p>
+            <a:endParaRPr lang="he-IL" dirty="0"/>
+          </a:p>
+        </p:txBody>
+      </p:sp>
+      <p:pic>
+        <p:nvPicPr>
+          <p:cNvPr id="4" name="Picture 3"/>
+          <p:cNvPicPr>
+            <a:picLocks noChangeAspect="1"/>
+          </p:cNvPicPr>
+          <p:nvPr/>
+        </p:nvPicPr>
+        <p:blipFill>
+          <a:blip r:embed="rId3">
+            <a:extLst>
+              <a:ext uri="{28A0092B-C50C-407E-A947-70E740481C1C}">
+                <a14:useLocalDpi xmlns:a14="http://schemas.microsoft.com/office/drawing/2010/main" val="0"/>
+              </a:ext>
+            </a:extLst>
+          </a:blip>
+          <a:stretch>
+            <a:fillRect/>
+          </a:stretch>
+        </p:blipFill>
+        <p:spPr>
+          <a:xfrm>
+            <a:off x="153016" y="1264555"/>
+            <a:ext cx="5615606" cy="5615606"/>
+          </a:xfrm>
+          <a:prstGeom prst="rect">
+            <a:avLst/>
+          </a:prstGeom>
+        </p:spPr>
+      </p:pic>
+    </p:spTree>
+    <p:extLst>
+      <p:ext uri="{BB962C8B-B14F-4D97-AF65-F5344CB8AC3E}">
+        <p14:creationId xmlns:p14="http://schemas.microsoft.com/office/powerpoint/2010/main" val="817376609"/>
+      </p:ext>
+    </p:extLst>
+  </p:cSld>
+  <p:clrMapOvr>
+    <a:masterClrMapping/>
+  </p:clrMapOvr>
+  <p:timing>
+    <p:tnLst>
+      <p:par>
+        <p:cTn id="1" dur="indefinite" restart="never" nodeType="tmRoot"/>
+      </p:par>
+    </p:tnLst>
+  </p:timing>
+</p:sld>
+</file>
+
+<file path=ppt/slides/slide20.xml><?xml version="1.0" encoding="utf-8"?>
+<p:sld xmlns:a="http://schemas.openxmlformats.org/drawingml/2006/main" xmlns:r="http://schemas.openxmlformats.org/officeDocument/2006/relationships" xmlns:p="http://schemas.openxmlformats.org/presentationml/2006/main">
+  <p:cSld>
+    <p:spTree>
+      <p:nvGrpSpPr>
+        <p:cNvPr id="1" name=""/>
+        <p:cNvGrpSpPr/>
+        <p:nvPr/>
+      </p:nvGrpSpPr>
+      <p:grpSpPr>
+        <a:xfrm>
+          <a:off x="0" y="0"/>
+          <a:ext cx="0" cy="0"/>
+          <a:chOff x="0" y="0"/>
+          <a:chExt cx="0" cy="0"/>
+        </a:xfrm>
+      </p:grpSpPr>
+      <p:sp>
+        <p:nvSpPr>
+          <p:cNvPr id="2" name="Title 1"/>
+          <p:cNvSpPr>
+            <a:spLocks noGrp="1"/>
+          </p:cNvSpPr>
+          <p:nvPr>
+            <p:ph type="title"/>
+          </p:nvPr>
+        </p:nvSpPr>
+        <p:spPr/>
+        <p:txBody>
+          <a:bodyPr/>
+          <a:lstStyle/>
+          <a:p>
+            <a:pPr algn="ctr"/>
+            <a:r>
+              <a:rPr lang="he-IL" dirty="0" smtClean="0"/>
+              <a:t>הזרקת </a:t>
+            </a:r>
+            <a:r>
+              <a:rPr lang="en-US" dirty="0" smtClean="0"/>
+              <a:t>SQL</a:t>
+            </a:r>
+            <a:r>
+              <a:rPr lang="he-IL" dirty="0" smtClean="0"/>
+              <a:t> – </a:t>
+            </a:r>
+            <a:r>
+              <a:rPr lang="en-US" dirty="0" smtClean="0"/>
+              <a:t>SQL INJECTION</a:t>
+            </a:r>
+            <a:endParaRPr lang="he-IL" dirty="0"/>
+          </a:p>
+        </p:txBody>
+      </p:sp>
+      <p:pic>
+        <p:nvPicPr>
+          <p:cNvPr id="9" name="Content Placeholder 8"/>
+          <p:cNvPicPr>
+            <a:picLocks noGrp="1" noChangeAspect="1"/>
+          </p:cNvPicPr>
+          <p:nvPr>
+            <p:ph idx="1"/>
+          </p:nvPr>
+        </p:nvPicPr>
+        <p:blipFill>
+          <a:blip r:embed="rId3"/>
+          <a:stretch>
+            <a:fillRect/>
+          </a:stretch>
+        </p:blipFill>
+        <p:spPr>
+          <a:xfrm>
+            <a:off x="31468" y="3369734"/>
+            <a:ext cx="12160532" cy="2506133"/>
+          </a:xfrm>
+          <a:prstGeom prst="rect">
+            <a:avLst/>
+          </a:prstGeom>
+        </p:spPr>
+      </p:pic>
+      <p:sp>
+        <p:nvSpPr>
+          <p:cNvPr id="10" name="TextBox 9"/>
+          <p:cNvSpPr txBox="1"/>
+          <p:nvPr/>
+        </p:nvSpPr>
+        <p:spPr>
+          <a:xfrm>
+            <a:off x="5746045" y="2020711"/>
+            <a:ext cx="5766322" cy="954107"/>
+          </a:xfrm>
+          <a:prstGeom prst="rect">
+            <a:avLst/>
+          </a:prstGeom>
+          <a:noFill/>
+        </p:spPr>
+        <p:txBody>
+          <a:bodyPr wrap="none" rtlCol="1">
+            <a:spAutoFit/>
+          </a:bodyPr>
+          <a:lstStyle/>
+          <a:p>
+            <a:pPr marL="285750" indent="-285750" algn="l" rtl="1">
+              <a:buFont typeface="Arial" panose="020B0604020202020204" pitchFamily="34" charset="0"/>
+              <a:buChar char="•"/>
+            </a:pPr>
+            <a:r>
+              <a:rPr lang="he-IL" sz="2800" dirty="0" smtClean="0"/>
+              <a:t>שיטה להזריק קוד זדוני לתוך המערכת</a:t>
+            </a:r>
+          </a:p>
+          <a:p>
+            <a:pPr marL="285750" indent="-285750" algn="r" rtl="1">
+              <a:buFont typeface="Arial" panose="020B0604020202020204" pitchFamily="34" charset="0"/>
+              <a:buChar char="•"/>
+            </a:pPr>
+            <a:r>
+              <a:rPr lang="he-IL" sz="2800" dirty="0" smtClean="0"/>
+              <a:t>ניצול חוסר בדיקה של משתני קלט </a:t>
+            </a:r>
+            <a:endParaRPr lang="he-IL" sz="2800" dirty="0"/>
+          </a:p>
+        </p:txBody>
+      </p:sp>
+    </p:spTree>
+    <p:extLst>
+      <p:ext uri="{BB962C8B-B14F-4D97-AF65-F5344CB8AC3E}">
+        <p14:creationId xmlns:p14="http://schemas.microsoft.com/office/powerpoint/2010/main" val="3135162038"/>
+      </p:ext>
+    </p:extLst>
+  </p:cSld>
+  <p:clrMapOvr>
+    <a:masterClrMapping/>
+  </p:clrMapOvr>
+  <p:timing>
+    <p:tnLst>
+      <p:par>
+        <p:cTn id="1" dur="indefinite" restart="never" nodeType="tmRoot"/>
+      </p:par>
+    </p:tnLst>
+  </p:timing>
+</p:sld>
+</file>
+
+<file path=ppt/slides/slide21.xml><?xml version="1.0" encoding="utf-8"?>
+<p:sld xmlns:a="http://schemas.openxmlformats.org/drawingml/2006/main" xmlns:r="http://schemas.openxmlformats.org/officeDocument/2006/relationships" xmlns:p="http://schemas.openxmlformats.org/presentationml/2006/main">
+  <p:cSld>
+    <p:spTree>
+      <p:nvGrpSpPr>
+        <p:cNvPr id="1" name=""/>
+        <p:cNvGrpSpPr/>
+        <p:nvPr/>
+      </p:nvGrpSpPr>
+      <p:grpSpPr>
+        <a:xfrm>
+          <a:off x="0" y="0"/>
+          <a:ext cx="0" cy="0"/>
+          <a:chOff x="0" y="0"/>
+          <a:chExt cx="0" cy="0"/>
+        </a:xfrm>
+      </p:grpSpPr>
+      <p:sp>
+        <p:nvSpPr>
+          <p:cNvPr id="2" name="Title 1"/>
+          <p:cNvSpPr>
+            <a:spLocks noGrp="1"/>
+          </p:cNvSpPr>
+          <p:nvPr>
+            <p:ph type="title"/>
+          </p:nvPr>
+        </p:nvSpPr>
+        <p:spPr/>
+        <p:txBody>
+          <a:bodyPr/>
+          <a:lstStyle/>
+          <a:p>
+            <a:pPr algn="ctr"/>
+            <a:r>
+              <a:rPr lang="he-IL" dirty="0" smtClean="0"/>
+              <a:t>וכעת לאתנחתא קומית</a:t>
+            </a:r>
+            <a:endParaRPr lang="he-IL" dirty="0"/>
+          </a:p>
+        </p:txBody>
+      </p:sp>
+      <p:pic>
+        <p:nvPicPr>
+          <p:cNvPr id="2050" name="Picture 2" descr="Exploits of a Mom"/>
+          <p:cNvPicPr>
+            <a:picLocks noGrp="1" noChangeAspect="1" noChangeArrowheads="1"/>
+          </p:cNvPicPr>
+          <p:nvPr>
+            <p:ph idx="1"/>
+          </p:nvPr>
+        </p:nvPicPr>
+        <p:blipFill>
+          <a:blip r:embed="rId2">
+            <a:extLst>
+              <a:ext uri="{28A0092B-C50C-407E-A947-70E740481C1C}">
+                <a14:useLocalDpi xmlns:a14="http://schemas.microsoft.com/office/drawing/2010/main" val="0"/>
+              </a:ext>
+            </a:extLst>
+          </a:blip>
+          <a:srcRect/>
+          <a:stretch>
+            <a:fillRect/>
+          </a:stretch>
+        </p:blipFill>
+        <p:spPr bwMode="auto">
+          <a:xfrm>
+            <a:off x="0" y="1904999"/>
+            <a:ext cx="12285018" cy="3781425"/>
+          </a:xfrm>
+          <a:prstGeom prst="rect">
+            <a:avLst/>
+          </a:prstGeom>
+          <a:noFill/>
+          <a:extLst>
+            <a:ext uri="{909E8E84-426E-40DD-AFC4-6F175D3DCCD1}">
+              <a14:hiddenFill xmlns:a14="http://schemas.microsoft.com/office/drawing/2010/main">
+                <a:solidFill>
+                  <a:srgbClr val="FFFFFF"/>
+                </a:solidFill>
+              </a14:hiddenFill>
+            </a:ext>
+          </a:extLst>
+        </p:spPr>
+      </p:pic>
+    </p:spTree>
+    <p:extLst>
+      <p:ext uri="{BB962C8B-B14F-4D97-AF65-F5344CB8AC3E}">
+        <p14:creationId xmlns:p14="http://schemas.microsoft.com/office/powerpoint/2010/main" val="2339730186"/>
+      </p:ext>
+    </p:extLst>
+  </p:cSld>
+  <p:clrMapOvr>
+    <a:masterClrMapping/>
+  </p:clrMapOvr>
+  <p:timing>
+    <p:tnLst>
+      <p:par>
+        <p:cTn id="1" dur="indefinite" restart="never" nodeType="tmRoot"/>
+      </p:par>
+    </p:tnLst>
+  </p:timing>
+</p:sld>
+</file>
+
+<file path=ppt/slides/slide22.xml><?xml version="1.0" encoding="utf-8"?>
+<p:sld xmlns:a="http://schemas.openxmlformats.org/drawingml/2006/main" xmlns:r="http://schemas.openxmlformats.org/officeDocument/2006/relationships" xmlns:p="http://schemas.openxmlformats.org/presentationml/2006/main">
+  <p:cSld>
+    <p:spTree>
+      <p:nvGrpSpPr>
+        <p:cNvPr id="1" name=""/>
+        <p:cNvGrpSpPr/>
+        <p:nvPr/>
+      </p:nvGrpSpPr>
+      <p:grpSpPr>
+        <a:xfrm>
+          <a:off x="0" y="0"/>
+          <a:ext cx="0" cy="0"/>
+          <a:chOff x="0" y="0"/>
+          <a:chExt cx="0" cy="0"/>
+        </a:xfrm>
+      </p:grpSpPr>
+      <p:sp>
+        <p:nvSpPr>
+          <p:cNvPr id="2" name="Title 1"/>
+          <p:cNvSpPr>
+            <a:spLocks noGrp="1"/>
+          </p:cNvSpPr>
+          <p:nvPr>
+            <p:ph type="title"/>
+          </p:nvPr>
+        </p:nvSpPr>
+        <p:spPr>
+          <a:xfrm>
+            <a:off x="2589213" y="624110"/>
+            <a:ext cx="8911687" cy="1280890"/>
+          </a:xfrm>
+        </p:spPr>
+        <p:txBody>
+          <a:bodyPr/>
+          <a:lstStyle/>
+          <a:p>
+            <a:r>
+              <a:rPr lang="en-US" dirty="0" smtClean="0"/>
+              <a:t>Prepared Statement</a:t>
+            </a:r>
+            <a:endParaRPr lang="he-IL" dirty="0"/>
+          </a:p>
+        </p:txBody>
+      </p:sp>
+      <p:pic>
+        <p:nvPicPr>
+          <p:cNvPr id="4" name="Content Placeholder 3"/>
+          <p:cNvPicPr>
+            <a:picLocks noGrp="1" noChangeAspect="1"/>
+          </p:cNvPicPr>
+          <p:nvPr>
+            <p:ph idx="1"/>
+          </p:nvPr>
+        </p:nvPicPr>
+        <p:blipFill>
+          <a:blip r:embed="rId3"/>
+          <a:stretch>
+            <a:fillRect/>
+          </a:stretch>
+        </p:blipFill>
+        <p:spPr>
+          <a:xfrm>
+            <a:off x="181741" y="3680178"/>
+            <a:ext cx="12010259" cy="2206977"/>
+          </a:xfrm>
+          <a:prstGeom prst="rect">
+            <a:avLst/>
+          </a:prstGeom>
+        </p:spPr>
+      </p:pic>
+      <p:sp>
+        <p:nvSpPr>
+          <p:cNvPr id="5" name="TextBox 4"/>
+          <p:cNvSpPr txBox="1"/>
+          <p:nvPr/>
+        </p:nvSpPr>
+        <p:spPr>
+          <a:xfrm>
+            <a:off x="2589213" y="2007759"/>
+            <a:ext cx="8562975" cy="1569660"/>
+          </a:xfrm>
+          <a:prstGeom prst="rect">
+            <a:avLst/>
+          </a:prstGeom>
+          <a:noFill/>
+        </p:spPr>
+        <p:txBody>
+          <a:bodyPr wrap="square" rtlCol="1">
+            <a:spAutoFit/>
+          </a:bodyPr>
+          <a:lstStyle/>
+          <a:p>
+            <a:pPr marL="285750" lvl="1" indent="-285750" algn="r" rtl="1">
+              <a:buFont typeface="Arial" panose="020B0604020202020204" pitchFamily="34" charset="0"/>
+              <a:buChar char="•"/>
+            </a:pPr>
+            <a:r>
+              <a:rPr lang="he-IL" sz="3200" dirty="0" smtClean="0"/>
+              <a:t>שיטה מובנת להגנה מקוד זדוני</a:t>
+            </a:r>
+            <a:endParaRPr lang="he-IL" sz="3200" dirty="0"/>
+          </a:p>
+          <a:p>
+            <a:pPr marL="285750" lvl="1" indent="-285750" algn="r" rtl="1">
+              <a:buFont typeface="Arial" panose="020B0604020202020204" pitchFamily="34" charset="0"/>
+              <a:buChar char="•"/>
+            </a:pPr>
+            <a:r>
+              <a:rPr lang="he-IL" altLang="he-IL" sz="3200" dirty="0" err="1" smtClean="0"/>
+              <a:t>השאילתא</a:t>
+            </a:r>
+            <a:r>
+              <a:rPr lang="he-IL" altLang="he-IL" sz="3200" dirty="0" smtClean="0"/>
+              <a:t> </a:t>
+            </a:r>
+            <a:r>
+              <a:rPr lang="he-IL" altLang="he-IL" sz="3200" dirty="0"/>
+              <a:t>נשמרת בצורה מקומפלת.</a:t>
+            </a:r>
+          </a:p>
+          <a:p>
+            <a:pPr marL="285750" indent="-285750" algn="r" rtl="1">
+              <a:buFont typeface="Arial" panose="020B0604020202020204" pitchFamily="34" charset="0"/>
+              <a:buChar char="•"/>
+            </a:pPr>
+            <a:r>
+              <a:rPr lang="he-IL" sz="3200" dirty="0" smtClean="0"/>
+              <a:t>שימו לב הספירה מתחילה מ 1 </a:t>
+            </a:r>
+            <a:endParaRPr lang="he-IL" sz="3200" dirty="0"/>
+          </a:p>
+        </p:txBody>
+      </p:sp>
+    </p:spTree>
+    <p:extLst>
+      <p:ext uri="{BB962C8B-B14F-4D97-AF65-F5344CB8AC3E}">
+        <p14:creationId xmlns:p14="http://schemas.microsoft.com/office/powerpoint/2010/main" val="2636450551"/>
+      </p:ext>
+    </p:extLst>
+  </p:cSld>
+  <p:clrMapOvr>
+    <a:masterClrMapping/>
+  </p:clrMapOvr>
+  <p:timing>
+    <p:tnLst>
+      <p:par>
+        <p:cTn id="1" dur="indefinite" restart="never" nodeType="tmRoot"/>
+      </p:par>
+    </p:tnLst>
+  </p:timing>
+</p:sld>
+</file>
+
+<file path=ppt/slides/slide23.xml><?xml version="1.0" encoding="utf-8"?>
+<p:sld xmlns:a="http://schemas.openxmlformats.org/drawingml/2006/main" xmlns:r="http://schemas.openxmlformats.org/officeDocument/2006/relationships" xmlns:p="http://schemas.openxmlformats.org/presentationml/2006/main">
+  <p:cSld>
+    <p:spTree>
+      <p:nvGrpSpPr>
+        <p:cNvPr id="1" name=""/>
+        <p:cNvGrpSpPr/>
+        <p:nvPr/>
+      </p:nvGrpSpPr>
+      <p:grpSpPr>
+        <a:xfrm>
+          <a:off x="0" y="0"/>
+          <a:ext cx="0" cy="0"/>
+          <a:chOff x="0" y="0"/>
+          <a:chExt cx="0" cy="0"/>
+        </a:xfrm>
+      </p:grpSpPr>
+      <p:sp>
+        <p:nvSpPr>
+          <p:cNvPr id="2" name="Title 1"/>
+          <p:cNvSpPr>
+            <a:spLocks noGrp="1"/>
+          </p:cNvSpPr>
+          <p:nvPr>
+            <p:ph type="title"/>
+          </p:nvPr>
+        </p:nvSpPr>
+        <p:spPr/>
+        <p:txBody>
+          <a:bodyPr/>
+          <a:lstStyle/>
+          <a:p>
+            <a:r>
+              <a:rPr lang="en-US" dirty="0" smtClean="0"/>
+              <a:t>Called Statement</a:t>
+            </a:r>
+            <a:endParaRPr lang="he-IL" dirty="0"/>
+          </a:p>
+        </p:txBody>
+      </p:sp>
+      <p:sp>
+        <p:nvSpPr>
+          <p:cNvPr id="3" name="Content Placeholder 2"/>
+          <p:cNvSpPr>
+            <a:spLocks noGrp="1"/>
+          </p:cNvSpPr>
+          <p:nvPr>
+            <p:ph idx="1"/>
+          </p:nvPr>
+        </p:nvSpPr>
+        <p:spPr/>
+        <p:txBody>
+          <a:bodyPr>
+            <a:normAutofit/>
+          </a:bodyPr>
+          <a:lstStyle/>
+          <a:p>
+            <a:r>
+              <a:rPr lang="he-IL" sz="2400" b="1" dirty="0" smtClean="0"/>
+              <a:t>שיטה לקורא ל </a:t>
+            </a:r>
+            <a:r>
+              <a:rPr lang="he-IL" sz="2400" b="1" dirty="0" err="1" smtClean="0"/>
+              <a:t>פְרוצֵדורַ</a:t>
+            </a:r>
+            <a:r>
+              <a:rPr lang="he-IL" sz="2400" b="1" dirty="0" err="1"/>
+              <a:t>‏ה</a:t>
+            </a:r>
+            <a:r>
+              <a:rPr lang="he-IL" sz="2400" b="1" dirty="0"/>
+              <a:t> מאוחסנת</a:t>
+            </a:r>
+            <a:r>
+              <a:rPr lang="he-IL" sz="2400" dirty="0"/>
+              <a:t> (ב</a:t>
+            </a:r>
+            <a:r>
+              <a:rPr lang="he-IL" sz="2400" dirty="0">
+                <a:hlinkClick r:id="rId2" tooltip="אנגלית"/>
+              </a:rPr>
+              <a:t>אנגלית</a:t>
+            </a:r>
+            <a:r>
+              <a:rPr lang="he-IL" sz="2400" dirty="0"/>
+              <a:t>: </a:t>
+            </a:r>
+            <a:r>
+              <a:rPr lang="en-US" sz="2400" b="1" dirty="0"/>
+              <a:t>Stored Procedures</a:t>
+            </a:r>
+            <a:r>
+              <a:rPr lang="en-US" sz="2400" dirty="0"/>
+              <a:t>) </a:t>
+            </a:r>
+            <a:r>
+              <a:rPr lang="en-US" sz="2400" dirty="0" smtClean="0"/>
+              <a:t>(</a:t>
+            </a:r>
+            <a:r>
+              <a:rPr lang="he-IL" sz="2400" dirty="0" smtClean="0"/>
+              <a:t>)</a:t>
+            </a:r>
+          </a:p>
+          <a:p>
+            <a:r>
+              <a:rPr lang="he-IL" sz="2400" dirty="0" smtClean="0"/>
+              <a:t>זה בעצם אוסף שאילתות </a:t>
+            </a:r>
+            <a:r>
+              <a:rPr lang="en-US" sz="2400" dirty="0" smtClean="0"/>
+              <a:t>SQL</a:t>
+            </a:r>
+            <a:r>
+              <a:rPr lang="he-IL" sz="2400" dirty="0" smtClean="0"/>
+              <a:t> שמאוחסן בתוך מסד הנתונים מה שמקטין את סיבוביות הממשק של המפתח ומשפר ביצועים.</a:t>
+            </a:r>
+            <a:endParaRPr lang="en-US" sz="2400" dirty="0"/>
+          </a:p>
+        </p:txBody>
+      </p:sp>
+      <p:pic>
+        <p:nvPicPr>
+          <p:cNvPr id="7" name="Picture 6"/>
+          <p:cNvPicPr>
+            <a:picLocks noChangeAspect="1"/>
+          </p:cNvPicPr>
+          <p:nvPr/>
+        </p:nvPicPr>
+        <p:blipFill>
+          <a:blip r:embed="rId3"/>
+          <a:stretch>
+            <a:fillRect/>
+          </a:stretch>
+        </p:blipFill>
+        <p:spPr>
+          <a:xfrm>
+            <a:off x="660172" y="4729639"/>
+            <a:ext cx="11821195" cy="946778"/>
+          </a:xfrm>
+          <a:prstGeom prst="rect">
+            <a:avLst/>
+          </a:prstGeom>
+        </p:spPr>
+      </p:pic>
+    </p:spTree>
+    <p:extLst>
+      <p:ext uri="{BB962C8B-B14F-4D97-AF65-F5344CB8AC3E}">
+        <p14:creationId xmlns:p14="http://schemas.microsoft.com/office/powerpoint/2010/main" val="1522155651"/>
+      </p:ext>
+    </p:extLst>
+  </p:cSld>
+  <p:clrMapOvr>
+    <a:masterClrMapping/>
+  </p:clrMapOvr>
+  <p:timing>
+    <p:tnLst>
+      <p:par>
+        <p:cTn id="1" dur="indefinite" restart="never" nodeType="tmRoot"/>
+      </p:par>
+    </p:tnLst>
+  </p:timing>
+</p:sld>
+</file>
+
+<file path=ppt/slides/slide24.xml><?xml version="1.0" encoding="utf-8"?>
+<p:sld xmlns:a="http://schemas.openxmlformats.org/drawingml/2006/main" xmlns:r="http://schemas.openxmlformats.org/officeDocument/2006/relationships" xmlns:p="http://schemas.openxmlformats.org/presentationml/2006/main">
+  <p:cSld>
+    <p:spTree>
+      <p:nvGrpSpPr>
+        <p:cNvPr id="1" name=""/>
+        <p:cNvGrpSpPr/>
+        <p:nvPr/>
+      </p:nvGrpSpPr>
+      <p:grpSpPr>
+        <a:xfrm>
+          <a:off x="0" y="0"/>
+          <a:ext cx="0" cy="0"/>
+          <a:chOff x="0" y="0"/>
+          <a:chExt cx="0" cy="0"/>
+        </a:xfrm>
+      </p:grpSpPr>
+      <p:sp>
+        <p:nvSpPr>
+          <p:cNvPr id="2" name="Title 1"/>
+          <p:cNvSpPr>
+            <a:spLocks noGrp="1"/>
+          </p:cNvSpPr>
+          <p:nvPr>
+            <p:ph type="title"/>
+          </p:nvPr>
+        </p:nvSpPr>
+        <p:spPr/>
+        <p:txBody>
+          <a:bodyPr/>
+          <a:lstStyle/>
+          <a:p>
+            <a:pPr algn="ctr"/>
+            <a:r>
+              <a:rPr lang="en-US" dirty="0" err="1" smtClean="0"/>
+              <a:t>RowSet</a:t>
+            </a:r>
+            <a:endParaRPr lang="he-IL" dirty="0"/>
+          </a:p>
+        </p:txBody>
+      </p:sp>
+      <p:sp>
+        <p:nvSpPr>
+          <p:cNvPr id="3" name="Content Placeholder 2"/>
+          <p:cNvSpPr>
+            <a:spLocks noGrp="1"/>
+          </p:cNvSpPr>
+          <p:nvPr>
+            <p:ph idx="1"/>
+          </p:nvPr>
+        </p:nvSpPr>
+        <p:spPr>
+          <a:xfrm>
+            <a:off x="2589212" y="2133600"/>
+            <a:ext cx="8915400" cy="4289778"/>
+          </a:xfrm>
+        </p:spPr>
+        <p:txBody>
+          <a:bodyPr>
+            <a:noAutofit/>
+          </a:bodyPr>
+          <a:lstStyle/>
+          <a:p>
+            <a:r>
+              <a:rPr lang="en-US" sz="2400" dirty="0" err="1" smtClean="0"/>
+              <a:t>RowSet</a:t>
+            </a:r>
+            <a:r>
+              <a:rPr lang="en-US" sz="2400" dirty="0" smtClean="0"/>
+              <a:t> </a:t>
+            </a:r>
+            <a:r>
+              <a:rPr lang="he-IL" sz="2400" dirty="0" smtClean="0"/>
+              <a:t> אמור לפשט עבודה מול </a:t>
+            </a:r>
+            <a:r>
+              <a:rPr lang="en-US" sz="2400" dirty="0" smtClean="0"/>
+              <a:t>JDBC</a:t>
+            </a:r>
+            <a:r>
+              <a:rPr lang="he-IL" sz="2400" dirty="0" smtClean="0"/>
+              <a:t> ולהרחיב את היכולות לשל </a:t>
+            </a:r>
+            <a:r>
+              <a:rPr lang="en-US" sz="2400" dirty="0" err="1" smtClean="0"/>
+              <a:t>ResultSet</a:t>
+            </a:r>
+            <a:endParaRPr lang="en-US" sz="2400" dirty="0"/>
+          </a:p>
+          <a:p>
+            <a:endParaRPr lang="he-IL" sz="2400" dirty="0" smtClean="0"/>
+          </a:p>
+          <a:p>
+            <a:pPr lvl="1"/>
+            <a:r>
+              <a:rPr lang="he-IL" sz="2000" dirty="0" smtClean="0"/>
+              <a:t>יש המון סוגי סטים</a:t>
+            </a:r>
+            <a:r>
+              <a:rPr lang="en-US" sz="2000" dirty="0" smtClean="0"/>
+              <a:t/>
+            </a:r>
+            <a:br>
+              <a:rPr lang="en-US" sz="2000" dirty="0" smtClean="0"/>
+            </a:br>
+            <a:r>
+              <a:rPr lang="en-US" sz="2000" dirty="0" err="1" smtClean="0"/>
+              <a:t>JdbcRowSet</a:t>
+            </a:r>
+            <a:r>
+              <a:rPr lang="he-IL" sz="2000" dirty="0" smtClean="0"/>
+              <a:t>,</a:t>
+            </a:r>
+            <a:r>
+              <a:rPr lang="en-US" sz="2000" dirty="0" smtClean="0"/>
+              <a:t> - </a:t>
+            </a:r>
+            <a:r>
+              <a:rPr lang="he-IL" sz="2000" dirty="0" smtClean="0"/>
+              <a:t>מחובר – מאפשר גלילה ו עדכון </a:t>
+            </a:r>
+            <a:r>
+              <a:rPr lang="he-IL" sz="2000" b="1" dirty="0" smtClean="0"/>
+              <a:t>גם אם מסד הנתונים לא תומך</a:t>
+            </a:r>
+            <a:r>
+              <a:rPr lang="en-US" sz="2000" dirty="0" smtClean="0"/>
+              <a:t/>
+            </a:r>
+            <a:br>
+              <a:rPr lang="en-US" sz="2000" dirty="0" smtClean="0"/>
+            </a:br>
+            <a:r>
+              <a:rPr lang="en-US" sz="2000" dirty="0" err="1" smtClean="0"/>
+              <a:t>CachedRowSet</a:t>
+            </a:r>
+            <a:r>
+              <a:rPr lang="en-US" sz="2000" dirty="0" smtClean="0"/>
+              <a:t>	</a:t>
+            </a:r>
+            <a:r>
+              <a:rPr lang="he-IL" sz="2000" dirty="0" smtClean="0"/>
+              <a:t>,</a:t>
+            </a:r>
+            <a:r>
+              <a:rPr lang="en-US" sz="2000" dirty="0" err="1" smtClean="0"/>
+              <a:t>WebRowSet</a:t>
+            </a:r>
+            <a:r>
+              <a:rPr lang="en-US" sz="2000" dirty="0" smtClean="0"/>
+              <a:t>	</a:t>
+            </a:r>
+            <a:r>
+              <a:rPr lang="he-IL" sz="2000" dirty="0" smtClean="0"/>
+              <a:t>,</a:t>
+            </a:r>
+            <a:r>
+              <a:rPr lang="en-US" sz="2000" dirty="0" err="1" smtClean="0"/>
+              <a:t>JoinRowSet</a:t>
+            </a:r>
+            <a:r>
+              <a:rPr lang="he-IL" sz="2000" dirty="0" smtClean="0"/>
+              <a:t>,</a:t>
+            </a:r>
+            <a:r>
+              <a:rPr lang="en-US" sz="2000" dirty="0" err="1" smtClean="0"/>
+              <a:t>FilteredRowSet</a:t>
+            </a:r>
+            <a:r>
+              <a:rPr lang="en-US" sz="2000" dirty="0" smtClean="0"/>
+              <a:t/>
+            </a:r>
+            <a:br>
+              <a:rPr lang="en-US" sz="2000" dirty="0" smtClean="0"/>
+            </a:br>
+            <a:r>
+              <a:rPr lang="he-IL" sz="2000" dirty="0" smtClean="0"/>
+              <a:t>לא מחוברים – ניתנים </a:t>
+            </a:r>
+            <a:r>
+              <a:rPr lang="he-IL" sz="2000" dirty="0" err="1" smtClean="0"/>
+              <a:t>לסרליזציה</a:t>
+            </a:r>
+            <a:r>
+              <a:rPr lang="en-US" sz="2000" dirty="0" smtClean="0"/>
+              <a:t>\</a:t>
+            </a:r>
+            <a:r>
+              <a:rPr lang="he-IL" sz="2000" dirty="0" smtClean="0"/>
+              <a:t> פשוטים יותר – ניתן להעביר דרך האינטרנט</a:t>
+            </a:r>
+          </a:p>
+          <a:p>
+            <a:pPr lvl="1"/>
+            <a:r>
+              <a:rPr lang="he-IL" sz="2000" dirty="0" smtClean="0"/>
+              <a:t>כולם מתפקדים בתור רכיבים של </a:t>
+            </a:r>
+            <a:r>
+              <a:rPr lang="en-US" sz="2000" dirty="0" smtClean="0"/>
+              <a:t>JavaBeans</a:t>
+            </a:r>
+          </a:p>
+          <a:p>
+            <a:pPr lvl="2"/>
+            <a:r>
+              <a:rPr lang="he-IL" sz="1800" dirty="0" smtClean="0"/>
+              <a:t>כלומר יש להם </a:t>
+            </a:r>
+            <a:r>
+              <a:rPr lang="en-US" sz="1800" dirty="0" smtClean="0"/>
+              <a:t>Properties </a:t>
+            </a:r>
+            <a:r>
+              <a:rPr lang="he-IL" sz="1800" dirty="0" smtClean="0"/>
+              <a:t> שניתנים לעריכה ב ממשק המשתמש</a:t>
+            </a:r>
+          </a:p>
+          <a:p>
+            <a:pPr lvl="2"/>
+            <a:r>
+              <a:rPr lang="he-IL" sz="1800" dirty="0" smtClean="0"/>
+              <a:t>יש להם תמיכה במערכת האירועים של </a:t>
+            </a:r>
+            <a:r>
+              <a:rPr lang="en-US" sz="1800" dirty="0" smtClean="0"/>
+              <a:t>JavaBeans</a:t>
+            </a:r>
+          </a:p>
+        </p:txBody>
+      </p:sp>
+    </p:spTree>
+    <p:extLst>
+      <p:ext uri="{BB962C8B-B14F-4D97-AF65-F5344CB8AC3E}">
+        <p14:creationId xmlns:p14="http://schemas.microsoft.com/office/powerpoint/2010/main" val="1753779542"/>
+      </p:ext>
+    </p:extLst>
+  </p:cSld>
+  <p:clrMapOvr>
+    <a:masterClrMapping/>
+  </p:clrMapOvr>
+  <p:timing>
+    <p:tnLst>
+      <p:par>
+        <p:cTn id="1" dur="indefinite" restart="never" nodeType="tmRoot"/>
+      </p:par>
+    </p:tnLst>
+  </p:timing>
+</p:sld>
+</file>
+
+<file path=ppt/slides/slide25.xml><?xml version="1.0" encoding="utf-8"?>
+<p:sld xmlns:a="http://schemas.openxmlformats.org/drawingml/2006/main" xmlns:r="http://schemas.openxmlformats.org/officeDocument/2006/relationships" xmlns:p="http://schemas.openxmlformats.org/presentationml/2006/main">
+  <p:cSld>
+    <p:spTree>
+      <p:nvGrpSpPr>
+        <p:cNvPr id="1" name=""/>
+        <p:cNvGrpSpPr/>
+        <p:nvPr/>
+      </p:nvGrpSpPr>
+      <p:grpSpPr>
+        <a:xfrm>
+          <a:off x="0" y="0"/>
+          <a:ext cx="0" cy="0"/>
+          <a:chOff x="0" y="0"/>
+          <a:chExt cx="0" cy="0"/>
+        </a:xfrm>
+      </p:grpSpPr>
+      <p:sp>
+        <p:nvSpPr>
+          <p:cNvPr id="2" name="Title 1"/>
+          <p:cNvSpPr>
+            <a:spLocks noGrp="1"/>
+          </p:cNvSpPr>
+          <p:nvPr>
+            <p:ph type="title"/>
+          </p:nvPr>
+        </p:nvSpPr>
+        <p:spPr/>
+        <p:txBody>
+          <a:bodyPr/>
+          <a:lstStyle/>
+          <a:p>
+            <a:pPr algn="r"/>
+            <a:r>
+              <a:rPr lang="he-IL" dirty="0" smtClean="0"/>
+              <a:t>שימוש ב </a:t>
+            </a:r>
+            <a:r>
+              <a:rPr lang="en-US" dirty="0" smtClean="0"/>
+              <a:t>ROWSET</a:t>
+            </a:r>
+            <a:endParaRPr lang="he-IL" dirty="0"/>
+          </a:p>
+        </p:txBody>
+      </p:sp>
+      <p:pic>
+        <p:nvPicPr>
+          <p:cNvPr id="6" name="Content Placeholder 5"/>
+          <p:cNvPicPr>
+            <a:picLocks noGrp="1" noChangeAspect="1"/>
+          </p:cNvPicPr>
+          <p:nvPr>
+            <p:ph idx="1"/>
+          </p:nvPr>
+        </p:nvPicPr>
+        <p:blipFill>
+          <a:blip r:embed="rId2"/>
+          <a:stretch>
+            <a:fillRect/>
+          </a:stretch>
+        </p:blipFill>
+        <p:spPr>
+          <a:xfrm>
+            <a:off x="2592925" y="1933737"/>
+            <a:ext cx="9437511" cy="4924263"/>
+          </a:xfrm>
+          <a:prstGeom prst="rect">
+            <a:avLst/>
+          </a:prstGeom>
+        </p:spPr>
+      </p:pic>
+    </p:spTree>
+    <p:extLst>
+      <p:ext uri="{BB962C8B-B14F-4D97-AF65-F5344CB8AC3E}">
+        <p14:creationId xmlns:p14="http://schemas.microsoft.com/office/powerpoint/2010/main" val="168710911"/>
+      </p:ext>
+    </p:extLst>
+  </p:cSld>
+  <p:clrMapOvr>
+    <a:masterClrMapping/>
+  </p:clrMapOvr>
+  <p:timing>
+    <p:tnLst>
+      <p:par>
+        <p:cTn id="1" dur="indefinite" restart="never" nodeType="tmRoot"/>
+      </p:par>
+    </p:tnLst>
+  </p:timing>
+</p:sld>
+</file>
+
+<file path=ppt/slides/slide26.xml><?xml version="1.0" encoding="utf-8"?>
+<p:sld xmlns:a="http://schemas.openxmlformats.org/drawingml/2006/main" xmlns:r="http://schemas.openxmlformats.org/officeDocument/2006/relationships" xmlns:p="http://schemas.openxmlformats.org/presentationml/2006/main">
+  <p:cSld>
+    <p:spTree>
+      <p:nvGrpSpPr>
+        <p:cNvPr id="1" name=""/>
+        <p:cNvGrpSpPr/>
+        <p:nvPr/>
+      </p:nvGrpSpPr>
+      <p:grpSpPr>
+        <a:xfrm>
+          <a:off x="0" y="0"/>
+          <a:ext cx="0" cy="0"/>
+          <a:chOff x="0" y="0"/>
+          <a:chExt cx="0" cy="0"/>
+        </a:xfrm>
+      </p:grpSpPr>
+      <p:sp>
+        <p:nvSpPr>
+          <p:cNvPr id="2" name="Title 1"/>
+          <p:cNvSpPr>
+            <a:spLocks noGrp="1"/>
+          </p:cNvSpPr>
+          <p:nvPr>
+            <p:ph type="title"/>
+          </p:nvPr>
+        </p:nvSpPr>
+        <p:spPr/>
+        <p:txBody>
+          <a:bodyPr/>
+          <a:lstStyle/>
+          <a:p>
+            <a:pPr algn="r"/>
+            <a:r>
+              <a:rPr lang="he-IL" dirty="0" smtClean="0"/>
+              <a:t>טרנסאקציות - הסבר</a:t>
+            </a:r>
+            <a:endParaRPr lang="he-IL" dirty="0"/>
+          </a:p>
+        </p:txBody>
+      </p:sp>
+      <p:sp>
+        <p:nvSpPr>
+          <p:cNvPr id="3" name="Content Placeholder 2"/>
+          <p:cNvSpPr>
+            <a:spLocks noGrp="1"/>
+          </p:cNvSpPr>
+          <p:nvPr>
+            <p:ph idx="1"/>
+          </p:nvPr>
+        </p:nvSpPr>
+        <p:spPr/>
+        <p:txBody>
+          <a:bodyPr>
+            <a:normAutofit/>
+          </a:bodyPr>
+          <a:lstStyle/>
+          <a:p>
+            <a:r>
+              <a:rPr lang="he-IL" sz="3200" dirty="0" smtClean="0"/>
+              <a:t>הדרך שלנו לסנכרן מספר פעולות במסד נתונים</a:t>
+            </a:r>
+          </a:p>
+          <a:p>
+            <a:r>
+              <a:rPr lang="he-IL" sz="3200" dirty="0" smtClean="0"/>
+              <a:t>לדוגמה הוצאת כסף מחשבון בנק אחד והעברה לאחר</a:t>
+            </a:r>
+          </a:p>
+          <a:p>
+            <a:r>
+              <a:rPr lang="he-IL" sz="3200" dirty="0" smtClean="0"/>
+              <a:t>אנחנו רוצים לוודא שאף אחת מהפעולות לא נכשלה</a:t>
+            </a:r>
+          </a:p>
+          <a:p>
+            <a:r>
+              <a:rPr lang="he-IL" sz="3200" dirty="0" smtClean="0"/>
+              <a:t>ואם משהו נכשל לבטל את </a:t>
+            </a:r>
+            <a:r>
+              <a:rPr lang="he-IL" sz="3200" dirty="0" err="1" smtClean="0"/>
+              <a:t>הכל</a:t>
+            </a:r>
+            <a:r>
+              <a:rPr lang="he-IL" sz="3200" dirty="0" smtClean="0"/>
+              <a:t> </a:t>
+            </a:r>
+            <a:endParaRPr lang="he-IL" sz="3200" dirty="0"/>
+          </a:p>
+        </p:txBody>
+      </p:sp>
+    </p:spTree>
+    <p:extLst>
+      <p:ext uri="{BB962C8B-B14F-4D97-AF65-F5344CB8AC3E}">
+        <p14:creationId xmlns:p14="http://schemas.microsoft.com/office/powerpoint/2010/main" val="1127460851"/>
+      </p:ext>
+    </p:extLst>
+  </p:cSld>
+  <p:clrMapOvr>
+    <a:masterClrMapping/>
+  </p:clrMapOvr>
+  <p:timing>
+    <p:tnLst>
+      <p:par>
+        <p:cTn id="1" dur="indefinite" restart="never" nodeType="tmRoot"/>
+      </p:par>
+    </p:tnLst>
+  </p:timing>
+</p:sld>
+</file>
+
+<file path=ppt/slides/slide27.xml><?xml version="1.0" encoding="utf-8"?>
+<p:sld xmlns:a="http://schemas.openxmlformats.org/drawingml/2006/main" xmlns:r="http://schemas.openxmlformats.org/officeDocument/2006/relationships" xmlns:p="http://schemas.openxmlformats.org/presentationml/2006/main">
+  <p:cSld>
+    <p:spTree>
+      <p:nvGrpSpPr>
+        <p:cNvPr id="1" name=""/>
+        <p:cNvGrpSpPr/>
+        <p:nvPr/>
+      </p:nvGrpSpPr>
+      <p:grpSpPr>
+        <a:xfrm>
+          <a:off x="0" y="0"/>
+          <a:ext cx="0" cy="0"/>
+          <a:chOff x="0" y="0"/>
+          <a:chExt cx="0" cy="0"/>
+        </a:xfrm>
+      </p:grpSpPr>
+      <p:sp>
+        <p:nvSpPr>
+          <p:cNvPr id="2" name="Title 1"/>
+          <p:cNvSpPr>
+            <a:spLocks noGrp="1"/>
+          </p:cNvSpPr>
+          <p:nvPr>
+            <p:ph type="title"/>
+          </p:nvPr>
+        </p:nvSpPr>
+        <p:spPr/>
+        <p:txBody>
+          <a:bodyPr/>
+          <a:lstStyle/>
+          <a:p>
+            <a:pPr algn="just"/>
+            <a:r>
+              <a:rPr lang="he-IL" dirty="0" smtClean="0"/>
+              <a:t>טרנסאקציות דוגמה</a:t>
+            </a:r>
+            <a:endParaRPr lang="he-IL" dirty="0"/>
+          </a:p>
+        </p:txBody>
+      </p:sp>
+      <p:pic>
+        <p:nvPicPr>
+          <p:cNvPr id="5" name="Content Placeholder 4"/>
+          <p:cNvPicPr>
+            <a:picLocks noGrp="1" noChangeAspect="1"/>
+          </p:cNvPicPr>
+          <p:nvPr>
+            <p:ph idx="1"/>
+          </p:nvPr>
+        </p:nvPicPr>
+        <p:blipFill>
+          <a:blip r:embed="rId2"/>
+          <a:stretch>
+            <a:fillRect/>
+          </a:stretch>
+        </p:blipFill>
+        <p:spPr>
+          <a:xfrm>
+            <a:off x="-6315" y="2889956"/>
+            <a:ext cx="12198316" cy="3884332"/>
+          </a:xfrm>
+          <a:prstGeom prst="rect">
+            <a:avLst/>
+          </a:prstGeom>
+        </p:spPr>
+      </p:pic>
+      <p:sp>
+        <p:nvSpPr>
+          <p:cNvPr id="6" name="TextBox 5"/>
+          <p:cNvSpPr txBox="1"/>
+          <p:nvPr/>
+        </p:nvSpPr>
+        <p:spPr>
+          <a:xfrm>
+            <a:off x="3025422" y="1924756"/>
+            <a:ext cx="8835369" cy="461665"/>
+          </a:xfrm>
+          <a:prstGeom prst="rect">
+            <a:avLst/>
+          </a:prstGeom>
+          <a:noFill/>
+        </p:spPr>
+        <p:txBody>
+          <a:bodyPr wrap="square" rtlCol="1">
+            <a:spAutoFit/>
+          </a:bodyPr>
+          <a:lstStyle/>
+          <a:p>
+            <a:pPr marL="285750" indent="-285750" algn="r" rtl="1">
+              <a:buFont typeface="Arial" panose="020B0604020202020204" pitchFamily="34" charset="0"/>
+              <a:buChar char="•"/>
+            </a:pPr>
+            <a:r>
+              <a:rPr lang="he-IL" sz="2400" dirty="0" smtClean="0"/>
+              <a:t>ממש כמו קוד </a:t>
+            </a:r>
+            <a:r>
+              <a:rPr lang="en-US" sz="2400" dirty="0" smtClean="0"/>
+              <a:t>TRY CATCH FINALLY </a:t>
+            </a:r>
+            <a:r>
+              <a:rPr lang="he-IL" sz="2400" dirty="0" smtClean="0"/>
+              <a:t> רק למסדי נתונים</a:t>
+            </a:r>
+            <a:endParaRPr lang="he-IL" sz="2400" dirty="0"/>
+          </a:p>
+        </p:txBody>
+      </p:sp>
+    </p:spTree>
+    <p:extLst>
+      <p:ext uri="{BB962C8B-B14F-4D97-AF65-F5344CB8AC3E}">
+        <p14:creationId xmlns:p14="http://schemas.microsoft.com/office/powerpoint/2010/main" val="458206099"/>
+      </p:ext>
+    </p:extLst>
+  </p:cSld>
+  <p:clrMapOvr>
+    <a:masterClrMapping/>
+  </p:clrMapOvr>
+  <p:timing>
+    <p:tnLst>
+      <p:par>
+        <p:cTn id="1" dur="indefinite" restart="never" nodeType="tmRoot"/>
+      </p:par>
+    </p:tnLst>
+  </p:timing>
+</p:sld>
+</file>
+
+<file path=ppt/slides/slide28.xml><?xml version="1.0" encoding="utf-8"?>
+<p:sld xmlns:a="http://schemas.openxmlformats.org/drawingml/2006/main" xmlns:r="http://schemas.openxmlformats.org/officeDocument/2006/relationships" xmlns:p="http://schemas.openxmlformats.org/presentationml/2006/main">
+  <p:cSld>
+    <p:spTree>
+      <p:nvGrpSpPr>
+        <p:cNvPr id="1" name=""/>
+        <p:cNvGrpSpPr/>
+        <p:nvPr/>
+      </p:nvGrpSpPr>
+      <p:grpSpPr>
+        <a:xfrm>
+          <a:off x="0" y="0"/>
+          <a:ext cx="0" cy="0"/>
+          <a:chOff x="0" y="0"/>
+          <a:chExt cx="0" cy="0"/>
+        </a:xfrm>
+      </p:grpSpPr>
+      <p:sp>
+        <p:nvSpPr>
+          <p:cNvPr id="2" name="Title 1"/>
+          <p:cNvSpPr>
+            <a:spLocks noGrp="1"/>
+          </p:cNvSpPr>
+          <p:nvPr>
+            <p:ph type="title"/>
+          </p:nvPr>
+        </p:nvSpPr>
+        <p:spPr/>
+        <p:txBody>
+          <a:bodyPr/>
+          <a:lstStyle/>
+          <a:p>
+            <a:pPr algn="r"/>
+            <a:r>
+              <a:rPr lang="he-IL" dirty="0" smtClean="0"/>
+              <a:t>הפניות</a:t>
+            </a:r>
+            <a:endParaRPr lang="he-IL" dirty="0"/>
+          </a:p>
+        </p:txBody>
+      </p:sp>
+      <p:sp>
+        <p:nvSpPr>
+          <p:cNvPr id="3" name="Content Placeholder 2"/>
+          <p:cNvSpPr>
+            <a:spLocks noGrp="1"/>
+          </p:cNvSpPr>
+          <p:nvPr>
+            <p:ph idx="1"/>
+          </p:nvPr>
+        </p:nvSpPr>
+        <p:spPr/>
+        <p:txBody>
+          <a:bodyPr/>
+          <a:lstStyle/>
+          <a:p>
+            <a:r>
+              <a:rPr lang="en-US" dirty="0">
+                <a:hlinkClick r:id="rId2"/>
+              </a:rPr>
+              <a:t>https://dev.mysql.com/doc/connector-j/en</a:t>
+            </a:r>
+            <a:r>
+              <a:rPr lang="en-US" dirty="0" smtClean="0">
+                <a:hlinkClick r:id="rId2"/>
+              </a:rPr>
+              <a:t>/</a:t>
+            </a:r>
+            <a:r>
+              <a:rPr lang="he-IL" dirty="0" smtClean="0"/>
+              <a:t> שימוש ב</a:t>
+            </a:r>
+            <a:r>
+              <a:rPr lang="en-US" dirty="0" smtClean="0"/>
+              <a:t>Driver JDBC</a:t>
+            </a:r>
+          </a:p>
+          <a:p>
+            <a:r>
+              <a:rPr lang="he-IL" dirty="0" smtClean="0">
+                <a:hlinkClick r:id="rId3"/>
+              </a:rPr>
+              <a:t> </a:t>
+            </a:r>
+            <a:r>
+              <a:rPr lang="en-US" dirty="0" smtClean="0">
+                <a:hlinkClick r:id="rId3"/>
+              </a:rPr>
+              <a:t>https</a:t>
+            </a:r>
+            <a:r>
+              <a:rPr lang="en-US" dirty="0">
+                <a:hlinkClick r:id="rId3"/>
+              </a:rPr>
+              <a:t>://dev.mysql.com/downloads/installer</a:t>
+            </a:r>
+            <a:r>
+              <a:rPr lang="en-US" dirty="0" smtClean="0">
+                <a:hlinkClick r:id="rId3"/>
+              </a:rPr>
+              <a:t>/</a:t>
+            </a:r>
+            <a:r>
+              <a:rPr lang="he-IL" dirty="0" smtClean="0"/>
+              <a:t>  התקנת </a:t>
+            </a:r>
+            <a:r>
+              <a:rPr lang="en-US" dirty="0" err="1" smtClean="0"/>
+              <a:t>Mysql</a:t>
+            </a:r>
+            <a:endParaRPr lang="en-US" dirty="0" smtClean="0"/>
+          </a:p>
+          <a:p>
+            <a:r>
+              <a:rPr lang="he-IL" dirty="0" smtClean="0"/>
+              <a:t>התקנת </a:t>
+            </a:r>
+            <a:r>
+              <a:rPr lang="en-US" dirty="0" smtClean="0"/>
+              <a:t>IDEA</a:t>
+            </a:r>
+            <a:r>
+              <a:rPr lang="he-IL" dirty="0" smtClean="0"/>
+              <a:t>   </a:t>
+            </a:r>
+            <a:r>
+              <a:rPr lang="en-US" dirty="0" smtClean="0"/>
+              <a:t> </a:t>
+            </a:r>
+            <a:r>
+              <a:rPr lang="en-US" dirty="0" smtClean="0"/>
+              <a:t> </a:t>
+            </a:r>
+            <a:r>
+              <a:rPr lang="en-US" dirty="0" smtClean="0">
+                <a:hlinkClick r:id="rId4"/>
+              </a:rPr>
+              <a:t>http</a:t>
+            </a:r>
+            <a:r>
+              <a:rPr lang="en-US" dirty="0">
+                <a:hlinkClick r:id="rId4"/>
+              </a:rPr>
+              <a:t>://</a:t>
+            </a:r>
+            <a:r>
+              <a:rPr lang="en-US" dirty="0" smtClean="0">
+                <a:hlinkClick r:id="rId4"/>
+              </a:rPr>
+              <a:t>download.jetbrains.com/idea/ideaIC-15.0.1.exe</a:t>
+            </a:r>
+            <a:r>
+              <a:rPr lang="en-US" dirty="0" smtClean="0"/>
+              <a:t> </a:t>
+            </a:r>
+            <a:endParaRPr lang="en-US" dirty="0"/>
+          </a:p>
+          <a:p>
+            <a:r>
+              <a:rPr lang="en-US" dirty="0">
+                <a:hlinkClick r:id="rId5"/>
+              </a:rPr>
+              <a:t>https://he.wikipedia.org/wiki/</a:t>
+            </a:r>
+            <a:r>
+              <a:rPr lang="he-IL" dirty="0">
+                <a:hlinkClick r:id="rId5"/>
+              </a:rPr>
+              <a:t>הזרקת_</a:t>
+            </a:r>
+            <a:r>
+              <a:rPr lang="en-US" dirty="0" smtClean="0">
+                <a:hlinkClick r:id="rId5"/>
+              </a:rPr>
+              <a:t>SQL</a:t>
+            </a:r>
+            <a:endParaRPr lang="he-IL" dirty="0" smtClean="0"/>
+          </a:p>
+          <a:p>
+            <a:r>
+              <a:rPr lang="en-US" dirty="0">
+                <a:hlinkClick r:id="rId6"/>
+              </a:rPr>
+              <a:t>https://xkcd.com/327</a:t>
+            </a:r>
+            <a:r>
+              <a:rPr lang="en-US" dirty="0" smtClean="0">
+                <a:hlinkClick r:id="rId6"/>
+              </a:rPr>
+              <a:t>/</a:t>
+            </a:r>
+            <a:endParaRPr lang="he-IL" dirty="0" smtClean="0"/>
+          </a:p>
+          <a:p>
+            <a:r>
+              <a:rPr lang="en-US" dirty="0">
+                <a:hlinkClick r:id="rId7"/>
+              </a:rPr>
+              <a:t>https://docs.oracle.com/javase/tutorial/jdbc</a:t>
+            </a:r>
+            <a:r>
+              <a:rPr lang="en-US" dirty="0" smtClean="0">
+                <a:hlinkClick r:id="rId7"/>
+              </a:rPr>
+              <a:t>/</a:t>
+            </a:r>
+            <a:endParaRPr lang="he-IL" dirty="0" smtClean="0"/>
+          </a:p>
+          <a:p>
+            <a:r>
+              <a:rPr lang="en-US" dirty="0">
+                <a:hlinkClick r:id="rId8"/>
+              </a:rPr>
+              <a:t>https://</a:t>
+            </a:r>
+            <a:r>
+              <a:rPr lang="en-US" dirty="0" smtClean="0">
+                <a:hlinkClick r:id="rId8"/>
+              </a:rPr>
+              <a:t>docs.oracle.com/javase/tutorial/jdbc/basics/rowset.html</a:t>
+            </a:r>
+            <a:endParaRPr lang="he-IL" dirty="0" smtClean="0"/>
+          </a:p>
+          <a:p>
+            <a:endParaRPr lang="en-US" dirty="0" smtClean="0"/>
+          </a:p>
+          <a:p>
+            <a:endParaRPr lang="he-IL" dirty="0" smtClean="0"/>
+          </a:p>
+          <a:p>
+            <a:endParaRPr lang="en-US" dirty="0" smtClean="0"/>
+          </a:p>
+          <a:p>
+            <a:endParaRPr lang="he-IL" dirty="0" smtClean="0"/>
+          </a:p>
+        </p:txBody>
+      </p:sp>
+    </p:spTree>
+    <p:extLst>
+      <p:ext uri="{BB962C8B-B14F-4D97-AF65-F5344CB8AC3E}">
+        <p14:creationId xmlns:p14="http://schemas.microsoft.com/office/powerpoint/2010/main" val="3324588309"/>
+      </p:ext>
+    </p:extLst>
+  </p:cSld>
+  <p:clrMapOvr>
+    <a:masterClrMapping/>
+  </p:clrMapOvr>
+  <p:timing>
+    <p:tnLst>
+      <p:par>
+        <p:cTn id="1" dur="indefinite" restart="never" nodeType="tmRoot"/>
+      </p:par>
+    </p:tnLst>
+  </p:timing>
+</p:sld>
+</file>
+
+<file path=ppt/slides/slide29.xml><?xml version="1.0" encoding="utf-8"?>
+<p:sld xmlns:a="http://schemas.openxmlformats.org/drawingml/2006/main" xmlns:r="http://schemas.openxmlformats.org/officeDocument/2006/relationships" xmlns:p="http://schemas.openxmlformats.org/presentationml/2006/main">
+  <p:cSld>
+    <p:spTree>
+      <p:nvGrpSpPr>
+        <p:cNvPr id="1" name=""/>
+        <p:cNvGrpSpPr/>
+        <p:nvPr/>
+      </p:nvGrpSpPr>
+      <p:grpSpPr>
+        <a:xfrm>
+          <a:off x="0" y="0"/>
+          <a:ext cx="0" cy="0"/>
+          <a:chOff x="0" y="0"/>
+          <a:chExt cx="0" cy="0"/>
+        </a:xfrm>
+      </p:grpSpPr>
+      <p:sp>
+        <p:nvSpPr>
+          <p:cNvPr id="2" name="Title 1"/>
+          <p:cNvSpPr>
+            <a:spLocks noGrp="1"/>
+          </p:cNvSpPr>
+          <p:nvPr>
+            <p:ph type="title"/>
+          </p:nvPr>
+        </p:nvSpPr>
+        <p:spPr/>
+        <p:txBody>
+          <a:bodyPr>
+            <a:normAutofit/>
+          </a:bodyPr>
+          <a:lstStyle/>
+          <a:p>
+            <a:pPr algn="ctr"/>
+            <a:r>
+              <a:rPr lang="he-IL" sz="6600" dirty="0" smtClean="0"/>
+              <a:t>שאלות??</a:t>
+            </a:r>
+            <a:endParaRPr lang="he-IL" sz="6600" dirty="0"/>
+          </a:p>
+        </p:txBody>
+      </p:sp>
+      <p:pic>
+        <p:nvPicPr>
+          <p:cNvPr id="8194" name="Picture 2" descr="http://lazysundaymag.com/wp-content/uploads/2013/09/the_riddler_by_viro_fiction-d5f92i4.jpg"/>
+          <p:cNvPicPr>
+            <a:picLocks noGrp="1" noChangeAspect="1" noChangeArrowheads="1"/>
+          </p:cNvPicPr>
+          <p:nvPr>
+            <p:ph idx="1"/>
+          </p:nvPr>
+        </p:nvPicPr>
+        <p:blipFill>
+          <a:blip r:embed="rId2">
+            <a:extLst>
+              <a:ext uri="{28A0092B-C50C-407E-A947-70E740481C1C}">
+                <a14:useLocalDpi xmlns:a14="http://schemas.microsoft.com/office/drawing/2010/main" val="0"/>
+              </a:ext>
+            </a:extLst>
+          </a:blip>
+          <a:srcRect/>
+          <a:stretch>
+            <a:fillRect/>
+          </a:stretch>
+        </p:blipFill>
+        <p:spPr bwMode="auto">
+          <a:xfrm>
+            <a:off x="5246470" y="2133600"/>
+            <a:ext cx="3600886" cy="3778250"/>
+          </a:xfrm>
+          <a:prstGeom prst="rect">
+            <a:avLst/>
+          </a:prstGeom>
+          <a:noFill/>
+          <a:extLst>
+            <a:ext uri="{909E8E84-426E-40DD-AFC4-6F175D3DCCD1}">
+              <a14:hiddenFill xmlns:a14="http://schemas.microsoft.com/office/drawing/2010/main">
+                <a:solidFill>
+                  <a:srgbClr val="FFFFFF"/>
+                </a:solidFill>
+              </a14:hiddenFill>
+            </a:ext>
+          </a:extLst>
+        </p:spPr>
+      </p:pic>
+    </p:spTree>
+    <p:extLst>
+      <p:ext uri="{BB962C8B-B14F-4D97-AF65-F5344CB8AC3E}">
+        <p14:creationId xmlns:p14="http://schemas.microsoft.com/office/powerpoint/2010/main" val="3769175611"/>
+      </p:ext>
+    </p:extLst>
+  </p:cSld>
+  <p:clrMapOvr>
+    <a:masterClrMapping/>
+  </p:clrMapOvr>
+</p:sld>
+</file>
+
+<file path=ppt/slides/slide3.xml><?xml version="1.0" encoding="utf-8"?>
+<p:sld xmlns:a="http://schemas.openxmlformats.org/drawingml/2006/main" xmlns:r="http://schemas.openxmlformats.org/officeDocument/2006/relationships" xmlns:p="http://schemas.openxmlformats.org/presentationml/2006/main">
+  <p:cSld>
+    <p:spTree>
+      <p:nvGrpSpPr>
+        <p:cNvPr id="1" name=""/>
+        <p:cNvGrpSpPr/>
+        <p:nvPr/>
+      </p:nvGrpSpPr>
+      <p:grpSpPr>
+        <a:xfrm>
+          <a:off x="0" y="0"/>
+          <a:ext cx="0" cy="0"/>
+          <a:chOff x="0" y="0"/>
+          <a:chExt cx="0" cy="0"/>
+        </a:xfrm>
+      </p:grpSpPr>
+      <p:sp>
+        <p:nvSpPr>
+          <p:cNvPr id="2" name="Title 1"/>
+          <p:cNvSpPr>
+            <a:spLocks noGrp="1"/>
+          </p:cNvSpPr>
+          <p:nvPr>
+            <p:ph type="title"/>
+          </p:nvPr>
+        </p:nvSpPr>
+        <p:spPr/>
+        <p:txBody>
+          <a:bodyPr/>
+          <a:lstStyle/>
+          <a:p>
+            <a:pPr algn="r"/>
+            <a:r>
+              <a:rPr lang="he-IL" dirty="0" smtClean="0"/>
+              <a:t>נושאי ההרצאה</a:t>
+            </a:r>
+            <a:endParaRPr lang="he-IL" dirty="0"/>
+          </a:p>
+        </p:txBody>
+      </p:sp>
+      <p:sp>
+        <p:nvSpPr>
+          <p:cNvPr id="3" name="Content Placeholder 2"/>
+          <p:cNvSpPr>
+            <a:spLocks noGrp="1"/>
+          </p:cNvSpPr>
+          <p:nvPr>
+            <p:ph idx="1"/>
+          </p:nvPr>
+        </p:nvSpPr>
+        <p:spPr/>
+        <p:txBody>
+          <a:bodyPr>
+            <a:normAutofit fontScale="70000" lnSpcReduction="20000"/>
+          </a:bodyPr>
+          <a:lstStyle/>
+          <a:p>
+            <a:pPr lvl="0"/>
+            <a:r>
+              <a:rPr lang="he-IL" sz="2800" dirty="0"/>
+              <a:t>עקרונות בסיסי נתונים </a:t>
+            </a:r>
+            <a:r>
+              <a:rPr lang="he-IL" sz="2800" dirty="0" smtClean="0"/>
+              <a:t>יחסיים ושפת </a:t>
+            </a:r>
+            <a:r>
+              <a:rPr lang="en-US" sz="2800" dirty="0"/>
+              <a:t>SQL</a:t>
+            </a:r>
+            <a:r>
+              <a:rPr lang="he-IL" sz="2800" dirty="0"/>
+              <a:t> לאחזור ועדכון מידע</a:t>
+            </a:r>
+            <a:r>
+              <a:rPr lang="he-IL" sz="2800" dirty="0" smtClean="0"/>
+              <a:t>.</a:t>
+            </a:r>
+          </a:p>
+          <a:p>
+            <a:pPr lvl="0"/>
+            <a:r>
+              <a:rPr lang="he-IL" sz="2800" dirty="0" smtClean="0"/>
+              <a:t>התקנות</a:t>
+            </a:r>
+            <a:endParaRPr lang="en-US" sz="2800" dirty="0"/>
+          </a:p>
+          <a:p>
+            <a:pPr lvl="0"/>
+            <a:r>
+              <a:rPr lang="he-IL" sz="2800" dirty="0"/>
+              <a:t>טעינת דרייברים, </a:t>
+            </a:r>
+            <a:endParaRPr lang="he-IL" sz="2800" dirty="0" smtClean="0"/>
+          </a:p>
+          <a:p>
+            <a:pPr lvl="0"/>
+            <a:r>
+              <a:rPr lang="he-IL" sz="2800" dirty="0" smtClean="0"/>
+              <a:t>חיבור </a:t>
+            </a:r>
+            <a:r>
+              <a:rPr lang="he-IL" sz="2800" dirty="0"/>
+              <a:t>לבסיס הנתונים, </a:t>
+            </a:r>
+            <a:endParaRPr lang="he-IL" sz="2800" dirty="0" smtClean="0"/>
+          </a:p>
+          <a:p>
+            <a:pPr lvl="0"/>
+            <a:r>
+              <a:rPr lang="he-IL" sz="2800" dirty="0" smtClean="0"/>
+              <a:t>ביצוע שאילתות</a:t>
+            </a:r>
+          </a:p>
+          <a:p>
+            <a:pPr lvl="1"/>
+            <a:r>
+              <a:rPr lang="he-IL" sz="2600" dirty="0" smtClean="0"/>
+              <a:t> </a:t>
+            </a:r>
+            <a:r>
+              <a:rPr lang="he-IL" sz="2600" dirty="0"/>
+              <a:t>(</a:t>
+            </a:r>
+            <a:r>
+              <a:rPr lang="en-US" sz="2600" dirty="0" smtClean="0"/>
+              <a:t>Statement</a:t>
+            </a:r>
+            <a:r>
+              <a:rPr lang="he-IL" sz="2600" dirty="0" smtClean="0"/>
+              <a:t> </a:t>
+            </a:r>
+          </a:p>
+          <a:p>
+            <a:pPr lvl="1"/>
+            <a:r>
+              <a:rPr lang="he-IL" sz="2600" dirty="0" smtClean="0"/>
+              <a:t> </a:t>
+            </a:r>
+            <a:r>
+              <a:rPr lang="en-US" sz="2600" dirty="0" smtClean="0"/>
+              <a:t>Prepared </a:t>
+            </a:r>
+            <a:r>
+              <a:rPr lang="en-US" sz="2600" dirty="0" err="1" smtClean="0"/>
+              <a:t>Statement+Sql</a:t>
+            </a:r>
+            <a:r>
+              <a:rPr lang="en-US" sz="2600" dirty="0" smtClean="0"/>
+              <a:t> Injection</a:t>
+            </a:r>
+          </a:p>
+          <a:p>
+            <a:pPr lvl="1"/>
+            <a:r>
+              <a:rPr lang="en-US" sz="2600" dirty="0" smtClean="0"/>
+              <a:t>Called </a:t>
+            </a:r>
+            <a:r>
+              <a:rPr lang="en-US" sz="2600" dirty="0" err="1" smtClean="0"/>
+              <a:t>Statment</a:t>
+            </a:r>
+            <a:endParaRPr lang="he-IL" sz="2600" dirty="0" smtClean="0"/>
+          </a:p>
+          <a:p>
+            <a:pPr lvl="1"/>
+            <a:r>
+              <a:rPr lang="he-IL" sz="2600" dirty="0" smtClean="0"/>
+              <a:t>עבודה </a:t>
+            </a:r>
+            <a:r>
+              <a:rPr lang="he-IL" sz="2600" dirty="0"/>
+              <a:t>עם </a:t>
+            </a:r>
+            <a:r>
+              <a:rPr lang="en-US" sz="2600" dirty="0" err="1" smtClean="0"/>
+              <a:t>ResultSet</a:t>
+            </a:r>
+            <a:r>
+              <a:rPr lang="en-US" sz="2600" dirty="0" smtClean="0"/>
+              <a:t> </a:t>
+            </a:r>
+            <a:r>
+              <a:rPr lang="en-US" sz="2600" dirty="0" err="1" smtClean="0"/>
+              <a:t>Rowset</a:t>
+            </a:r>
+            <a:r>
+              <a:rPr lang="he-IL" sz="2600" dirty="0" smtClean="0"/>
+              <a:t> </a:t>
+            </a:r>
+          </a:p>
+          <a:p>
+            <a:pPr lvl="0"/>
+            <a:r>
+              <a:rPr lang="he-IL" sz="2800" dirty="0" smtClean="0"/>
+              <a:t>ביצוע </a:t>
+            </a:r>
+            <a:r>
+              <a:rPr lang="he-IL" sz="2800" dirty="0" err="1"/>
+              <a:t>טרנזאקציות</a:t>
+            </a:r>
+            <a:endParaRPr lang="en-US" sz="2800" dirty="0"/>
+          </a:p>
+          <a:p>
+            <a:endParaRPr lang="he-IL" dirty="0"/>
+          </a:p>
+        </p:txBody>
+      </p:sp>
+    </p:spTree>
+    <p:extLst>
+      <p:ext uri="{BB962C8B-B14F-4D97-AF65-F5344CB8AC3E}">
+        <p14:creationId xmlns:p14="http://schemas.microsoft.com/office/powerpoint/2010/main" val="3573189005"/>
+      </p:ext>
+    </p:extLst>
+  </p:cSld>
+  <p:clrMapOvr>
+    <a:masterClrMapping/>
+  </p:clrMapOvr>
+  <p:timing>
+    <p:tnLst>
+      <p:par>
+        <p:cTn id="1" dur="indefinite" restart="never" nodeType="tmRoot"/>
+      </p:par>
+    </p:tnLst>
+  </p:timing>
+</p:sld>
+</file>
+
+<file path=ppt/slides/slide4.xml><?xml version="1.0" encoding="utf-8"?>
+<p:sld xmlns:a="http://schemas.openxmlformats.org/drawingml/2006/main" xmlns:r="http://schemas.openxmlformats.org/officeDocument/2006/relationships" xmlns:p="http://schemas.openxmlformats.org/presentationml/2006/main">
+  <p:cSld>
+    <p:spTree>
+      <p:nvGrpSpPr>
+        <p:cNvPr id="1" name=""/>
+        <p:cNvGrpSpPr/>
+        <p:nvPr/>
+      </p:nvGrpSpPr>
+      <p:grpSpPr>
+        <a:xfrm>
+          <a:off x="0" y="0"/>
+          <a:ext cx="0" cy="0"/>
+          <a:chOff x="0" y="0"/>
+          <a:chExt cx="0" cy="0"/>
+        </a:xfrm>
+      </p:grpSpPr>
+      <p:sp>
+        <p:nvSpPr>
+          <p:cNvPr id="2" name="Title 1"/>
+          <p:cNvSpPr>
+            <a:spLocks noGrp="1"/>
+          </p:cNvSpPr>
+          <p:nvPr>
+            <p:ph type="title"/>
+          </p:nvPr>
+        </p:nvSpPr>
+        <p:spPr/>
+        <p:txBody>
+          <a:bodyPr/>
+          <a:lstStyle/>
+          <a:p>
+            <a:pPr algn="r"/>
+            <a:r>
+              <a:rPr lang="he-IL" dirty="0" smtClean="0"/>
+              <a:t>בסיס נתונים יחסי</a:t>
+            </a:r>
+            <a:endParaRPr lang="he-IL" dirty="0"/>
+          </a:p>
+        </p:txBody>
+      </p:sp>
+      <p:sp>
+        <p:nvSpPr>
+          <p:cNvPr id="3" name="Content Placeholder 2"/>
+          <p:cNvSpPr>
+            <a:spLocks noGrp="1"/>
+          </p:cNvSpPr>
+          <p:nvPr>
+            <p:ph idx="1"/>
+          </p:nvPr>
+        </p:nvSpPr>
+        <p:spPr/>
+        <p:txBody>
+          <a:bodyPr>
+            <a:normAutofit/>
+          </a:bodyPr>
+          <a:lstStyle/>
+          <a:p>
+            <a:r>
+              <a:rPr lang="he-IL" sz="3600" dirty="0" smtClean="0"/>
+              <a:t>הסטנדרט דה-פאקטו של בסיסי נתונים עד 2009</a:t>
+            </a:r>
+          </a:p>
+          <a:p>
+            <a:r>
+              <a:rPr lang="he-IL" sz="3600" dirty="0" smtClean="0"/>
+              <a:t>בימינו יש גם בסיסי נתונים מסוגים אחרים כמו </a:t>
+            </a:r>
+            <a:r>
+              <a:rPr lang="en-US" sz="3600" dirty="0" smtClean="0"/>
+              <a:t> (Neo4J  </a:t>
+            </a:r>
+            <a:r>
+              <a:rPr lang="he-IL" sz="3600" dirty="0" smtClean="0"/>
+              <a:t> ו </a:t>
+            </a:r>
+            <a:r>
+              <a:rPr lang="en-US" sz="3600" dirty="0" smtClean="0"/>
+              <a:t>MongoDB</a:t>
+            </a:r>
+          </a:p>
+        </p:txBody>
+      </p:sp>
+    </p:spTree>
+    <p:extLst>
+      <p:ext uri="{BB962C8B-B14F-4D97-AF65-F5344CB8AC3E}">
+        <p14:creationId xmlns:p14="http://schemas.microsoft.com/office/powerpoint/2010/main" val="1207846130"/>
+      </p:ext>
+    </p:extLst>
+  </p:cSld>
+  <p:clrMapOvr>
+    <a:masterClrMapping/>
+  </p:clrMapOvr>
+  <p:timing>
+    <p:tnLst>
+      <p:par>
+        <p:cTn id="1" dur="indefinite" restart="never" nodeType="tmRoot"/>
+      </p:par>
+    </p:tnLst>
+  </p:timing>
+</p:sld>
+</file>
+
+<file path=ppt/slides/slide5.xml><?xml version="1.0" encoding="utf-8"?>
+<p:sld xmlns:a="http://schemas.openxmlformats.org/drawingml/2006/main" xmlns:r="http://schemas.openxmlformats.org/officeDocument/2006/relationships" xmlns:p="http://schemas.openxmlformats.org/presentationml/2006/main">
+  <p:cSld>
+    <p:spTree>
+      <p:nvGrpSpPr>
+        <p:cNvPr id="1" name=""/>
+        <p:cNvGrpSpPr/>
+        <p:nvPr/>
+      </p:nvGrpSpPr>
+      <p:grpSpPr>
+        <a:xfrm>
+          <a:off x="0" y="0"/>
+          <a:ext cx="0" cy="0"/>
+          <a:chOff x="0" y="0"/>
+          <a:chExt cx="0" cy="0"/>
+        </a:xfrm>
+      </p:grpSpPr>
+      <p:sp>
+        <p:nvSpPr>
+          <p:cNvPr id="2" name="Title 1"/>
+          <p:cNvSpPr>
+            <a:spLocks noGrp="1"/>
+          </p:cNvSpPr>
+          <p:nvPr>
+            <p:ph type="title"/>
+          </p:nvPr>
+        </p:nvSpPr>
+        <p:spPr/>
+        <p:txBody>
+          <a:bodyPr/>
+          <a:lstStyle/>
+          <a:p>
+            <a:pPr algn="r"/>
+            <a:r>
+              <a:rPr lang="he-IL" dirty="0" smtClean="0"/>
+              <a:t>מבנה מסד נתונים יחסי</a:t>
+            </a:r>
+            <a:endParaRPr lang="he-IL" dirty="0"/>
+          </a:p>
+        </p:txBody>
+      </p:sp>
+      <p:sp>
+        <p:nvSpPr>
+          <p:cNvPr id="3" name="Content Placeholder 2"/>
+          <p:cNvSpPr>
+            <a:spLocks noGrp="1"/>
+          </p:cNvSpPr>
+          <p:nvPr>
+            <p:ph idx="1"/>
+          </p:nvPr>
+        </p:nvSpPr>
+        <p:spPr/>
+        <p:txBody>
+          <a:bodyPr/>
+          <a:lstStyle/>
+          <a:p>
+            <a:pPr lvl="1">
+              <a:lnSpc>
+                <a:spcPct val="90000"/>
+              </a:lnSpc>
+            </a:pPr>
+            <a:r>
+              <a:rPr lang="he-IL" altLang="he-IL" sz="6000" dirty="0"/>
+              <a:t>טבלאות 	- </a:t>
+            </a:r>
+            <a:r>
+              <a:rPr lang="en-US" altLang="he-IL" sz="6000" dirty="0"/>
+              <a:t>Tables</a:t>
+            </a:r>
+            <a:endParaRPr lang="he-IL" altLang="he-IL" sz="6000" dirty="0"/>
+          </a:p>
+          <a:p>
+            <a:pPr lvl="1">
+              <a:lnSpc>
+                <a:spcPct val="90000"/>
+              </a:lnSpc>
+            </a:pPr>
+            <a:r>
+              <a:rPr lang="he-IL" altLang="he-IL" sz="6000" dirty="0"/>
+              <a:t>מפתחות	- </a:t>
+            </a:r>
+            <a:r>
+              <a:rPr lang="en-US" altLang="he-IL" sz="6000" dirty="0"/>
+              <a:t>Keys</a:t>
+            </a:r>
+            <a:endParaRPr lang="he-IL" altLang="he-IL" sz="6000" dirty="0"/>
+          </a:p>
+          <a:p>
+            <a:pPr lvl="1">
+              <a:lnSpc>
+                <a:spcPct val="90000"/>
+              </a:lnSpc>
+            </a:pPr>
+            <a:r>
+              <a:rPr lang="he-IL" altLang="he-IL" sz="6000" dirty="0"/>
+              <a:t>קשרים 	- </a:t>
+            </a:r>
+            <a:r>
+              <a:rPr lang="en-US" altLang="he-IL" sz="6000" dirty="0"/>
+              <a:t>Relations</a:t>
+            </a:r>
+            <a:r>
+              <a:rPr lang="he-IL" altLang="he-IL" sz="6000" dirty="0"/>
+              <a:t> </a:t>
+            </a:r>
+            <a:endParaRPr lang="en-US" altLang="he-IL" sz="6000" dirty="0"/>
+          </a:p>
+          <a:p>
+            <a:endParaRPr lang="he-IL" dirty="0"/>
+          </a:p>
+        </p:txBody>
+      </p:sp>
+    </p:spTree>
+    <p:extLst>
+      <p:ext uri="{BB962C8B-B14F-4D97-AF65-F5344CB8AC3E}">
+        <p14:creationId xmlns:p14="http://schemas.microsoft.com/office/powerpoint/2010/main" val="44451347"/>
+      </p:ext>
+    </p:extLst>
+  </p:cSld>
+  <p:clrMapOvr>
+    <a:masterClrMapping/>
+  </p:clrMapOvr>
+  <p:timing>
+    <p:tnLst>
+      <p:par>
+        <p:cTn id="1" dur="indefinite" restart="never" nodeType="tmRoot"/>
+      </p:par>
+    </p:tnLst>
+  </p:timing>
+</p:sld>
+</file>
+
+<file path=ppt/slides/slide6.xml><?xml version="1.0" encoding="utf-8"?>
+<p:sld xmlns:a="http://schemas.openxmlformats.org/drawingml/2006/main" xmlns:r="http://schemas.openxmlformats.org/officeDocument/2006/relationships" xmlns:p="http://schemas.openxmlformats.org/presentationml/2006/main">
+  <p:cSld>
+    <p:spTree>
+      <p:nvGrpSpPr>
+        <p:cNvPr id="1" name=""/>
+        <p:cNvGrpSpPr/>
+        <p:nvPr/>
+      </p:nvGrpSpPr>
+      <p:grpSpPr>
+        <a:xfrm>
+          <a:off x="0" y="0"/>
+          <a:ext cx="0" cy="0"/>
+          <a:chOff x="0" y="0"/>
+          <a:chExt cx="0" cy="0"/>
+        </a:xfrm>
+      </p:grpSpPr>
+      <p:sp>
+        <p:nvSpPr>
+          <p:cNvPr id="2" name="Title 1"/>
+          <p:cNvSpPr>
+            <a:spLocks noGrp="1"/>
+          </p:cNvSpPr>
+          <p:nvPr>
+            <p:ph type="title"/>
+          </p:nvPr>
+        </p:nvSpPr>
+        <p:spPr/>
+        <p:txBody>
+          <a:bodyPr/>
+          <a:lstStyle/>
+          <a:p>
+            <a:pPr algn="r"/>
+            <a:r>
+              <a:rPr lang="he-IL" dirty="0" smtClean="0"/>
+              <a:t>מבנה טבלה</a:t>
+            </a:r>
+            <a:endParaRPr lang="he-IL" dirty="0"/>
+          </a:p>
+        </p:txBody>
+      </p:sp>
+      <p:sp>
+        <p:nvSpPr>
+          <p:cNvPr id="3" name="Content Placeholder 2"/>
+          <p:cNvSpPr>
+            <a:spLocks noGrp="1"/>
+          </p:cNvSpPr>
+          <p:nvPr>
+            <p:ph idx="1"/>
+          </p:nvPr>
+        </p:nvSpPr>
+        <p:spPr/>
+        <p:txBody>
+          <a:bodyPr>
+            <a:normAutofit fontScale="85000" lnSpcReduction="20000"/>
+          </a:bodyPr>
+          <a:lstStyle/>
+          <a:p>
+            <a:r>
+              <a:rPr lang="he-IL" altLang="he-IL" sz="3500" dirty="0"/>
+              <a:t>שדה - </a:t>
+            </a:r>
+            <a:r>
+              <a:rPr lang="en-US" altLang="he-IL" sz="3500" dirty="0"/>
+              <a:t>Field</a:t>
+            </a:r>
+            <a:endParaRPr lang="he-IL" altLang="he-IL" sz="3500" dirty="0"/>
+          </a:p>
+          <a:p>
+            <a:pPr lvl="1"/>
+            <a:r>
+              <a:rPr lang="he-IL" altLang="he-IL" sz="3000" dirty="0"/>
+              <a:t>פריט מידע בודד: ת.ז., שם, ת. לידה...</a:t>
+            </a:r>
+          </a:p>
+          <a:p>
+            <a:pPr lvl="1"/>
+            <a:r>
+              <a:rPr lang="he-IL" altLang="he-IL" sz="3000" dirty="0" smtClean="0"/>
+              <a:t>מיוצג </a:t>
+            </a:r>
+            <a:r>
+              <a:rPr lang="he-IL" altLang="he-IL" sz="3000" dirty="0"/>
+              <a:t>ע"י עמודה בטבלה.</a:t>
+            </a:r>
+          </a:p>
+          <a:p>
+            <a:pPr lvl="1"/>
+            <a:endParaRPr lang="he-IL" altLang="he-IL" sz="3000" dirty="0"/>
+          </a:p>
+          <a:p>
+            <a:r>
+              <a:rPr lang="he-IL" altLang="he-IL" sz="3500" dirty="0"/>
+              <a:t>רשומה - </a:t>
+            </a:r>
+            <a:r>
+              <a:rPr lang="en-US" altLang="he-IL" sz="3500" dirty="0"/>
+              <a:t>Record</a:t>
+            </a:r>
+            <a:endParaRPr lang="he-IL" altLang="he-IL" sz="3500" dirty="0"/>
+          </a:p>
+          <a:p>
+            <a:pPr lvl="1"/>
+            <a:r>
+              <a:rPr lang="he-IL" altLang="he-IL" sz="3000" dirty="0"/>
+              <a:t>ישות.</a:t>
+            </a:r>
+          </a:p>
+          <a:p>
+            <a:pPr lvl="1"/>
+            <a:r>
+              <a:rPr lang="he-IL" altLang="he-IL" sz="3000" dirty="0"/>
+              <a:t>אוסף שדות – </a:t>
+            </a:r>
+            <a:r>
+              <a:rPr lang="he-IL" altLang="he-IL" sz="3500" dirty="0"/>
+              <a:t>רלוונטיים לישות במערכת המידע</a:t>
+            </a:r>
+            <a:endParaRPr lang="he-IL" altLang="he-IL" sz="3000" dirty="0"/>
+          </a:p>
+          <a:p>
+            <a:pPr lvl="1"/>
+            <a:r>
+              <a:rPr lang="he-IL" altLang="he-IL" sz="3000" dirty="0"/>
+              <a:t>מיוצג ע"י שורה בטבלה.</a:t>
+            </a:r>
+          </a:p>
+          <a:p>
+            <a:endParaRPr lang="he-IL" dirty="0"/>
+          </a:p>
+        </p:txBody>
+      </p:sp>
+    </p:spTree>
+    <p:extLst>
+      <p:ext uri="{BB962C8B-B14F-4D97-AF65-F5344CB8AC3E}">
+        <p14:creationId xmlns:p14="http://schemas.microsoft.com/office/powerpoint/2010/main" val="3590289518"/>
+      </p:ext>
+    </p:extLst>
+  </p:cSld>
+  <p:clrMapOvr>
+    <a:masterClrMapping/>
+  </p:clrMapOvr>
+  <p:timing>
+    <p:tnLst>
+      <p:par>
+        <p:cTn id="1" dur="indefinite" restart="never" nodeType="tmRoot"/>
+      </p:par>
+    </p:tnLst>
+  </p:timing>
+</p:sld>
+</file>
+
+<file path=ppt/slides/slide7.xml><?xml version="1.0" encoding="utf-8"?>
+<p:sld xmlns:a="http://schemas.openxmlformats.org/drawingml/2006/main" xmlns:r="http://schemas.openxmlformats.org/officeDocument/2006/relationships" xmlns:p="http://schemas.openxmlformats.org/presentationml/2006/main">
+  <p:cSld>
+    <p:spTree>
+      <p:nvGrpSpPr>
+        <p:cNvPr id="1" name=""/>
+        <p:cNvGrpSpPr/>
+        <p:nvPr/>
+      </p:nvGrpSpPr>
+      <p:grpSpPr>
+        <a:xfrm>
+          <a:off x="0" y="0"/>
+          <a:ext cx="0" cy="0"/>
+          <a:chOff x="0" y="0"/>
+          <a:chExt cx="0" cy="0"/>
+        </a:xfrm>
+      </p:grpSpPr>
+      <p:sp>
+        <p:nvSpPr>
+          <p:cNvPr id="2" name="Title 1"/>
+          <p:cNvSpPr>
+            <a:spLocks noGrp="1"/>
+          </p:cNvSpPr>
+          <p:nvPr>
+            <p:ph type="title"/>
+          </p:nvPr>
+        </p:nvSpPr>
+        <p:spPr/>
+        <p:txBody>
+          <a:bodyPr/>
+          <a:lstStyle/>
+          <a:p>
+            <a:pPr algn="r"/>
+            <a:r>
+              <a:rPr lang="he-IL" dirty="0" smtClean="0"/>
+              <a:t>מפתחות</a:t>
+            </a:r>
+            <a:endParaRPr lang="he-IL" dirty="0"/>
+          </a:p>
+        </p:txBody>
+      </p:sp>
+      <p:sp>
+        <p:nvSpPr>
+          <p:cNvPr id="3" name="Content Placeholder 2"/>
+          <p:cNvSpPr>
+            <a:spLocks noGrp="1"/>
+          </p:cNvSpPr>
+          <p:nvPr>
+            <p:ph idx="1"/>
+          </p:nvPr>
+        </p:nvSpPr>
+        <p:spPr/>
+        <p:txBody>
+          <a:bodyPr/>
+          <a:lstStyle/>
+          <a:p>
+            <a:endParaRPr lang="he-IL" altLang="he-IL" dirty="0"/>
+          </a:p>
+          <a:p>
+            <a:r>
+              <a:rPr lang="he-IL" altLang="he-IL" sz="3200" dirty="0"/>
+              <a:t>מפתח ראשי – </a:t>
+            </a:r>
+            <a:r>
+              <a:rPr lang="en-US" altLang="he-IL" sz="3200" dirty="0"/>
+              <a:t>Primary Key</a:t>
+            </a:r>
+            <a:endParaRPr lang="he-IL" altLang="he-IL" sz="3200" dirty="0"/>
+          </a:p>
+          <a:p>
+            <a:pPr lvl="1"/>
+            <a:r>
+              <a:rPr lang="he-IL" altLang="he-IL" sz="2800" dirty="0"/>
+              <a:t>שדה או קבוצת שדות המזהים רשומה באופן חד ערכי.</a:t>
+            </a:r>
+          </a:p>
+          <a:p>
+            <a:pPr lvl="1">
+              <a:buFont typeface="Wingdings" panose="05000000000000000000" pitchFamily="2" charset="2"/>
+              <a:buNone/>
+            </a:pPr>
+            <a:endParaRPr lang="he-IL" altLang="he-IL" sz="2800" dirty="0"/>
+          </a:p>
+          <a:p>
+            <a:r>
+              <a:rPr lang="he-IL" altLang="he-IL" sz="3200" dirty="0"/>
+              <a:t>מפתח זר – </a:t>
+            </a:r>
+            <a:r>
+              <a:rPr lang="en-US" altLang="he-IL" sz="3200" dirty="0"/>
+              <a:t>Foreign Key</a:t>
+            </a:r>
+          </a:p>
+          <a:p>
+            <a:pPr lvl="1"/>
+            <a:r>
+              <a:rPr lang="he-IL" altLang="he-IL" sz="2800" dirty="0"/>
+              <a:t>שדה בטבלה המקושר לשדה בטבלה אחרת בה משמש השדה כמפתח ראשי.</a:t>
+            </a:r>
+          </a:p>
+          <a:p>
+            <a:endParaRPr lang="he-IL" dirty="0"/>
+          </a:p>
+        </p:txBody>
+      </p:sp>
+    </p:spTree>
+    <p:extLst>
+      <p:ext uri="{BB962C8B-B14F-4D97-AF65-F5344CB8AC3E}">
+        <p14:creationId xmlns:p14="http://schemas.microsoft.com/office/powerpoint/2010/main" val="1436946625"/>
+      </p:ext>
+    </p:extLst>
+  </p:cSld>
+  <p:clrMapOvr>
+    <a:masterClrMapping/>
+  </p:clrMapOvr>
+  <p:timing>
+    <p:tnLst>
+      <p:par>
+        <p:cTn id="1" dur="indefinite" restart="never" nodeType="tmRoot"/>
+      </p:par>
+    </p:tnLst>
+  </p:timing>
+</p:sld>
+</file>
+
+<file path=ppt/slides/slide8.xml><?xml version="1.0" encoding="utf-8"?>
+<p:sld xmlns:a="http://schemas.openxmlformats.org/drawingml/2006/main" xmlns:r="http://schemas.openxmlformats.org/officeDocument/2006/relationships" xmlns:p="http://schemas.openxmlformats.org/presentationml/2006/main">
+  <p:cSld>
+    <p:spTree>
+      <p:nvGrpSpPr>
+        <p:cNvPr id="1" name=""/>
+        <p:cNvGrpSpPr/>
+        <p:nvPr/>
+      </p:nvGrpSpPr>
+      <p:grpSpPr>
+        <a:xfrm>
+          <a:off x="0" y="0"/>
+          <a:ext cx="0" cy="0"/>
+          <a:chOff x="0" y="0"/>
+          <a:chExt cx="0" cy="0"/>
+        </a:xfrm>
+      </p:grpSpPr>
+      <p:sp>
+        <p:nvSpPr>
+          <p:cNvPr id="2" name="Title 1"/>
+          <p:cNvSpPr>
+            <a:spLocks noGrp="1"/>
+          </p:cNvSpPr>
+          <p:nvPr>
+            <p:ph type="title"/>
+          </p:nvPr>
+        </p:nvSpPr>
+        <p:spPr/>
+        <p:txBody>
+          <a:bodyPr/>
+          <a:lstStyle/>
+          <a:p>
+            <a:pPr algn="r"/>
+            <a:r>
+              <a:rPr lang="he-IL" dirty="0" smtClean="0"/>
+              <a:t>סוגי קשרים</a:t>
+            </a:r>
+            <a:endParaRPr lang="he-IL" dirty="0"/>
+          </a:p>
+        </p:txBody>
+      </p:sp>
+      <p:sp>
+        <p:nvSpPr>
+          <p:cNvPr id="3" name="Content Placeholder 2"/>
+          <p:cNvSpPr>
+            <a:spLocks noGrp="1"/>
+          </p:cNvSpPr>
+          <p:nvPr>
+            <p:ph idx="1"/>
+          </p:nvPr>
+        </p:nvSpPr>
+        <p:spPr/>
+        <p:txBody>
+          <a:bodyPr/>
+          <a:lstStyle/>
+          <a:p>
+            <a:endParaRPr lang="he-IL" altLang="he-IL" sz="2800" dirty="0"/>
+          </a:p>
+          <a:p>
+            <a:r>
+              <a:rPr lang="he-IL" altLang="he-IL" sz="2800" dirty="0"/>
+              <a:t>מטרת הקשרים לדאוג לשלמות הנתונים – </a:t>
+            </a:r>
+            <a:r>
+              <a:rPr lang="en-US" altLang="he-IL" sz="2800" dirty="0"/>
+              <a:t>Data Integrity</a:t>
+            </a:r>
+            <a:r>
+              <a:rPr lang="he-IL" altLang="he-IL" sz="2800" dirty="0"/>
+              <a:t>.</a:t>
+            </a:r>
+          </a:p>
+          <a:p>
+            <a:endParaRPr lang="he-IL" altLang="he-IL" sz="2800" dirty="0"/>
+          </a:p>
+          <a:p>
+            <a:r>
+              <a:rPr lang="he-IL" altLang="he-IL" sz="2800" dirty="0"/>
+              <a:t>סוגי קשרים</a:t>
+            </a:r>
+          </a:p>
+          <a:p>
+            <a:pPr lvl="1"/>
+            <a:r>
+              <a:rPr lang="he-IL" altLang="he-IL" sz="2400" dirty="0"/>
+              <a:t>יחיד ליחיד – </a:t>
+            </a:r>
+            <a:r>
+              <a:rPr lang="en-US" altLang="he-IL" sz="2400" dirty="0"/>
+              <a:t>One to One</a:t>
+            </a:r>
+            <a:r>
+              <a:rPr lang="he-IL" altLang="he-IL" sz="2400" dirty="0"/>
+              <a:t>		1:1</a:t>
+            </a:r>
+            <a:endParaRPr lang="en-US" altLang="he-IL" sz="2400" dirty="0"/>
+          </a:p>
+          <a:p>
+            <a:pPr lvl="1"/>
+            <a:r>
+              <a:rPr lang="he-IL" altLang="he-IL" sz="2400" dirty="0"/>
+              <a:t>יחיד לרבים – </a:t>
+            </a:r>
+            <a:r>
+              <a:rPr lang="en-US" altLang="he-IL" sz="2400" dirty="0"/>
+              <a:t>One to Many</a:t>
+            </a:r>
+            <a:r>
+              <a:rPr lang="he-IL" altLang="he-IL" sz="2400" dirty="0"/>
+              <a:t>		</a:t>
+            </a:r>
+            <a:r>
+              <a:rPr lang="en-US" altLang="he-IL" sz="2400" dirty="0"/>
+              <a:t>N</a:t>
+            </a:r>
+            <a:r>
+              <a:rPr lang="he-IL" altLang="he-IL" sz="2400" dirty="0"/>
+              <a:t>:1</a:t>
+            </a:r>
+          </a:p>
+          <a:p>
+            <a:pPr lvl="1"/>
+            <a:r>
+              <a:rPr lang="he-IL" altLang="he-IL" sz="2400" dirty="0"/>
+              <a:t>רבים לרבים – </a:t>
+            </a:r>
+            <a:r>
+              <a:rPr lang="en-US" altLang="he-IL" sz="2400" dirty="0"/>
+              <a:t>Many to Many</a:t>
+            </a:r>
+            <a:r>
+              <a:rPr lang="he-IL" altLang="he-IL" sz="2400" dirty="0"/>
+              <a:t> 	</a:t>
+            </a:r>
+            <a:r>
+              <a:rPr lang="en-US" altLang="he-IL" sz="2400" dirty="0"/>
+              <a:t>M</a:t>
+            </a:r>
+            <a:r>
+              <a:rPr lang="he-IL" altLang="he-IL" sz="2400" dirty="0"/>
+              <a:t>:</a:t>
+            </a:r>
+            <a:r>
+              <a:rPr lang="en-US" altLang="he-IL" sz="2400" dirty="0"/>
+              <a:t>N</a:t>
+            </a:r>
+          </a:p>
+          <a:p>
+            <a:endParaRPr lang="he-IL" dirty="0"/>
+          </a:p>
+        </p:txBody>
+      </p:sp>
+    </p:spTree>
+    <p:extLst>
+      <p:ext uri="{BB962C8B-B14F-4D97-AF65-F5344CB8AC3E}">
+        <p14:creationId xmlns:p14="http://schemas.microsoft.com/office/powerpoint/2010/main" val="2578513041"/>
+      </p:ext>
+    </p:extLst>
+  </p:cSld>
+  <p:clrMapOvr>
+    <a:masterClrMapping/>
+  </p:clrMapOvr>
+  <p:timing>
+    <p:tnLst>
+      <p:par>
+        <p:cTn id="1" dur="indefinite" restart="never" nodeType="tmRoot"/>
+      </p:par>
+    </p:tnLst>
+  </p:timing>
+</p:sld>
+</file>
+
+<file path=ppt/slides/slide9.xml><?xml version="1.0" encoding="utf-8"?>
+<p:sld xmlns:a="http://schemas.openxmlformats.org/drawingml/2006/main" xmlns:r="http://schemas.openxmlformats.org/officeDocument/2006/relationships" xmlns:p="http://schemas.openxmlformats.org/presentationml/2006/main">
+  <p:cSld>
+    <p:spTree>
+      <p:nvGrpSpPr>
+        <p:cNvPr id="1" name=""/>
+        <p:cNvGrpSpPr/>
+        <p:nvPr/>
+      </p:nvGrpSpPr>
+      <p:grpSpPr>
+        <a:xfrm>
+          <a:off x="0" y="0"/>
+          <a:ext cx="0" cy="0"/>
+          <a:chOff x="0" y="0"/>
+          <a:chExt cx="0" cy="0"/>
+        </a:xfrm>
+      </p:grpSpPr>
+      <p:sp>
+        <p:nvSpPr>
+          <p:cNvPr id="2" name="Title 1"/>
+          <p:cNvSpPr>
+            <a:spLocks noGrp="1"/>
+          </p:cNvSpPr>
+          <p:nvPr>
+            <p:ph type="title"/>
+          </p:nvPr>
+        </p:nvSpPr>
+        <p:spPr/>
+        <p:txBody>
+          <a:bodyPr/>
+          <a:lstStyle/>
+          <a:p>
+            <a:pPr algn="r"/>
+            <a:r>
+              <a:rPr lang="he-IL" dirty="0" smtClean="0"/>
+              <a:t>על שפת </a:t>
+            </a:r>
+            <a:r>
+              <a:rPr lang="en-US" dirty="0" smtClean="0"/>
+              <a:t>SQL</a:t>
+            </a:r>
+            <a:endParaRPr lang="he-IL" dirty="0"/>
+          </a:p>
+        </p:txBody>
+      </p:sp>
+      <p:sp>
+        <p:nvSpPr>
+          <p:cNvPr id="3" name="Content Placeholder 2"/>
+          <p:cNvSpPr>
+            <a:spLocks noGrp="1"/>
+          </p:cNvSpPr>
+          <p:nvPr>
+            <p:ph idx="1"/>
+          </p:nvPr>
+        </p:nvSpPr>
+        <p:spPr/>
+        <p:txBody>
+          <a:bodyPr>
+            <a:normAutofit lnSpcReduction="10000"/>
+          </a:bodyPr>
+          <a:lstStyle/>
+          <a:p>
+            <a:endParaRPr lang="he-IL" altLang="he-IL" dirty="0"/>
+          </a:p>
+          <a:p>
+            <a:r>
+              <a:rPr lang="en-US" altLang="he-IL" sz="2800" dirty="0" smtClean="0"/>
+              <a:t>Structured Query Language</a:t>
+            </a:r>
+            <a:endParaRPr lang="he-IL" altLang="he-IL" sz="2800" dirty="0"/>
+          </a:p>
+          <a:p>
+            <a:endParaRPr lang="he-IL" altLang="he-IL" sz="2800" dirty="0"/>
+          </a:p>
+          <a:p>
+            <a:r>
+              <a:rPr lang="he-IL" altLang="he-IL" sz="2800" dirty="0"/>
+              <a:t>פקודות עיקריות</a:t>
+            </a:r>
+            <a:r>
+              <a:rPr lang="he-IL" altLang="he-IL" sz="2800" dirty="0" smtClean="0"/>
+              <a:t>:</a:t>
+            </a:r>
+          </a:p>
+          <a:p>
+            <a:pPr marL="742950" lvl="2" indent="-342900"/>
+            <a:r>
+              <a:rPr lang="en-US" altLang="he-IL" sz="2400" b="1" dirty="0"/>
+              <a:t>Insert</a:t>
+            </a:r>
+            <a:r>
+              <a:rPr lang="he-IL" altLang="he-IL" sz="2400" dirty="0"/>
+              <a:t>	- הוספת רשומה לטבלה.</a:t>
+            </a:r>
+          </a:p>
+          <a:p>
+            <a:pPr lvl="1"/>
+            <a:r>
+              <a:rPr lang="en-US" altLang="he-IL" sz="2400" b="1" dirty="0" smtClean="0"/>
+              <a:t>Select</a:t>
+            </a:r>
+            <a:r>
+              <a:rPr lang="he-IL" altLang="he-IL" sz="2400" dirty="0"/>
+              <a:t>	- שליפת נתונים מטבלה/טבלאות.</a:t>
+            </a:r>
+          </a:p>
+          <a:p>
+            <a:pPr lvl="1"/>
+            <a:r>
+              <a:rPr lang="en-US" altLang="he-IL" sz="2400" b="1" dirty="0" smtClean="0"/>
+              <a:t>Update</a:t>
+            </a:r>
+            <a:r>
+              <a:rPr lang="he-IL" altLang="he-IL" sz="2400" dirty="0" smtClean="0"/>
+              <a:t> </a:t>
+            </a:r>
+            <a:r>
+              <a:rPr lang="he-IL" altLang="he-IL" sz="2400" dirty="0"/>
+              <a:t>- שינוי נתונים בטבלה.</a:t>
+            </a:r>
+          </a:p>
+          <a:p>
+            <a:pPr lvl="1"/>
+            <a:r>
+              <a:rPr lang="en-US" altLang="he-IL" sz="2400" b="1" dirty="0"/>
+              <a:t>Delete</a:t>
+            </a:r>
+            <a:r>
+              <a:rPr lang="he-IL" altLang="he-IL" sz="2400" dirty="0"/>
+              <a:t> 	- מחיקת נתונים מטבלה .</a:t>
+            </a:r>
+            <a:endParaRPr lang="en-US" altLang="he-IL" sz="2400" dirty="0"/>
+          </a:p>
+          <a:p>
+            <a:endParaRPr lang="he-IL" dirty="0"/>
+          </a:p>
+        </p:txBody>
+      </p:sp>
+    </p:spTree>
+    <p:extLst>
+      <p:ext uri="{BB962C8B-B14F-4D97-AF65-F5344CB8AC3E}">
+        <p14:creationId xmlns:p14="http://schemas.microsoft.com/office/powerpoint/2010/main" val="3806967308"/>
+      </p:ext>
+    </p:extLst>
+  </p:cSld>
+  <p:clrMapOvr>
+    <a:masterClrMapping/>
+  </p:clrMapOvr>
+  <p:timing>
+    <p:tnLst>
+      <p:par>
+        <p:cTn id="1" dur="indefinite" restart="never" nodeType="tmRoot"/>
+      </p:par>
+    </p:tnLst>
+  </p:timing>
 </p:sld>
 </file>
 
